--- a/zs_sim_robot/meeting_8/meeting_8.pptx
+++ b/zs_sim_robot/meeting_8/meeting_8.pptx
@@ -1,24 +1,124 @@
 
 <file path=ppt/presentation.xml><?xml version="1.0" encoding="utf-8"?>
-<p:presentation xmlns:a="http://schemas.openxmlformats.org/drawingml/2006/main" xmlns:p="http://schemas.openxmlformats.org/presentationml/2006/main" xmlns:r="http://schemas.openxmlformats.org/officeDocument/2006/relationships" xmlns:p14="http://schemas.microsoft.com/office/powerpoint/2010/main" xmlns:p15="http://schemas.microsoft.com/office/powerpoint/2012/main" xmlns:mc="http://schemas.openxmlformats.org/markup-compatibility/2006">
+<p:presentation xmlns:a="http://schemas.openxmlformats.org/drawingml/2006/main" xmlns:r="http://schemas.openxmlformats.org/officeDocument/2006/relationships" xmlns:p="http://schemas.openxmlformats.org/presentationml/2006/main">
   <p:sldMasterIdLst>
-    <p:sldMasterId id="2147483648" r:id="rId2"/>
-    <p:sldMasterId id="2147483661" r:id="rId3"/>
+    <p:sldMasterId id="2147483648" r:id="rId1"/>
+    <p:sldMasterId id="2147483661" r:id="rId2"/>
   </p:sldMasterIdLst>
   <p:sldIdLst>
-    <p:sldId id="256" r:id="rId4"/>
-    <p:sldId id="257" r:id="rId5"/>
-    <p:sldId id="258" r:id="rId6"/>
-    <p:sldId id="259" r:id="rId7"/>
-    <p:sldId id="260" r:id="rId8"/>
+    <p:sldId id="256" r:id="rId3"/>
+    <p:sldId id="257" r:id="rId4"/>
+    <p:sldId id="258" r:id="rId5"/>
+    <p:sldId id="261" r:id="rId6"/>
+    <p:sldId id="262" r:id="rId7"/>
+    <p:sldId id="263" r:id="rId8"/>
+    <p:sldId id="264" r:id="rId9"/>
+    <p:sldId id="259" r:id="rId10"/>
+    <p:sldId id="265" r:id="rId11"/>
+    <p:sldId id="260" r:id="rId12"/>
   </p:sldIdLst>
   <p:sldSz cx="12192000" cy="6858000"/>
   <p:notesSz cx="7772400" cy="10058400"/>
+  <p:defaultTextStyle>
+    <a:defPPr>
+      <a:defRPr lang="en-US"/>
+    </a:defPPr>
+    <a:lvl1pPr marL="0" algn="l" defTabSz="914400" rtl="0" eaLnBrk="1" latinLnBrk="0" hangingPunct="1">
+      <a:defRPr sz="1800" kern="1200">
+        <a:solidFill>
+          <a:schemeClr val="tx1"/>
+        </a:solidFill>
+        <a:latin typeface="+mn-lt"/>
+        <a:ea typeface="+mn-ea"/>
+        <a:cs typeface="+mn-cs"/>
+      </a:defRPr>
+    </a:lvl1pPr>
+    <a:lvl2pPr marL="457200" algn="l" defTabSz="914400" rtl="0" eaLnBrk="1" latinLnBrk="0" hangingPunct="1">
+      <a:defRPr sz="1800" kern="1200">
+        <a:solidFill>
+          <a:schemeClr val="tx1"/>
+        </a:solidFill>
+        <a:latin typeface="+mn-lt"/>
+        <a:ea typeface="+mn-ea"/>
+        <a:cs typeface="+mn-cs"/>
+      </a:defRPr>
+    </a:lvl2pPr>
+    <a:lvl3pPr marL="914400" algn="l" defTabSz="914400" rtl="0" eaLnBrk="1" latinLnBrk="0" hangingPunct="1">
+      <a:defRPr sz="1800" kern="1200">
+        <a:solidFill>
+          <a:schemeClr val="tx1"/>
+        </a:solidFill>
+        <a:latin typeface="+mn-lt"/>
+        <a:ea typeface="+mn-ea"/>
+        <a:cs typeface="+mn-cs"/>
+      </a:defRPr>
+    </a:lvl3pPr>
+    <a:lvl4pPr marL="1371600" algn="l" defTabSz="914400" rtl="0" eaLnBrk="1" latinLnBrk="0" hangingPunct="1">
+      <a:defRPr sz="1800" kern="1200">
+        <a:solidFill>
+          <a:schemeClr val="tx1"/>
+        </a:solidFill>
+        <a:latin typeface="+mn-lt"/>
+        <a:ea typeface="+mn-ea"/>
+        <a:cs typeface="+mn-cs"/>
+      </a:defRPr>
+    </a:lvl4pPr>
+    <a:lvl5pPr marL="1828800" algn="l" defTabSz="914400" rtl="0" eaLnBrk="1" latinLnBrk="0" hangingPunct="1">
+      <a:defRPr sz="1800" kern="1200">
+        <a:solidFill>
+          <a:schemeClr val="tx1"/>
+        </a:solidFill>
+        <a:latin typeface="+mn-lt"/>
+        <a:ea typeface="+mn-ea"/>
+        <a:cs typeface="+mn-cs"/>
+      </a:defRPr>
+    </a:lvl5pPr>
+    <a:lvl6pPr marL="2286000" algn="l" defTabSz="914400" rtl="0" eaLnBrk="1" latinLnBrk="0" hangingPunct="1">
+      <a:defRPr sz="1800" kern="1200">
+        <a:solidFill>
+          <a:schemeClr val="tx1"/>
+        </a:solidFill>
+        <a:latin typeface="+mn-lt"/>
+        <a:ea typeface="+mn-ea"/>
+        <a:cs typeface="+mn-cs"/>
+      </a:defRPr>
+    </a:lvl6pPr>
+    <a:lvl7pPr marL="2743200" algn="l" defTabSz="914400" rtl="0" eaLnBrk="1" latinLnBrk="0" hangingPunct="1">
+      <a:defRPr sz="1800" kern="1200">
+        <a:solidFill>
+          <a:schemeClr val="tx1"/>
+        </a:solidFill>
+        <a:latin typeface="+mn-lt"/>
+        <a:ea typeface="+mn-ea"/>
+        <a:cs typeface="+mn-cs"/>
+      </a:defRPr>
+    </a:lvl7pPr>
+    <a:lvl8pPr marL="3200400" algn="l" defTabSz="914400" rtl="0" eaLnBrk="1" latinLnBrk="0" hangingPunct="1">
+      <a:defRPr sz="1800" kern="1200">
+        <a:solidFill>
+          <a:schemeClr val="tx1"/>
+        </a:solidFill>
+        <a:latin typeface="+mn-lt"/>
+        <a:ea typeface="+mn-ea"/>
+        <a:cs typeface="+mn-cs"/>
+      </a:defRPr>
+    </a:lvl8pPr>
+    <a:lvl9pPr marL="3657600" algn="l" defTabSz="914400" rtl="0" eaLnBrk="1" latinLnBrk="0" hangingPunct="1">
+      <a:defRPr sz="1800" kern="1200">
+        <a:solidFill>
+          <a:schemeClr val="tx1"/>
+        </a:solidFill>
+        <a:latin typeface="+mn-lt"/>
+        <a:ea typeface="+mn-ea"/>
+        <a:cs typeface="+mn-cs"/>
+      </a:defRPr>
+    </a:lvl9pPr>
+  </p:defaultTextStyle>
 </p:presentation>
 </file>
 
 <file path=ppt/slideLayouts/slideLayout1.xml><?xml version="1.0" encoding="utf-8"?>
-<p:sldLayout xmlns:a="http://schemas.openxmlformats.org/drawingml/2006/main" xmlns:p="http://schemas.openxmlformats.org/presentationml/2006/main" xmlns:r="http://schemas.openxmlformats.org/officeDocument/2006/relationships" xmlns:p14="http://schemas.microsoft.com/office/powerpoint/2010/main" xmlns:p15="http://schemas.microsoft.com/office/powerpoint/2012/main" xmlns:mc="http://schemas.openxmlformats.org/markup-compatibility/2006" type="blank" preserve="1">
+<p:sldLayout xmlns:a="http://schemas.openxmlformats.org/drawingml/2006/main" xmlns:r="http://schemas.openxmlformats.org/officeDocument/2006/relationships" xmlns:p="http://schemas.openxmlformats.org/presentationml/2006/main" type="blank" preserve="1">
   <p:cSld name="Blank Slide">
     <p:spTree>
       <p:nvGrpSpPr>
@@ -36,11 +136,14 @@
       </p:grpSpPr>
     </p:spTree>
   </p:cSld>
+  <p:clrMapOvr>
+    <a:masterClrMapping/>
+  </p:clrMapOvr>
 </p:sldLayout>
 </file>
 
 <file path=ppt/slideLayouts/slideLayout10.xml><?xml version="1.0" encoding="utf-8"?>
-<p:sldLayout xmlns:a="http://schemas.openxmlformats.org/drawingml/2006/main" xmlns:p="http://schemas.openxmlformats.org/presentationml/2006/main" xmlns:r="http://schemas.openxmlformats.org/officeDocument/2006/relationships" xmlns:p14="http://schemas.microsoft.com/office/powerpoint/2010/main" xmlns:p15="http://schemas.microsoft.com/office/powerpoint/2012/main" xmlns:mc="http://schemas.openxmlformats.org/markup-compatibility/2006" type="objOverTx" preserve="1">
+<p:sldLayout xmlns:a="http://schemas.openxmlformats.org/drawingml/2006/main" xmlns:r="http://schemas.openxmlformats.org/officeDocument/2006/relationships" xmlns:p="http://schemas.openxmlformats.org/presentationml/2006/main" type="objOverTx" preserve="1">
   <p:cSld name="Title, Content over Content">
     <p:spTree>
       <p:nvGrpSpPr>
@@ -76,15 +179,16 @@
           </a:prstGeom>
         </p:spPr>
         <p:txBody>
-          <a:bodyPr lIns="0" rIns="0" tIns="0" bIns="0" anchor="ctr"/>
-          <a:p>
-            <a:endParaRPr b="0" lang="zh-CN" sz="1800" spc="-1" strike="noStrike">
-              <a:solidFill>
-                <a:srgbClr val="000000"/>
-              </a:solidFill>
-              <a:uFill>
-                <a:solidFill>
-                  <a:srgbClr val="ffffff"/>
+          <a:bodyPr lIns="0" tIns="0" rIns="0" bIns="0" anchor="ctr"/>
+          <a:lstStyle/>
+          <a:p>
+            <a:endParaRPr lang="zh-CN" sz="1800" b="0" strike="noStrike" spc="-1">
+              <a:solidFill>
+                <a:srgbClr val="000000"/>
+              </a:solidFill>
+              <a:uFill>
+                <a:solidFill>
+                  <a:srgbClr val="FFFFFF"/>
                 </a:solidFill>
               </a:uFill>
               <a:latin typeface="Calibri"/>
@@ -112,15 +216,16 @@
           </a:prstGeom>
         </p:spPr>
         <p:txBody>
-          <a:bodyPr lIns="0" rIns="0" tIns="0" bIns="0"/>
-          <a:p>
-            <a:endParaRPr b="0" lang="zh-CN" sz="2800" spc="-1" strike="noStrike">
-              <a:solidFill>
-                <a:srgbClr val="000000"/>
-              </a:solidFill>
-              <a:uFill>
-                <a:solidFill>
-                  <a:srgbClr val="ffffff"/>
+          <a:bodyPr lIns="0" tIns="0" rIns="0" bIns="0"/>
+          <a:lstStyle/>
+          <a:p>
+            <a:endParaRPr lang="zh-CN" sz="2800" b="0" strike="noStrike" spc="-1">
+              <a:solidFill>
+                <a:srgbClr val="000000"/>
+              </a:solidFill>
+              <a:uFill>
+                <a:solidFill>
+                  <a:srgbClr val="FFFFFF"/>
                 </a:solidFill>
               </a:uFill>
               <a:latin typeface="Calibri"/>
@@ -148,15 +253,16 @@
           </a:prstGeom>
         </p:spPr>
         <p:txBody>
-          <a:bodyPr lIns="0" rIns="0" tIns="0" bIns="0"/>
-          <a:p>
-            <a:endParaRPr b="0" lang="zh-CN" sz="2800" spc="-1" strike="noStrike">
-              <a:solidFill>
-                <a:srgbClr val="000000"/>
-              </a:solidFill>
-              <a:uFill>
-                <a:solidFill>
-                  <a:srgbClr val="ffffff"/>
+          <a:bodyPr lIns="0" tIns="0" rIns="0" bIns="0"/>
+          <a:lstStyle/>
+          <a:p>
+            <a:endParaRPr lang="zh-CN" sz="2800" b="0" strike="noStrike" spc="-1">
+              <a:solidFill>
+                <a:srgbClr val="000000"/>
+              </a:solidFill>
+              <a:uFill>
+                <a:solidFill>
+                  <a:srgbClr val="FFFFFF"/>
                 </a:solidFill>
               </a:uFill>
               <a:latin typeface="Calibri"/>
@@ -166,11 +272,14 @@
       </p:sp>
     </p:spTree>
   </p:cSld>
+  <p:clrMapOvr>
+    <a:masterClrMapping/>
+  </p:clrMapOvr>
 </p:sldLayout>
 </file>
 
 <file path=ppt/slideLayouts/slideLayout11.xml><?xml version="1.0" encoding="utf-8"?>
-<p:sldLayout xmlns:a="http://schemas.openxmlformats.org/drawingml/2006/main" xmlns:p="http://schemas.openxmlformats.org/presentationml/2006/main" xmlns:r="http://schemas.openxmlformats.org/officeDocument/2006/relationships" xmlns:p14="http://schemas.microsoft.com/office/powerpoint/2010/main" xmlns:p15="http://schemas.microsoft.com/office/powerpoint/2012/main" xmlns:mc="http://schemas.openxmlformats.org/markup-compatibility/2006" type="fourObj" preserve="1">
+<p:sldLayout xmlns:a="http://schemas.openxmlformats.org/drawingml/2006/main" xmlns:r="http://schemas.openxmlformats.org/officeDocument/2006/relationships" xmlns:p="http://schemas.openxmlformats.org/presentationml/2006/main" type="fourObj" preserve="1">
   <p:cSld name="Title, 4 Content">
     <p:spTree>
       <p:nvGrpSpPr>
@@ -206,15 +315,16 @@
           </a:prstGeom>
         </p:spPr>
         <p:txBody>
-          <a:bodyPr lIns="0" rIns="0" tIns="0" bIns="0" anchor="ctr"/>
-          <a:p>
-            <a:endParaRPr b="0" lang="zh-CN" sz="1800" spc="-1" strike="noStrike">
-              <a:solidFill>
-                <a:srgbClr val="000000"/>
-              </a:solidFill>
-              <a:uFill>
-                <a:solidFill>
-                  <a:srgbClr val="ffffff"/>
+          <a:bodyPr lIns="0" tIns="0" rIns="0" bIns="0" anchor="ctr"/>
+          <a:lstStyle/>
+          <a:p>
+            <a:endParaRPr lang="zh-CN" sz="1800" b="0" strike="noStrike" spc="-1">
+              <a:solidFill>
+                <a:srgbClr val="000000"/>
+              </a:solidFill>
+              <a:uFill>
+                <a:solidFill>
+                  <a:srgbClr val="FFFFFF"/>
                 </a:solidFill>
               </a:uFill>
               <a:latin typeface="Calibri"/>
@@ -242,15 +352,16 @@
           </a:prstGeom>
         </p:spPr>
         <p:txBody>
-          <a:bodyPr lIns="0" rIns="0" tIns="0" bIns="0"/>
-          <a:p>
-            <a:endParaRPr b="0" lang="zh-CN" sz="2800" spc="-1" strike="noStrike">
-              <a:solidFill>
-                <a:srgbClr val="000000"/>
-              </a:solidFill>
-              <a:uFill>
-                <a:solidFill>
-                  <a:srgbClr val="ffffff"/>
+          <a:bodyPr lIns="0" tIns="0" rIns="0" bIns="0"/>
+          <a:lstStyle/>
+          <a:p>
+            <a:endParaRPr lang="zh-CN" sz="2800" b="0" strike="noStrike" spc="-1">
+              <a:solidFill>
+                <a:srgbClr val="000000"/>
+              </a:solidFill>
+              <a:uFill>
+                <a:solidFill>
+                  <a:srgbClr val="FFFFFF"/>
                 </a:solidFill>
               </a:uFill>
               <a:latin typeface="Calibri"/>
@@ -278,15 +389,16 @@
           </a:prstGeom>
         </p:spPr>
         <p:txBody>
-          <a:bodyPr lIns="0" rIns="0" tIns="0" bIns="0"/>
-          <a:p>
-            <a:endParaRPr b="0" lang="zh-CN" sz="2800" spc="-1" strike="noStrike">
-              <a:solidFill>
-                <a:srgbClr val="000000"/>
-              </a:solidFill>
-              <a:uFill>
-                <a:solidFill>
-                  <a:srgbClr val="ffffff"/>
+          <a:bodyPr lIns="0" tIns="0" rIns="0" bIns="0"/>
+          <a:lstStyle/>
+          <a:p>
+            <a:endParaRPr lang="zh-CN" sz="2800" b="0" strike="noStrike" spc="-1">
+              <a:solidFill>
+                <a:srgbClr val="000000"/>
+              </a:solidFill>
+              <a:uFill>
+                <a:solidFill>
+                  <a:srgbClr val="FFFFFF"/>
                 </a:solidFill>
               </a:uFill>
               <a:latin typeface="Calibri"/>
@@ -314,15 +426,16 @@
           </a:prstGeom>
         </p:spPr>
         <p:txBody>
-          <a:bodyPr lIns="0" rIns="0" tIns="0" bIns="0"/>
-          <a:p>
-            <a:endParaRPr b="0" lang="zh-CN" sz="2800" spc="-1" strike="noStrike">
-              <a:solidFill>
-                <a:srgbClr val="000000"/>
-              </a:solidFill>
-              <a:uFill>
-                <a:solidFill>
-                  <a:srgbClr val="ffffff"/>
+          <a:bodyPr lIns="0" tIns="0" rIns="0" bIns="0"/>
+          <a:lstStyle/>
+          <a:p>
+            <a:endParaRPr lang="zh-CN" sz="2800" b="0" strike="noStrike" spc="-1">
+              <a:solidFill>
+                <a:srgbClr val="000000"/>
+              </a:solidFill>
+              <a:uFill>
+                <a:solidFill>
+                  <a:srgbClr val="FFFFFF"/>
                 </a:solidFill>
               </a:uFill>
               <a:latin typeface="Calibri"/>
@@ -350,15 +463,16 @@
           </a:prstGeom>
         </p:spPr>
         <p:txBody>
-          <a:bodyPr lIns="0" rIns="0" tIns="0" bIns="0"/>
-          <a:p>
-            <a:endParaRPr b="0" lang="zh-CN" sz="2800" spc="-1" strike="noStrike">
-              <a:solidFill>
-                <a:srgbClr val="000000"/>
-              </a:solidFill>
-              <a:uFill>
-                <a:solidFill>
-                  <a:srgbClr val="ffffff"/>
+          <a:bodyPr lIns="0" tIns="0" rIns="0" bIns="0"/>
+          <a:lstStyle/>
+          <a:p>
+            <a:endParaRPr lang="zh-CN" sz="2800" b="0" strike="noStrike" spc="-1">
+              <a:solidFill>
+                <a:srgbClr val="000000"/>
+              </a:solidFill>
+              <a:uFill>
+                <a:solidFill>
+                  <a:srgbClr val="FFFFFF"/>
                 </a:solidFill>
               </a:uFill>
               <a:latin typeface="Calibri"/>
@@ -368,11 +482,14 @@
       </p:sp>
     </p:spTree>
   </p:cSld>
+  <p:clrMapOvr>
+    <a:masterClrMapping/>
+  </p:clrMapOvr>
 </p:sldLayout>
 </file>
 
 <file path=ppt/slideLayouts/slideLayout12.xml><?xml version="1.0" encoding="utf-8"?>
-<p:sldLayout xmlns:a="http://schemas.openxmlformats.org/drawingml/2006/main" xmlns:p="http://schemas.openxmlformats.org/presentationml/2006/main" xmlns:r="http://schemas.openxmlformats.org/officeDocument/2006/relationships" xmlns:p14="http://schemas.microsoft.com/office/powerpoint/2010/main" xmlns:p15="http://schemas.microsoft.com/office/powerpoint/2012/main" xmlns:mc="http://schemas.openxmlformats.org/markup-compatibility/2006" type="blank" preserve="1">
+<p:sldLayout xmlns:a="http://schemas.openxmlformats.org/drawingml/2006/main" xmlns:r="http://schemas.openxmlformats.org/officeDocument/2006/relationships" xmlns:p="http://schemas.openxmlformats.org/presentationml/2006/main" type="blank" preserve="1">
   <p:cSld name="Title, 6 Content">
     <p:spTree>
       <p:nvGrpSpPr>
@@ -408,15 +525,16 @@
           </a:prstGeom>
         </p:spPr>
         <p:txBody>
-          <a:bodyPr lIns="0" rIns="0" tIns="0" bIns="0" anchor="ctr"/>
-          <a:p>
-            <a:endParaRPr b="0" lang="zh-CN" sz="1800" spc="-1" strike="noStrike">
-              <a:solidFill>
-                <a:srgbClr val="000000"/>
-              </a:solidFill>
-              <a:uFill>
-                <a:solidFill>
-                  <a:srgbClr val="ffffff"/>
+          <a:bodyPr lIns="0" tIns="0" rIns="0" bIns="0" anchor="ctr"/>
+          <a:lstStyle/>
+          <a:p>
+            <a:endParaRPr lang="zh-CN" sz="1800" b="0" strike="noStrike" spc="-1">
+              <a:solidFill>
+                <a:srgbClr val="000000"/>
+              </a:solidFill>
+              <a:uFill>
+                <a:solidFill>
+                  <a:srgbClr val="FFFFFF"/>
                 </a:solidFill>
               </a:uFill>
               <a:latin typeface="Calibri"/>
@@ -444,15 +562,16 @@
           </a:prstGeom>
         </p:spPr>
         <p:txBody>
-          <a:bodyPr lIns="0" rIns="0" tIns="0" bIns="0"/>
-          <a:p>
-            <a:endParaRPr b="0" lang="zh-CN" sz="2800" spc="-1" strike="noStrike">
-              <a:solidFill>
-                <a:srgbClr val="000000"/>
-              </a:solidFill>
-              <a:uFill>
-                <a:solidFill>
-                  <a:srgbClr val="ffffff"/>
+          <a:bodyPr lIns="0" tIns="0" rIns="0" bIns="0"/>
+          <a:lstStyle/>
+          <a:p>
+            <a:endParaRPr lang="zh-CN" sz="2800" b="0" strike="noStrike" spc="-1">
+              <a:solidFill>
+                <a:srgbClr val="000000"/>
+              </a:solidFill>
+              <a:uFill>
+                <a:solidFill>
+                  <a:srgbClr val="FFFFFF"/>
                 </a:solidFill>
               </a:uFill>
               <a:latin typeface="Calibri"/>
@@ -480,15 +599,16 @@
           </a:prstGeom>
         </p:spPr>
         <p:txBody>
-          <a:bodyPr lIns="0" rIns="0" tIns="0" bIns="0"/>
-          <a:p>
-            <a:endParaRPr b="0" lang="zh-CN" sz="2800" spc="-1" strike="noStrike">
-              <a:solidFill>
-                <a:srgbClr val="000000"/>
-              </a:solidFill>
-              <a:uFill>
-                <a:solidFill>
-                  <a:srgbClr val="ffffff"/>
+          <a:bodyPr lIns="0" tIns="0" rIns="0" bIns="0"/>
+          <a:lstStyle/>
+          <a:p>
+            <a:endParaRPr lang="zh-CN" sz="2800" b="0" strike="noStrike" spc="-1">
+              <a:solidFill>
+                <a:srgbClr val="000000"/>
+              </a:solidFill>
+              <a:uFill>
+                <a:solidFill>
+                  <a:srgbClr val="FFFFFF"/>
                 </a:solidFill>
               </a:uFill>
               <a:latin typeface="Calibri"/>
@@ -498,7 +618,7 @@
       </p:sp>
       <p:pic>
         <p:nvPicPr>
-          <p:cNvPr id="37" name="" descr=""/>
+          <p:cNvPr id="37" name="Picture 36"/>
           <p:cNvPicPr/>
           <p:nvPr/>
         </p:nvPicPr>
@@ -521,12 +641,12 @@
       </p:pic>
       <p:pic>
         <p:nvPicPr>
-          <p:cNvPr id="38" name="" descr=""/>
+          <p:cNvPr id="38" name="Picture 37"/>
           <p:cNvPicPr/>
           <p:nvPr/>
         </p:nvPicPr>
         <p:blipFill>
-          <a:blip r:embed="rId3"/>
+          <a:blip r:embed="rId2"/>
           <a:stretch/>
         </p:blipFill>
         <p:spPr>
@@ -544,11 +664,14 @@
       </p:pic>
     </p:spTree>
   </p:cSld>
+  <p:clrMapOvr>
+    <a:masterClrMapping/>
+  </p:clrMapOvr>
 </p:sldLayout>
 </file>
 
 <file path=ppt/slideLayouts/slideLayout13.xml><?xml version="1.0" encoding="utf-8"?>
-<p:sldLayout xmlns:a="http://schemas.openxmlformats.org/drawingml/2006/main" xmlns:p="http://schemas.openxmlformats.org/presentationml/2006/main" xmlns:r="http://schemas.openxmlformats.org/officeDocument/2006/relationships" xmlns:p14="http://schemas.microsoft.com/office/powerpoint/2010/main" xmlns:p15="http://schemas.microsoft.com/office/powerpoint/2012/main" xmlns:mc="http://schemas.openxmlformats.org/markup-compatibility/2006" type="blank" preserve="1">
+<p:sldLayout xmlns:a="http://schemas.openxmlformats.org/drawingml/2006/main" xmlns:r="http://schemas.openxmlformats.org/officeDocument/2006/relationships" xmlns:p="http://schemas.openxmlformats.org/presentationml/2006/main" type="blank" preserve="1">
   <p:cSld name="Blank Slide">
     <p:spTree>
       <p:nvGrpSpPr>
@@ -566,11 +689,14 @@
       </p:grpSpPr>
     </p:spTree>
   </p:cSld>
+  <p:clrMapOvr>
+    <a:masterClrMapping/>
+  </p:clrMapOvr>
 </p:sldLayout>
 </file>
 
 <file path=ppt/slideLayouts/slideLayout14.xml><?xml version="1.0" encoding="utf-8"?>
-<p:sldLayout xmlns:a="http://schemas.openxmlformats.org/drawingml/2006/main" xmlns:p="http://schemas.openxmlformats.org/presentationml/2006/main" xmlns:r="http://schemas.openxmlformats.org/officeDocument/2006/relationships" xmlns:p14="http://schemas.microsoft.com/office/powerpoint/2010/main" xmlns:p15="http://schemas.microsoft.com/office/powerpoint/2012/main" xmlns:mc="http://schemas.openxmlformats.org/markup-compatibility/2006" type="tx" preserve="1">
+<p:sldLayout xmlns:a="http://schemas.openxmlformats.org/drawingml/2006/main" xmlns:r="http://schemas.openxmlformats.org/officeDocument/2006/relationships" xmlns:p="http://schemas.openxmlformats.org/presentationml/2006/main" type="tx" preserve="1">
   <p:cSld name="Title Slide">
     <p:spTree>
       <p:nvGrpSpPr>
@@ -606,15 +732,16 @@
           </a:prstGeom>
         </p:spPr>
         <p:txBody>
-          <a:bodyPr lIns="0" rIns="0" tIns="0" bIns="0" anchor="ctr"/>
-          <a:p>
-            <a:endParaRPr b="0" lang="zh-CN" sz="1800" spc="-1" strike="noStrike">
-              <a:solidFill>
-                <a:srgbClr val="000000"/>
-              </a:solidFill>
-              <a:uFill>
-                <a:solidFill>
-                  <a:srgbClr val="ffffff"/>
+          <a:bodyPr lIns="0" tIns="0" rIns="0" bIns="0" anchor="ctr"/>
+          <a:lstStyle/>
+          <a:p>
+            <a:endParaRPr lang="zh-CN" sz="1800" b="0" strike="noStrike" spc="-1">
+              <a:solidFill>
+                <a:srgbClr val="000000"/>
+              </a:solidFill>
+              <a:uFill>
+                <a:solidFill>
+                  <a:srgbClr val="FFFFFF"/>
                 </a:solidFill>
               </a:uFill>
               <a:latin typeface="Calibri"/>
@@ -642,16 +769,17 @@
           </a:prstGeom>
         </p:spPr>
         <p:txBody>
-          <a:bodyPr lIns="0" rIns="0" tIns="0" bIns="0" anchor="ctr"/>
+          <a:bodyPr lIns="0" tIns="0" rIns="0" bIns="0" anchor="ctr"/>
+          <a:lstStyle/>
           <a:p>
             <a:pPr algn="ctr"/>
-            <a:endParaRPr b="0" lang="en-US" sz="3200" spc="-1" strike="noStrike">
-              <a:solidFill>
-                <a:srgbClr val="000000"/>
-              </a:solidFill>
-              <a:uFill>
-                <a:solidFill>
-                  <a:srgbClr val="ffffff"/>
+            <a:endParaRPr lang="en-US" sz="3200" b="0" strike="noStrike" spc="-1">
+              <a:solidFill>
+                <a:srgbClr val="000000"/>
+              </a:solidFill>
+              <a:uFill>
+                <a:solidFill>
+                  <a:srgbClr val="FFFFFF"/>
                 </a:solidFill>
               </a:uFill>
               <a:latin typeface="Arial"/>
@@ -661,11 +789,14 @@
       </p:sp>
     </p:spTree>
   </p:cSld>
+  <p:clrMapOvr>
+    <a:masterClrMapping/>
+  </p:clrMapOvr>
 </p:sldLayout>
 </file>
 
 <file path=ppt/slideLayouts/slideLayout15.xml><?xml version="1.0" encoding="utf-8"?>
-<p:sldLayout xmlns:a="http://schemas.openxmlformats.org/drawingml/2006/main" xmlns:p="http://schemas.openxmlformats.org/presentationml/2006/main" xmlns:r="http://schemas.openxmlformats.org/officeDocument/2006/relationships" xmlns:p14="http://schemas.microsoft.com/office/powerpoint/2010/main" xmlns:p15="http://schemas.microsoft.com/office/powerpoint/2012/main" xmlns:mc="http://schemas.openxmlformats.org/markup-compatibility/2006" type="obj" preserve="1">
+<p:sldLayout xmlns:a="http://schemas.openxmlformats.org/drawingml/2006/main" xmlns:r="http://schemas.openxmlformats.org/officeDocument/2006/relationships" xmlns:p="http://schemas.openxmlformats.org/presentationml/2006/main" type="obj" preserve="1">
   <p:cSld name="Title, Content">
     <p:spTree>
       <p:nvGrpSpPr>
@@ -701,15 +832,16 @@
           </a:prstGeom>
         </p:spPr>
         <p:txBody>
-          <a:bodyPr lIns="0" rIns="0" tIns="0" bIns="0" anchor="ctr"/>
-          <a:p>
-            <a:endParaRPr b="0" lang="zh-CN" sz="1800" spc="-1" strike="noStrike">
-              <a:solidFill>
-                <a:srgbClr val="000000"/>
-              </a:solidFill>
-              <a:uFill>
-                <a:solidFill>
-                  <a:srgbClr val="ffffff"/>
+          <a:bodyPr lIns="0" tIns="0" rIns="0" bIns="0" anchor="ctr"/>
+          <a:lstStyle/>
+          <a:p>
+            <a:endParaRPr lang="zh-CN" sz="1800" b="0" strike="noStrike" spc="-1">
+              <a:solidFill>
+                <a:srgbClr val="000000"/>
+              </a:solidFill>
+              <a:uFill>
+                <a:solidFill>
+                  <a:srgbClr val="FFFFFF"/>
                 </a:solidFill>
               </a:uFill>
               <a:latin typeface="Calibri"/>
@@ -737,15 +869,16 @@
           </a:prstGeom>
         </p:spPr>
         <p:txBody>
-          <a:bodyPr lIns="0" rIns="0" tIns="0" bIns="0"/>
-          <a:p>
-            <a:endParaRPr b="0" lang="zh-CN" sz="2800" spc="-1" strike="noStrike">
-              <a:solidFill>
-                <a:srgbClr val="000000"/>
-              </a:solidFill>
-              <a:uFill>
-                <a:solidFill>
-                  <a:srgbClr val="ffffff"/>
+          <a:bodyPr lIns="0" tIns="0" rIns="0" bIns="0"/>
+          <a:lstStyle/>
+          <a:p>
+            <a:endParaRPr lang="zh-CN" sz="2800" b="0" strike="noStrike" spc="-1">
+              <a:solidFill>
+                <a:srgbClr val="000000"/>
+              </a:solidFill>
+              <a:uFill>
+                <a:solidFill>
+                  <a:srgbClr val="FFFFFF"/>
                 </a:solidFill>
               </a:uFill>
               <a:latin typeface="Calibri"/>
@@ -755,11 +888,14 @@
       </p:sp>
     </p:spTree>
   </p:cSld>
+  <p:clrMapOvr>
+    <a:masterClrMapping/>
+  </p:clrMapOvr>
 </p:sldLayout>
 </file>
 
 <file path=ppt/slideLayouts/slideLayout16.xml><?xml version="1.0" encoding="utf-8"?>
-<p:sldLayout xmlns:a="http://schemas.openxmlformats.org/drawingml/2006/main" xmlns:p="http://schemas.openxmlformats.org/presentationml/2006/main" xmlns:r="http://schemas.openxmlformats.org/officeDocument/2006/relationships" xmlns:p14="http://schemas.microsoft.com/office/powerpoint/2010/main" xmlns:p15="http://schemas.microsoft.com/office/powerpoint/2012/main" xmlns:mc="http://schemas.openxmlformats.org/markup-compatibility/2006" type="twoObj" preserve="1">
+<p:sldLayout xmlns:a="http://schemas.openxmlformats.org/drawingml/2006/main" xmlns:r="http://schemas.openxmlformats.org/officeDocument/2006/relationships" xmlns:p="http://schemas.openxmlformats.org/presentationml/2006/main" type="twoObj" preserve="1">
   <p:cSld name="Title, 2 Content">
     <p:spTree>
       <p:nvGrpSpPr>
@@ -795,15 +931,16 @@
           </a:prstGeom>
         </p:spPr>
         <p:txBody>
-          <a:bodyPr lIns="0" rIns="0" tIns="0" bIns="0" anchor="ctr"/>
-          <a:p>
-            <a:endParaRPr b="0" lang="zh-CN" sz="1800" spc="-1" strike="noStrike">
-              <a:solidFill>
-                <a:srgbClr val="000000"/>
-              </a:solidFill>
-              <a:uFill>
-                <a:solidFill>
-                  <a:srgbClr val="ffffff"/>
+          <a:bodyPr lIns="0" tIns="0" rIns="0" bIns="0" anchor="ctr"/>
+          <a:lstStyle/>
+          <a:p>
+            <a:endParaRPr lang="zh-CN" sz="1800" b="0" strike="noStrike" spc="-1">
+              <a:solidFill>
+                <a:srgbClr val="000000"/>
+              </a:solidFill>
+              <a:uFill>
+                <a:solidFill>
+                  <a:srgbClr val="FFFFFF"/>
                 </a:solidFill>
               </a:uFill>
               <a:latin typeface="Calibri"/>
@@ -831,15 +968,16 @@
           </a:prstGeom>
         </p:spPr>
         <p:txBody>
-          <a:bodyPr lIns="0" rIns="0" tIns="0" bIns="0"/>
-          <a:p>
-            <a:endParaRPr b="0" lang="zh-CN" sz="2800" spc="-1" strike="noStrike">
-              <a:solidFill>
-                <a:srgbClr val="000000"/>
-              </a:solidFill>
-              <a:uFill>
-                <a:solidFill>
-                  <a:srgbClr val="ffffff"/>
+          <a:bodyPr lIns="0" tIns="0" rIns="0" bIns="0"/>
+          <a:lstStyle/>
+          <a:p>
+            <a:endParaRPr lang="zh-CN" sz="2800" b="0" strike="noStrike" spc="-1">
+              <a:solidFill>
+                <a:srgbClr val="000000"/>
+              </a:solidFill>
+              <a:uFill>
+                <a:solidFill>
+                  <a:srgbClr val="FFFFFF"/>
                 </a:solidFill>
               </a:uFill>
               <a:latin typeface="Calibri"/>
@@ -867,15 +1005,16 @@
           </a:prstGeom>
         </p:spPr>
         <p:txBody>
-          <a:bodyPr lIns="0" rIns="0" tIns="0" bIns="0"/>
-          <a:p>
-            <a:endParaRPr b="0" lang="zh-CN" sz="2800" spc="-1" strike="noStrike">
-              <a:solidFill>
-                <a:srgbClr val="000000"/>
-              </a:solidFill>
-              <a:uFill>
-                <a:solidFill>
-                  <a:srgbClr val="ffffff"/>
+          <a:bodyPr lIns="0" tIns="0" rIns="0" bIns="0"/>
+          <a:lstStyle/>
+          <a:p>
+            <a:endParaRPr lang="zh-CN" sz="2800" b="0" strike="noStrike" spc="-1">
+              <a:solidFill>
+                <a:srgbClr val="000000"/>
+              </a:solidFill>
+              <a:uFill>
+                <a:solidFill>
+                  <a:srgbClr val="FFFFFF"/>
                 </a:solidFill>
               </a:uFill>
               <a:latin typeface="Calibri"/>
@@ -885,11 +1024,14 @@
       </p:sp>
     </p:spTree>
   </p:cSld>
+  <p:clrMapOvr>
+    <a:masterClrMapping/>
+  </p:clrMapOvr>
 </p:sldLayout>
 </file>
 
 <file path=ppt/slideLayouts/slideLayout17.xml><?xml version="1.0" encoding="utf-8"?>
-<p:sldLayout xmlns:a="http://schemas.openxmlformats.org/drawingml/2006/main" xmlns:p="http://schemas.openxmlformats.org/presentationml/2006/main" xmlns:r="http://schemas.openxmlformats.org/officeDocument/2006/relationships" xmlns:p14="http://schemas.microsoft.com/office/powerpoint/2010/main" xmlns:p15="http://schemas.microsoft.com/office/powerpoint/2012/main" xmlns:mc="http://schemas.openxmlformats.org/markup-compatibility/2006" type="titleOnly" preserve="1">
+<p:sldLayout xmlns:a="http://schemas.openxmlformats.org/drawingml/2006/main" xmlns:r="http://schemas.openxmlformats.org/officeDocument/2006/relationships" xmlns:p="http://schemas.openxmlformats.org/presentationml/2006/main" type="titleOnly" preserve="1">
   <p:cSld name="Title Only">
     <p:spTree>
       <p:nvGrpSpPr>
@@ -925,15 +1067,16 @@
           </a:prstGeom>
         </p:spPr>
         <p:txBody>
-          <a:bodyPr lIns="0" rIns="0" tIns="0" bIns="0" anchor="ctr"/>
-          <a:p>
-            <a:endParaRPr b="0" lang="zh-CN" sz="1800" spc="-1" strike="noStrike">
-              <a:solidFill>
-                <a:srgbClr val="000000"/>
-              </a:solidFill>
-              <a:uFill>
-                <a:solidFill>
-                  <a:srgbClr val="ffffff"/>
+          <a:bodyPr lIns="0" tIns="0" rIns="0" bIns="0" anchor="ctr"/>
+          <a:lstStyle/>
+          <a:p>
+            <a:endParaRPr lang="zh-CN" sz="1800" b="0" strike="noStrike" spc="-1">
+              <a:solidFill>
+                <a:srgbClr val="000000"/>
+              </a:solidFill>
+              <a:uFill>
+                <a:solidFill>
+                  <a:srgbClr val="FFFFFF"/>
                 </a:solidFill>
               </a:uFill>
               <a:latin typeface="Calibri"/>
@@ -943,11 +1086,14 @@
       </p:sp>
     </p:spTree>
   </p:cSld>
+  <p:clrMapOvr>
+    <a:masterClrMapping/>
+  </p:clrMapOvr>
 </p:sldLayout>
 </file>
 
 <file path=ppt/slideLayouts/slideLayout18.xml><?xml version="1.0" encoding="utf-8"?>
-<p:sldLayout xmlns:a="http://schemas.openxmlformats.org/drawingml/2006/main" xmlns:p="http://schemas.openxmlformats.org/presentationml/2006/main" xmlns:r="http://schemas.openxmlformats.org/officeDocument/2006/relationships" xmlns:p14="http://schemas.microsoft.com/office/powerpoint/2010/main" xmlns:p15="http://schemas.microsoft.com/office/powerpoint/2012/main" xmlns:mc="http://schemas.openxmlformats.org/markup-compatibility/2006" type="objOnly" preserve="1">
+<p:sldLayout xmlns:a="http://schemas.openxmlformats.org/drawingml/2006/main" xmlns:r="http://schemas.openxmlformats.org/officeDocument/2006/relationships" xmlns:p="http://schemas.openxmlformats.org/presentationml/2006/main" type="objOnly" preserve="1">
   <p:cSld name="Centered Text">
     <p:spTree>
       <p:nvGrpSpPr>
@@ -983,16 +1129,17 @@
           </a:prstGeom>
         </p:spPr>
         <p:txBody>
-          <a:bodyPr lIns="0" rIns="0" tIns="0" bIns="0" anchor="ctr"/>
+          <a:bodyPr lIns="0" tIns="0" rIns="0" bIns="0" anchor="ctr"/>
+          <a:lstStyle/>
           <a:p>
             <a:pPr algn="ctr"/>
-            <a:endParaRPr b="0" lang="en-US" sz="3200" spc="-1" strike="noStrike">
-              <a:solidFill>
-                <a:srgbClr val="000000"/>
-              </a:solidFill>
-              <a:uFill>
-                <a:solidFill>
-                  <a:srgbClr val="ffffff"/>
+            <a:endParaRPr lang="en-US" sz="3200" b="0" strike="noStrike" spc="-1">
+              <a:solidFill>
+                <a:srgbClr val="000000"/>
+              </a:solidFill>
+              <a:uFill>
+                <a:solidFill>
+                  <a:srgbClr val="FFFFFF"/>
                 </a:solidFill>
               </a:uFill>
               <a:latin typeface="Arial"/>
@@ -1002,11 +1149,14 @@
       </p:sp>
     </p:spTree>
   </p:cSld>
+  <p:clrMapOvr>
+    <a:masterClrMapping/>
+  </p:clrMapOvr>
 </p:sldLayout>
 </file>
 
 <file path=ppt/slideLayouts/slideLayout19.xml><?xml version="1.0" encoding="utf-8"?>
-<p:sldLayout xmlns:a="http://schemas.openxmlformats.org/drawingml/2006/main" xmlns:p="http://schemas.openxmlformats.org/presentationml/2006/main" xmlns:r="http://schemas.openxmlformats.org/officeDocument/2006/relationships" xmlns:p14="http://schemas.microsoft.com/office/powerpoint/2010/main" xmlns:p15="http://schemas.microsoft.com/office/powerpoint/2012/main" xmlns:mc="http://schemas.openxmlformats.org/markup-compatibility/2006" type="twoObjAndObj" preserve="1">
+<p:sldLayout xmlns:a="http://schemas.openxmlformats.org/drawingml/2006/main" xmlns:r="http://schemas.openxmlformats.org/officeDocument/2006/relationships" xmlns:p="http://schemas.openxmlformats.org/presentationml/2006/main" type="twoObjAndObj" preserve="1">
   <p:cSld name="Title, 2 Content and Content">
     <p:spTree>
       <p:nvGrpSpPr>
@@ -1042,15 +1192,16 @@
           </a:prstGeom>
         </p:spPr>
         <p:txBody>
-          <a:bodyPr lIns="0" rIns="0" tIns="0" bIns="0" anchor="ctr"/>
-          <a:p>
-            <a:endParaRPr b="0" lang="zh-CN" sz="1800" spc="-1" strike="noStrike">
-              <a:solidFill>
-                <a:srgbClr val="000000"/>
-              </a:solidFill>
-              <a:uFill>
-                <a:solidFill>
-                  <a:srgbClr val="ffffff"/>
+          <a:bodyPr lIns="0" tIns="0" rIns="0" bIns="0" anchor="ctr"/>
+          <a:lstStyle/>
+          <a:p>
+            <a:endParaRPr lang="zh-CN" sz="1800" b="0" strike="noStrike" spc="-1">
+              <a:solidFill>
+                <a:srgbClr val="000000"/>
+              </a:solidFill>
+              <a:uFill>
+                <a:solidFill>
+                  <a:srgbClr val="FFFFFF"/>
                 </a:solidFill>
               </a:uFill>
               <a:latin typeface="Calibri"/>
@@ -1078,15 +1229,16 @@
           </a:prstGeom>
         </p:spPr>
         <p:txBody>
-          <a:bodyPr lIns="0" rIns="0" tIns="0" bIns="0"/>
-          <a:p>
-            <a:endParaRPr b="0" lang="zh-CN" sz="2800" spc="-1" strike="noStrike">
-              <a:solidFill>
-                <a:srgbClr val="000000"/>
-              </a:solidFill>
-              <a:uFill>
-                <a:solidFill>
-                  <a:srgbClr val="ffffff"/>
+          <a:bodyPr lIns="0" tIns="0" rIns="0" bIns="0"/>
+          <a:lstStyle/>
+          <a:p>
+            <a:endParaRPr lang="zh-CN" sz="2800" b="0" strike="noStrike" spc="-1">
+              <a:solidFill>
+                <a:srgbClr val="000000"/>
+              </a:solidFill>
+              <a:uFill>
+                <a:solidFill>
+                  <a:srgbClr val="FFFFFF"/>
                 </a:solidFill>
               </a:uFill>
               <a:latin typeface="Calibri"/>
@@ -1114,15 +1266,16 @@
           </a:prstGeom>
         </p:spPr>
         <p:txBody>
-          <a:bodyPr lIns="0" rIns="0" tIns="0" bIns="0"/>
-          <a:p>
-            <a:endParaRPr b="0" lang="zh-CN" sz="2800" spc="-1" strike="noStrike">
-              <a:solidFill>
-                <a:srgbClr val="000000"/>
-              </a:solidFill>
-              <a:uFill>
-                <a:solidFill>
-                  <a:srgbClr val="ffffff"/>
+          <a:bodyPr lIns="0" tIns="0" rIns="0" bIns="0"/>
+          <a:lstStyle/>
+          <a:p>
+            <a:endParaRPr lang="zh-CN" sz="2800" b="0" strike="noStrike" spc="-1">
+              <a:solidFill>
+                <a:srgbClr val="000000"/>
+              </a:solidFill>
+              <a:uFill>
+                <a:solidFill>
+                  <a:srgbClr val="FFFFFF"/>
                 </a:solidFill>
               </a:uFill>
               <a:latin typeface="Calibri"/>
@@ -1150,15 +1303,16 @@
           </a:prstGeom>
         </p:spPr>
         <p:txBody>
-          <a:bodyPr lIns="0" rIns="0" tIns="0" bIns="0"/>
-          <a:p>
-            <a:endParaRPr b="0" lang="zh-CN" sz="2800" spc="-1" strike="noStrike">
-              <a:solidFill>
-                <a:srgbClr val="000000"/>
-              </a:solidFill>
-              <a:uFill>
-                <a:solidFill>
-                  <a:srgbClr val="ffffff"/>
+          <a:bodyPr lIns="0" tIns="0" rIns="0" bIns="0"/>
+          <a:lstStyle/>
+          <a:p>
+            <a:endParaRPr lang="zh-CN" sz="2800" b="0" strike="noStrike" spc="-1">
+              <a:solidFill>
+                <a:srgbClr val="000000"/>
+              </a:solidFill>
+              <a:uFill>
+                <a:solidFill>
+                  <a:srgbClr val="FFFFFF"/>
                 </a:solidFill>
               </a:uFill>
               <a:latin typeface="Calibri"/>
@@ -1168,11 +1322,14 @@
       </p:sp>
     </p:spTree>
   </p:cSld>
+  <p:clrMapOvr>
+    <a:masterClrMapping/>
+  </p:clrMapOvr>
 </p:sldLayout>
 </file>
 
 <file path=ppt/slideLayouts/slideLayout2.xml><?xml version="1.0" encoding="utf-8"?>
-<p:sldLayout xmlns:a="http://schemas.openxmlformats.org/drawingml/2006/main" xmlns:p="http://schemas.openxmlformats.org/presentationml/2006/main" xmlns:r="http://schemas.openxmlformats.org/officeDocument/2006/relationships" xmlns:p14="http://schemas.microsoft.com/office/powerpoint/2010/main" xmlns:p15="http://schemas.microsoft.com/office/powerpoint/2012/main" xmlns:mc="http://schemas.openxmlformats.org/markup-compatibility/2006" type="tx" preserve="1">
+<p:sldLayout xmlns:a="http://schemas.openxmlformats.org/drawingml/2006/main" xmlns:r="http://schemas.openxmlformats.org/officeDocument/2006/relationships" xmlns:p="http://schemas.openxmlformats.org/presentationml/2006/main" type="tx" preserve="1">
   <p:cSld name="Title Slide">
     <p:spTree>
       <p:nvGrpSpPr>
@@ -1208,15 +1365,16 @@
           </a:prstGeom>
         </p:spPr>
         <p:txBody>
-          <a:bodyPr lIns="0" rIns="0" tIns="0" bIns="0" anchor="ctr"/>
-          <a:p>
-            <a:endParaRPr b="0" lang="zh-CN" sz="1800" spc="-1" strike="noStrike">
-              <a:solidFill>
-                <a:srgbClr val="000000"/>
-              </a:solidFill>
-              <a:uFill>
-                <a:solidFill>
-                  <a:srgbClr val="ffffff"/>
+          <a:bodyPr lIns="0" tIns="0" rIns="0" bIns="0" anchor="ctr"/>
+          <a:lstStyle/>
+          <a:p>
+            <a:endParaRPr lang="zh-CN" sz="1800" b="0" strike="noStrike" spc="-1">
+              <a:solidFill>
+                <a:srgbClr val="000000"/>
+              </a:solidFill>
+              <a:uFill>
+                <a:solidFill>
+                  <a:srgbClr val="FFFFFF"/>
                 </a:solidFill>
               </a:uFill>
               <a:latin typeface="Calibri"/>
@@ -1244,16 +1402,17 @@
           </a:prstGeom>
         </p:spPr>
         <p:txBody>
-          <a:bodyPr lIns="0" rIns="0" tIns="0" bIns="0" anchor="ctr"/>
+          <a:bodyPr lIns="0" tIns="0" rIns="0" bIns="0" anchor="ctr"/>
+          <a:lstStyle/>
           <a:p>
             <a:pPr algn="ctr"/>
-            <a:endParaRPr b="0" lang="en-US" sz="3200" spc="-1" strike="noStrike">
-              <a:solidFill>
-                <a:srgbClr val="000000"/>
-              </a:solidFill>
-              <a:uFill>
-                <a:solidFill>
-                  <a:srgbClr val="ffffff"/>
+            <a:endParaRPr lang="en-US" sz="3200" b="0" strike="noStrike" spc="-1">
+              <a:solidFill>
+                <a:srgbClr val="000000"/>
+              </a:solidFill>
+              <a:uFill>
+                <a:solidFill>
+                  <a:srgbClr val="FFFFFF"/>
                 </a:solidFill>
               </a:uFill>
               <a:latin typeface="Arial"/>
@@ -1263,11 +1422,14 @@
       </p:sp>
     </p:spTree>
   </p:cSld>
+  <p:clrMapOvr>
+    <a:masterClrMapping/>
+  </p:clrMapOvr>
 </p:sldLayout>
 </file>
 
 <file path=ppt/slideLayouts/slideLayout20.xml><?xml version="1.0" encoding="utf-8"?>
-<p:sldLayout xmlns:a="http://schemas.openxmlformats.org/drawingml/2006/main" xmlns:p="http://schemas.openxmlformats.org/presentationml/2006/main" xmlns:r="http://schemas.openxmlformats.org/officeDocument/2006/relationships" xmlns:p14="http://schemas.microsoft.com/office/powerpoint/2010/main" xmlns:p15="http://schemas.microsoft.com/office/powerpoint/2012/main" xmlns:mc="http://schemas.openxmlformats.org/markup-compatibility/2006" type="objAndTwoObj" preserve="1">
+<p:sldLayout xmlns:a="http://schemas.openxmlformats.org/drawingml/2006/main" xmlns:r="http://schemas.openxmlformats.org/officeDocument/2006/relationships" xmlns:p="http://schemas.openxmlformats.org/presentationml/2006/main" type="objAndTwoObj" preserve="1">
   <p:cSld name="Title Content and 2 Content">
     <p:spTree>
       <p:nvGrpSpPr>
@@ -1303,15 +1465,16 @@
           </a:prstGeom>
         </p:spPr>
         <p:txBody>
-          <a:bodyPr lIns="0" rIns="0" tIns="0" bIns="0" anchor="ctr"/>
-          <a:p>
-            <a:endParaRPr b="0" lang="zh-CN" sz="1800" spc="-1" strike="noStrike">
-              <a:solidFill>
-                <a:srgbClr val="000000"/>
-              </a:solidFill>
-              <a:uFill>
-                <a:solidFill>
-                  <a:srgbClr val="ffffff"/>
+          <a:bodyPr lIns="0" tIns="0" rIns="0" bIns="0" anchor="ctr"/>
+          <a:lstStyle/>
+          <a:p>
+            <a:endParaRPr lang="zh-CN" sz="1800" b="0" strike="noStrike" spc="-1">
+              <a:solidFill>
+                <a:srgbClr val="000000"/>
+              </a:solidFill>
+              <a:uFill>
+                <a:solidFill>
+                  <a:srgbClr val="FFFFFF"/>
                 </a:solidFill>
               </a:uFill>
               <a:latin typeface="Calibri"/>
@@ -1339,15 +1502,16 @@
           </a:prstGeom>
         </p:spPr>
         <p:txBody>
-          <a:bodyPr lIns="0" rIns="0" tIns="0" bIns="0"/>
-          <a:p>
-            <a:endParaRPr b="0" lang="zh-CN" sz="2800" spc="-1" strike="noStrike">
-              <a:solidFill>
-                <a:srgbClr val="000000"/>
-              </a:solidFill>
-              <a:uFill>
-                <a:solidFill>
-                  <a:srgbClr val="ffffff"/>
+          <a:bodyPr lIns="0" tIns="0" rIns="0" bIns="0"/>
+          <a:lstStyle/>
+          <a:p>
+            <a:endParaRPr lang="zh-CN" sz="2800" b="0" strike="noStrike" spc="-1">
+              <a:solidFill>
+                <a:srgbClr val="000000"/>
+              </a:solidFill>
+              <a:uFill>
+                <a:solidFill>
+                  <a:srgbClr val="FFFFFF"/>
                 </a:solidFill>
               </a:uFill>
               <a:latin typeface="Calibri"/>
@@ -1375,15 +1539,16 @@
           </a:prstGeom>
         </p:spPr>
         <p:txBody>
-          <a:bodyPr lIns="0" rIns="0" tIns="0" bIns="0"/>
-          <a:p>
-            <a:endParaRPr b="0" lang="zh-CN" sz="2800" spc="-1" strike="noStrike">
-              <a:solidFill>
-                <a:srgbClr val="000000"/>
-              </a:solidFill>
-              <a:uFill>
-                <a:solidFill>
-                  <a:srgbClr val="ffffff"/>
+          <a:bodyPr lIns="0" tIns="0" rIns="0" bIns="0"/>
+          <a:lstStyle/>
+          <a:p>
+            <a:endParaRPr lang="zh-CN" sz="2800" b="0" strike="noStrike" spc="-1">
+              <a:solidFill>
+                <a:srgbClr val="000000"/>
+              </a:solidFill>
+              <a:uFill>
+                <a:solidFill>
+                  <a:srgbClr val="FFFFFF"/>
                 </a:solidFill>
               </a:uFill>
               <a:latin typeface="Calibri"/>
@@ -1411,15 +1576,16 @@
           </a:prstGeom>
         </p:spPr>
         <p:txBody>
-          <a:bodyPr lIns="0" rIns="0" tIns="0" bIns="0"/>
-          <a:p>
-            <a:endParaRPr b="0" lang="zh-CN" sz="2800" spc="-1" strike="noStrike">
-              <a:solidFill>
-                <a:srgbClr val="000000"/>
-              </a:solidFill>
-              <a:uFill>
-                <a:solidFill>
-                  <a:srgbClr val="ffffff"/>
+          <a:bodyPr lIns="0" tIns="0" rIns="0" bIns="0"/>
+          <a:lstStyle/>
+          <a:p>
+            <a:endParaRPr lang="zh-CN" sz="2800" b="0" strike="noStrike" spc="-1">
+              <a:solidFill>
+                <a:srgbClr val="000000"/>
+              </a:solidFill>
+              <a:uFill>
+                <a:solidFill>
+                  <a:srgbClr val="FFFFFF"/>
                 </a:solidFill>
               </a:uFill>
               <a:latin typeface="Calibri"/>
@@ -1429,11 +1595,14 @@
       </p:sp>
     </p:spTree>
   </p:cSld>
+  <p:clrMapOvr>
+    <a:masterClrMapping/>
+  </p:clrMapOvr>
 </p:sldLayout>
 </file>
 
 <file path=ppt/slideLayouts/slideLayout21.xml><?xml version="1.0" encoding="utf-8"?>
-<p:sldLayout xmlns:a="http://schemas.openxmlformats.org/drawingml/2006/main" xmlns:p="http://schemas.openxmlformats.org/presentationml/2006/main" xmlns:r="http://schemas.openxmlformats.org/officeDocument/2006/relationships" xmlns:p14="http://schemas.microsoft.com/office/powerpoint/2010/main" xmlns:p15="http://schemas.microsoft.com/office/powerpoint/2012/main" xmlns:mc="http://schemas.openxmlformats.org/markup-compatibility/2006" type="twoObjOverTx" preserve="1">
+<p:sldLayout xmlns:a="http://schemas.openxmlformats.org/drawingml/2006/main" xmlns:r="http://schemas.openxmlformats.org/officeDocument/2006/relationships" xmlns:p="http://schemas.openxmlformats.org/presentationml/2006/main" type="twoObjOverTx" preserve="1">
   <p:cSld name="Title, 2 Content over Content">
     <p:spTree>
       <p:nvGrpSpPr>
@@ -1469,15 +1638,16 @@
           </a:prstGeom>
         </p:spPr>
         <p:txBody>
-          <a:bodyPr lIns="0" rIns="0" tIns="0" bIns="0" anchor="ctr"/>
-          <a:p>
-            <a:endParaRPr b="0" lang="zh-CN" sz="1800" spc="-1" strike="noStrike">
-              <a:solidFill>
-                <a:srgbClr val="000000"/>
-              </a:solidFill>
-              <a:uFill>
-                <a:solidFill>
-                  <a:srgbClr val="ffffff"/>
+          <a:bodyPr lIns="0" tIns="0" rIns="0" bIns="0" anchor="ctr"/>
+          <a:lstStyle/>
+          <a:p>
+            <a:endParaRPr lang="zh-CN" sz="1800" b="0" strike="noStrike" spc="-1">
+              <a:solidFill>
+                <a:srgbClr val="000000"/>
+              </a:solidFill>
+              <a:uFill>
+                <a:solidFill>
+                  <a:srgbClr val="FFFFFF"/>
                 </a:solidFill>
               </a:uFill>
               <a:latin typeface="Calibri"/>
@@ -1505,15 +1675,16 @@
           </a:prstGeom>
         </p:spPr>
         <p:txBody>
-          <a:bodyPr lIns="0" rIns="0" tIns="0" bIns="0"/>
-          <a:p>
-            <a:endParaRPr b="0" lang="zh-CN" sz="2800" spc="-1" strike="noStrike">
-              <a:solidFill>
-                <a:srgbClr val="000000"/>
-              </a:solidFill>
-              <a:uFill>
-                <a:solidFill>
-                  <a:srgbClr val="ffffff"/>
+          <a:bodyPr lIns="0" tIns="0" rIns="0" bIns="0"/>
+          <a:lstStyle/>
+          <a:p>
+            <a:endParaRPr lang="zh-CN" sz="2800" b="0" strike="noStrike" spc="-1">
+              <a:solidFill>
+                <a:srgbClr val="000000"/>
+              </a:solidFill>
+              <a:uFill>
+                <a:solidFill>
+                  <a:srgbClr val="FFFFFF"/>
                 </a:solidFill>
               </a:uFill>
               <a:latin typeface="Calibri"/>
@@ -1541,15 +1712,16 @@
           </a:prstGeom>
         </p:spPr>
         <p:txBody>
-          <a:bodyPr lIns="0" rIns="0" tIns="0" bIns="0"/>
-          <a:p>
-            <a:endParaRPr b="0" lang="zh-CN" sz="2800" spc="-1" strike="noStrike">
-              <a:solidFill>
-                <a:srgbClr val="000000"/>
-              </a:solidFill>
-              <a:uFill>
-                <a:solidFill>
-                  <a:srgbClr val="ffffff"/>
+          <a:bodyPr lIns="0" tIns="0" rIns="0" bIns="0"/>
+          <a:lstStyle/>
+          <a:p>
+            <a:endParaRPr lang="zh-CN" sz="2800" b="0" strike="noStrike" spc="-1">
+              <a:solidFill>
+                <a:srgbClr val="000000"/>
+              </a:solidFill>
+              <a:uFill>
+                <a:solidFill>
+                  <a:srgbClr val="FFFFFF"/>
                 </a:solidFill>
               </a:uFill>
               <a:latin typeface="Calibri"/>
@@ -1577,15 +1749,16 @@
           </a:prstGeom>
         </p:spPr>
         <p:txBody>
-          <a:bodyPr lIns="0" rIns="0" tIns="0" bIns="0"/>
-          <a:p>
-            <a:endParaRPr b="0" lang="zh-CN" sz="2800" spc="-1" strike="noStrike">
-              <a:solidFill>
-                <a:srgbClr val="000000"/>
-              </a:solidFill>
-              <a:uFill>
-                <a:solidFill>
-                  <a:srgbClr val="ffffff"/>
+          <a:bodyPr lIns="0" tIns="0" rIns="0" bIns="0"/>
+          <a:lstStyle/>
+          <a:p>
+            <a:endParaRPr lang="zh-CN" sz="2800" b="0" strike="noStrike" spc="-1">
+              <a:solidFill>
+                <a:srgbClr val="000000"/>
+              </a:solidFill>
+              <a:uFill>
+                <a:solidFill>
+                  <a:srgbClr val="FFFFFF"/>
                 </a:solidFill>
               </a:uFill>
               <a:latin typeface="Calibri"/>
@@ -1595,11 +1768,14 @@
       </p:sp>
     </p:spTree>
   </p:cSld>
+  <p:clrMapOvr>
+    <a:masterClrMapping/>
+  </p:clrMapOvr>
 </p:sldLayout>
 </file>
 
 <file path=ppt/slideLayouts/slideLayout22.xml><?xml version="1.0" encoding="utf-8"?>
-<p:sldLayout xmlns:a="http://schemas.openxmlformats.org/drawingml/2006/main" xmlns:p="http://schemas.openxmlformats.org/presentationml/2006/main" xmlns:r="http://schemas.openxmlformats.org/officeDocument/2006/relationships" xmlns:p14="http://schemas.microsoft.com/office/powerpoint/2010/main" xmlns:p15="http://schemas.microsoft.com/office/powerpoint/2012/main" xmlns:mc="http://schemas.openxmlformats.org/markup-compatibility/2006" type="objOverTx" preserve="1">
+<p:sldLayout xmlns:a="http://schemas.openxmlformats.org/drawingml/2006/main" xmlns:r="http://schemas.openxmlformats.org/officeDocument/2006/relationships" xmlns:p="http://schemas.openxmlformats.org/presentationml/2006/main" type="objOverTx" preserve="1">
   <p:cSld name="Title, Content over Content">
     <p:spTree>
       <p:nvGrpSpPr>
@@ -1635,15 +1811,16 @@
           </a:prstGeom>
         </p:spPr>
         <p:txBody>
-          <a:bodyPr lIns="0" rIns="0" tIns="0" bIns="0" anchor="ctr"/>
-          <a:p>
-            <a:endParaRPr b="0" lang="zh-CN" sz="1800" spc="-1" strike="noStrike">
-              <a:solidFill>
-                <a:srgbClr val="000000"/>
-              </a:solidFill>
-              <a:uFill>
-                <a:solidFill>
-                  <a:srgbClr val="ffffff"/>
+          <a:bodyPr lIns="0" tIns="0" rIns="0" bIns="0" anchor="ctr"/>
+          <a:lstStyle/>
+          <a:p>
+            <a:endParaRPr lang="zh-CN" sz="1800" b="0" strike="noStrike" spc="-1">
+              <a:solidFill>
+                <a:srgbClr val="000000"/>
+              </a:solidFill>
+              <a:uFill>
+                <a:solidFill>
+                  <a:srgbClr val="FFFFFF"/>
                 </a:solidFill>
               </a:uFill>
               <a:latin typeface="Calibri"/>
@@ -1671,15 +1848,16 @@
           </a:prstGeom>
         </p:spPr>
         <p:txBody>
-          <a:bodyPr lIns="0" rIns="0" tIns="0" bIns="0"/>
-          <a:p>
-            <a:endParaRPr b="0" lang="zh-CN" sz="2800" spc="-1" strike="noStrike">
-              <a:solidFill>
-                <a:srgbClr val="000000"/>
-              </a:solidFill>
-              <a:uFill>
-                <a:solidFill>
-                  <a:srgbClr val="ffffff"/>
+          <a:bodyPr lIns="0" tIns="0" rIns="0" bIns="0"/>
+          <a:lstStyle/>
+          <a:p>
+            <a:endParaRPr lang="zh-CN" sz="2800" b="0" strike="noStrike" spc="-1">
+              <a:solidFill>
+                <a:srgbClr val="000000"/>
+              </a:solidFill>
+              <a:uFill>
+                <a:solidFill>
+                  <a:srgbClr val="FFFFFF"/>
                 </a:solidFill>
               </a:uFill>
               <a:latin typeface="Calibri"/>
@@ -1707,15 +1885,16 @@
           </a:prstGeom>
         </p:spPr>
         <p:txBody>
-          <a:bodyPr lIns="0" rIns="0" tIns="0" bIns="0"/>
-          <a:p>
-            <a:endParaRPr b="0" lang="zh-CN" sz="2800" spc="-1" strike="noStrike">
-              <a:solidFill>
-                <a:srgbClr val="000000"/>
-              </a:solidFill>
-              <a:uFill>
-                <a:solidFill>
-                  <a:srgbClr val="ffffff"/>
+          <a:bodyPr lIns="0" tIns="0" rIns="0" bIns="0"/>
+          <a:lstStyle/>
+          <a:p>
+            <a:endParaRPr lang="zh-CN" sz="2800" b="0" strike="noStrike" spc="-1">
+              <a:solidFill>
+                <a:srgbClr val="000000"/>
+              </a:solidFill>
+              <a:uFill>
+                <a:solidFill>
+                  <a:srgbClr val="FFFFFF"/>
                 </a:solidFill>
               </a:uFill>
               <a:latin typeface="Calibri"/>
@@ -1725,11 +1904,14 @@
       </p:sp>
     </p:spTree>
   </p:cSld>
+  <p:clrMapOvr>
+    <a:masterClrMapping/>
+  </p:clrMapOvr>
 </p:sldLayout>
 </file>
 
 <file path=ppt/slideLayouts/slideLayout23.xml><?xml version="1.0" encoding="utf-8"?>
-<p:sldLayout xmlns:a="http://schemas.openxmlformats.org/drawingml/2006/main" xmlns:p="http://schemas.openxmlformats.org/presentationml/2006/main" xmlns:r="http://schemas.openxmlformats.org/officeDocument/2006/relationships" xmlns:p14="http://schemas.microsoft.com/office/powerpoint/2010/main" xmlns:p15="http://schemas.microsoft.com/office/powerpoint/2012/main" xmlns:mc="http://schemas.openxmlformats.org/markup-compatibility/2006" type="fourObj" preserve="1">
+<p:sldLayout xmlns:a="http://schemas.openxmlformats.org/drawingml/2006/main" xmlns:r="http://schemas.openxmlformats.org/officeDocument/2006/relationships" xmlns:p="http://schemas.openxmlformats.org/presentationml/2006/main" type="fourObj" preserve="1">
   <p:cSld name="Title, 4 Content">
     <p:spTree>
       <p:nvGrpSpPr>
@@ -1765,15 +1947,16 @@
           </a:prstGeom>
         </p:spPr>
         <p:txBody>
-          <a:bodyPr lIns="0" rIns="0" tIns="0" bIns="0" anchor="ctr"/>
-          <a:p>
-            <a:endParaRPr b="0" lang="zh-CN" sz="1800" spc="-1" strike="noStrike">
-              <a:solidFill>
-                <a:srgbClr val="000000"/>
-              </a:solidFill>
-              <a:uFill>
-                <a:solidFill>
-                  <a:srgbClr val="ffffff"/>
+          <a:bodyPr lIns="0" tIns="0" rIns="0" bIns="0" anchor="ctr"/>
+          <a:lstStyle/>
+          <a:p>
+            <a:endParaRPr lang="zh-CN" sz="1800" b="0" strike="noStrike" spc="-1">
+              <a:solidFill>
+                <a:srgbClr val="000000"/>
+              </a:solidFill>
+              <a:uFill>
+                <a:solidFill>
+                  <a:srgbClr val="FFFFFF"/>
                 </a:solidFill>
               </a:uFill>
               <a:latin typeface="Calibri"/>
@@ -1801,15 +1984,16 @@
           </a:prstGeom>
         </p:spPr>
         <p:txBody>
-          <a:bodyPr lIns="0" rIns="0" tIns="0" bIns="0"/>
-          <a:p>
-            <a:endParaRPr b="0" lang="zh-CN" sz="2800" spc="-1" strike="noStrike">
-              <a:solidFill>
-                <a:srgbClr val="000000"/>
-              </a:solidFill>
-              <a:uFill>
-                <a:solidFill>
-                  <a:srgbClr val="ffffff"/>
+          <a:bodyPr lIns="0" tIns="0" rIns="0" bIns="0"/>
+          <a:lstStyle/>
+          <a:p>
+            <a:endParaRPr lang="zh-CN" sz="2800" b="0" strike="noStrike" spc="-1">
+              <a:solidFill>
+                <a:srgbClr val="000000"/>
+              </a:solidFill>
+              <a:uFill>
+                <a:solidFill>
+                  <a:srgbClr val="FFFFFF"/>
                 </a:solidFill>
               </a:uFill>
               <a:latin typeface="Calibri"/>
@@ -1837,15 +2021,16 @@
           </a:prstGeom>
         </p:spPr>
         <p:txBody>
-          <a:bodyPr lIns="0" rIns="0" tIns="0" bIns="0"/>
-          <a:p>
-            <a:endParaRPr b="0" lang="zh-CN" sz="2800" spc="-1" strike="noStrike">
-              <a:solidFill>
-                <a:srgbClr val="000000"/>
-              </a:solidFill>
-              <a:uFill>
-                <a:solidFill>
-                  <a:srgbClr val="ffffff"/>
+          <a:bodyPr lIns="0" tIns="0" rIns="0" bIns="0"/>
+          <a:lstStyle/>
+          <a:p>
+            <a:endParaRPr lang="zh-CN" sz="2800" b="0" strike="noStrike" spc="-1">
+              <a:solidFill>
+                <a:srgbClr val="000000"/>
+              </a:solidFill>
+              <a:uFill>
+                <a:solidFill>
+                  <a:srgbClr val="FFFFFF"/>
                 </a:solidFill>
               </a:uFill>
               <a:latin typeface="Calibri"/>
@@ -1873,15 +2058,16 @@
           </a:prstGeom>
         </p:spPr>
         <p:txBody>
-          <a:bodyPr lIns="0" rIns="0" tIns="0" bIns="0"/>
-          <a:p>
-            <a:endParaRPr b="0" lang="zh-CN" sz="2800" spc="-1" strike="noStrike">
-              <a:solidFill>
-                <a:srgbClr val="000000"/>
-              </a:solidFill>
-              <a:uFill>
-                <a:solidFill>
-                  <a:srgbClr val="ffffff"/>
+          <a:bodyPr lIns="0" tIns="0" rIns="0" bIns="0"/>
+          <a:lstStyle/>
+          <a:p>
+            <a:endParaRPr lang="zh-CN" sz="2800" b="0" strike="noStrike" spc="-1">
+              <a:solidFill>
+                <a:srgbClr val="000000"/>
+              </a:solidFill>
+              <a:uFill>
+                <a:solidFill>
+                  <a:srgbClr val="FFFFFF"/>
                 </a:solidFill>
               </a:uFill>
               <a:latin typeface="Calibri"/>
@@ -1909,15 +2095,16 @@
           </a:prstGeom>
         </p:spPr>
         <p:txBody>
-          <a:bodyPr lIns="0" rIns="0" tIns="0" bIns="0"/>
-          <a:p>
-            <a:endParaRPr b="0" lang="zh-CN" sz="2800" spc="-1" strike="noStrike">
-              <a:solidFill>
-                <a:srgbClr val="000000"/>
-              </a:solidFill>
-              <a:uFill>
-                <a:solidFill>
-                  <a:srgbClr val="ffffff"/>
+          <a:bodyPr lIns="0" tIns="0" rIns="0" bIns="0"/>
+          <a:lstStyle/>
+          <a:p>
+            <a:endParaRPr lang="zh-CN" sz="2800" b="0" strike="noStrike" spc="-1">
+              <a:solidFill>
+                <a:srgbClr val="000000"/>
+              </a:solidFill>
+              <a:uFill>
+                <a:solidFill>
+                  <a:srgbClr val="FFFFFF"/>
                 </a:solidFill>
               </a:uFill>
               <a:latin typeface="Calibri"/>
@@ -1927,11 +2114,14 @@
       </p:sp>
     </p:spTree>
   </p:cSld>
+  <p:clrMapOvr>
+    <a:masterClrMapping/>
+  </p:clrMapOvr>
 </p:sldLayout>
 </file>
 
 <file path=ppt/slideLayouts/slideLayout24.xml><?xml version="1.0" encoding="utf-8"?>
-<p:sldLayout xmlns:a="http://schemas.openxmlformats.org/drawingml/2006/main" xmlns:p="http://schemas.openxmlformats.org/presentationml/2006/main" xmlns:r="http://schemas.openxmlformats.org/officeDocument/2006/relationships" xmlns:p14="http://schemas.microsoft.com/office/powerpoint/2010/main" xmlns:p15="http://schemas.microsoft.com/office/powerpoint/2012/main" xmlns:mc="http://schemas.openxmlformats.org/markup-compatibility/2006" type="blank" preserve="1">
+<p:sldLayout xmlns:a="http://schemas.openxmlformats.org/drawingml/2006/main" xmlns:r="http://schemas.openxmlformats.org/officeDocument/2006/relationships" xmlns:p="http://schemas.openxmlformats.org/presentationml/2006/main" type="blank" preserve="1">
   <p:cSld name="Title, 6 Content">
     <p:spTree>
       <p:nvGrpSpPr>
@@ -1967,15 +2157,16 @@
           </a:prstGeom>
         </p:spPr>
         <p:txBody>
-          <a:bodyPr lIns="0" rIns="0" tIns="0" bIns="0" anchor="ctr"/>
-          <a:p>
-            <a:endParaRPr b="0" lang="zh-CN" sz="1800" spc="-1" strike="noStrike">
-              <a:solidFill>
-                <a:srgbClr val="000000"/>
-              </a:solidFill>
-              <a:uFill>
-                <a:solidFill>
-                  <a:srgbClr val="ffffff"/>
+          <a:bodyPr lIns="0" tIns="0" rIns="0" bIns="0" anchor="ctr"/>
+          <a:lstStyle/>
+          <a:p>
+            <a:endParaRPr lang="zh-CN" sz="1800" b="0" strike="noStrike" spc="-1">
+              <a:solidFill>
+                <a:srgbClr val="000000"/>
+              </a:solidFill>
+              <a:uFill>
+                <a:solidFill>
+                  <a:srgbClr val="FFFFFF"/>
                 </a:solidFill>
               </a:uFill>
               <a:latin typeface="Calibri"/>
@@ -2003,15 +2194,16 @@
           </a:prstGeom>
         </p:spPr>
         <p:txBody>
-          <a:bodyPr lIns="0" rIns="0" tIns="0" bIns="0"/>
-          <a:p>
-            <a:endParaRPr b="0" lang="zh-CN" sz="2800" spc="-1" strike="noStrike">
-              <a:solidFill>
-                <a:srgbClr val="000000"/>
-              </a:solidFill>
-              <a:uFill>
-                <a:solidFill>
-                  <a:srgbClr val="ffffff"/>
+          <a:bodyPr lIns="0" tIns="0" rIns="0" bIns="0"/>
+          <a:lstStyle/>
+          <a:p>
+            <a:endParaRPr lang="zh-CN" sz="2800" b="0" strike="noStrike" spc="-1">
+              <a:solidFill>
+                <a:srgbClr val="000000"/>
+              </a:solidFill>
+              <a:uFill>
+                <a:solidFill>
+                  <a:srgbClr val="FFFFFF"/>
                 </a:solidFill>
               </a:uFill>
               <a:latin typeface="Calibri"/>
@@ -2039,15 +2231,16 @@
           </a:prstGeom>
         </p:spPr>
         <p:txBody>
-          <a:bodyPr lIns="0" rIns="0" tIns="0" bIns="0"/>
-          <a:p>
-            <a:endParaRPr b="0" lang="zh-CN" sz="2800" spc="-1" strike="noStrike">
-              <a:solidFill>
-                <a:srgbClr val="000000"/>
-              </a:solidFill>
-              <a:uFill>
-                <a:solidFill>
-                  <a:srgbClr val="ffffff"/>
+          <a:bodyPr lIns="0" tIns="0" rIns="0" bIns="0"/>
+          <a:lstStyle/>
+          <a:p>
+            <a:endParaRPr lang="zh-CN" sz="2800" b="0" strike="noStrike" spc="-1">
+              <a:solidFill>
+                <a:srgbClr val="000000"/>
+              </a:solidFill>
+              <a:uFill>
+                <a:solidFill>
+                  <a:srgbClr val="FFFFFF"/>
                 </a:solidFill>
               </a:uFill>
               <a:latin typeface="Calibri"/>
@@ -2057,7 +2250,7 @@
       </p:sp>
       <p:pic>
         <p:nvPicPr>
-          <p:cNvPr id="76" name="" descr=""/>
+          <p:cNvPr id="76" name="Picture 75"/>
           <p:cNvPicPr/>
           <p:nvPr/>
         </p:nvPicPr>
@@ -2080,12 +2273,12 @@
       </p:pic>
       <p:pic>
         <p:nvPicPr>
-          <p:cNvPr id="77" name="" descr=""/>
+          <p:cNvPr id="77" name="Picture 76"/>
           <p:cNvPicPr/>
           <p:nvPr/>
         </p:nvPicPr>
         <p:blipFill>
-          <a:blip r:embed="rId3"/>
+          <a:blip r:embed="rId2"/>
           <a:stretch/>
         </p:blipFill>
         <p:spPr>
@@ -2103,11 +2296,14 @@
       </p:pic>
     </p:spTree>
   </p:cSld>
+  <p:clrMapOvr>
+    <a:masterClrMapping/>
+  </p:clrMapOvr>
 </p:sldLayout>
 </file>
 
 <file path=ppt/slideLayouts/slideLayout3.xml><?xml version="1.0" encoding="utf-8"?>
-<p:sldLayout xmlns:a="http://schemas.openxmlformats.org/drawingml/2006/main" xmlns:p="http://schemas.openxmlformats.org/presentationml/2006/main" xmlns:r="http://schemas.openxmlformats.org/officeDocument/2006/relationships" xmlns:p14="http://schemas.microsoft.com/office/powerpoint/2010/main" xmlns:p15="http://schemas.microsoft.com/office/powerpoint/2012/main" xmlns:mc="http://schemas.openxmlformats.org/markup-compatibility/2006" type="obj" preserve="1">
+<p:sldLayout xmlns:a="http://schemas.openxmlformats.org/drawingml/2006/main" xmlns:r="http://schemas.openxmlformats.org/officeDocument/2006/relationships" xmlns:p="http://schemas.openxmlformats.org/presentationml/2006/main" type="obj" preserve="1">
   <p:cSld name="Title, Content">
     <p:spTree>
       <p:nvGrpSpPr>
@@ -2143,15 +2339,16 @@
           </a:prstGeom>
         </p:spPr>
         <p:txBody>
-          <a:bodyPr lIns="0" rIns="0" tIns="0" bIns="0" anchor="ctr"/>
-          <a:p>
-            <a:endParaRPr b="0" lang="zh-CN" sz="1800" spc="-1" strike="noStrike">
-              <a:solidFill>
-                <a:srgbClr val="000000"/>
-              </a:solidFill>
-              <a:uFill>
-                <a:solidFill>
-                  <a:srgbClr val="ffffff"/>
+          <a:bodyPr lIns="0" tIns="0" rIns="0" bIns="0" anchor="ctr"/>
+          <a:lstStyle/>
+          <a:p>
+            <a:endParaRPr lang="zh-CN" sz="1800" b="0" strike="noStrike" spc="-1">
+              <a:solidFill>
+                <a:srgbClr val="000000"/>
+              </a:solidFill>
+              <a:uFill>
+                <a:solidFill>
+                  <a:srgbClr val="FFFFFF"/>
                 </a:solidFill>
               </a:uFill>
               <a:latin typeface="Calibri"/>
@@ -2179,15 +2376,16 @@
           </a:prstGeom>
         </p:spPr>
         <p:txBody>
-          <a:bodyPr lIns="0" rIns="0" tIns="0" bIns="0"/>
-          <a:p>
-            <a:endParaRPr b="0" lang="zh-CN" sz="2800" spc="-1" strike="noStrike">
-              <a:solidFill>
-                <a:srgbClr val="000000"/>
-              </a:solidFill>
-              <a:uFill>
-                <a:solidFill>
-                  <a:srgbClr val="ffffff"/>
+          <a:bodyPr lIns="0" tIns="0" rIns="0" bIns="0"/>
+          <a:lstStyle/>
+          <a:p>
+            <a:endParaRPr lang="zh-CN" sz="2800" b="0" strike="noStrike" spc="-1">
+              <a:solidFill>
+                <a:srgbClr val="000000"/>
+              </a:solidFill>
+              <a:uFill>
+                <a:solidFill>
+                  <a:srgbClr val="FFFFFF"/>
                 </a:solidFill>
               </a:uFill>
               <a:latin typeface="Calibri"/>
@@ -2197,11 +2395,14 @@
       </p:sp>
     </p:spTree>
   </p:cSld>
+  <p:clrMapOvr>
+    <a:masterClrMapping/>
+  </p:clrMapOvr>
 </p:sldLayout>
 </file>
 
 <file path=ppt/slideLayouts/slideLayout4.xml><?xml version="1.0" encoding="utf-8"?>
-<p:sldLayout xmlns:a="http://schemas.openxmlformats.org/drawingml/2006/main" xmlns:p="http://schemas.openxmlformats.org/presentationml/2006/main" xmlns:r="http://schemas.openxmlformats.org/officeDocument/2006/relationships" xmlns:p14="http://schemas.microsoft.com/office/powerpoint/2010/main" xmlns:p15="http://schemas.microsoft.com/office/powerpoint/2012/main" xmlns:mc="http://schemas.openxmlformats.org/markup-compatibility/2006" type="twoObj" preserve="1">
+<p:sldLayout xmlns:a="http://schemas.openxmlformats.org/drawingml/2006/main" xmlns:r="http://schemas.openxmlformats.org/officeDocument/2006/relationships" xmlns:p="http://schemas.openxmlformats.org/presentationml/2006/main" type="twoObj" preserve="1">
   <p:cSld name="Title, 2 Content">
     <p:spTree>
       <p:nvGrpSpPr>
@@ -2237,15 +2438,16 @@
           </a:prstGeom>
         </p:spPr>
         <p:txBody>
-          <a:bodyPr lIns="0" rIns="0" tIns="0" bIns="0" anchor="ctr"/>
-          <a:p>
-            <a:endParaRPr b="0" lang="zh-CN" sz="1800" spc="-1" strike="noStrike">
-              <a:solidFill>
-                <a:srgbClr val="000000"/>
-              </a:solidFill>
-              <a:uFill>
-                <a:solidFill>
-                  <a:srgbClr val="ffffff"/>
+          <a:bodyPr lIns="0" tIns="0" rIns="0" bIns="0" anchor="ctr"/>
+          <a:lstStyle/>
+          <a:p>
+            <a:endParaRPr lang="zh-CN" sz="1800" b="0" strike="noStrike" spc="-1">
+              <a:solidFill>
+                <a:srgbClr val="000000"/>
+              </a:solidFill>
+              <a:uFill>
+                <a:solidFill>
+                  <a:srgbClr val="FFFFFF"/>
                 </a:solidFill>
               </a:uFill>
               <a:latin typeface="Calibri"/>
@@ -2273,15 +2475,16 @@
           </a:prstGeom>
         </p:spPr>
         <p:txBody>
-          <a:bodyPr lIns="0" rIns="0" tIns="0" bIns="0"/>
-          <a:p>
-            <a:endParaRPr b="0" lang="zh-CN" sz="2800" spc="-1" strike="noStrike">
-              <a:solidFill>
-                <a:srgbClr val="000000"/>
-              </a:solidFill>
-              <a:uFill>
-                <a:solidFill>
-                  <a:srgbClr val="ffffff"/>
+          <a:bodyPr lIns="0" tIns="0" rIns="0" bIns="0"/>
+          <a:lstStyle/>
+          <a:p>
+            <a:endParaRPr lang="zh-CN" sz="2800" b="0" strike="noStrike" spc="-1">
+              <a:solidFill>
+                <a:srgbClr val="000000"/>
+              </a:solidFill>
+              <a:uFill>
+                <a:solidFill>
+                  <a:srgbClr val="FFFFFF"/>
                 </a:solidFill>
               </a:uFill>
               <a:latin typeface="Calibri"/>
@@ -2309,15 +2512,16 @@
           </a:prstGeom>
         </p:spPr>
         <p:txBody>
-          <a:bodyPr lIns="0" rIns="0" tIns="0" bIns="0"/>
-          <a:p>
-            <a:endParaRPr b="0" lang="zh-CN" sz="2800" spc="-1" strike="noStrike">
-              <a:solidFill>
-                <a:srgbClr val="000000"/>
-              </a:solidFill>
-              <a:uFill>
-                <a:solidFill>
-                  <a:srgbClr val="ffffff"/>
+          <a:bodyPr lIns="0" tIns="0" rIns="0" bIns="0"/>
+          <a:lstStyle/>
+          <a:p>
+            <a:endParaRPr lang="zh-CN" sz="2800" b="0" strike="noStrike" spc="-1">
+              <a:solidFill>
+                <a:srgbClr val="000000"/>
+              </a:solidFill>
+              <a:uFill>
+                <a:solidFill>
+                  <a:srgbClr val="FFFFFF"/>
                 </a:solidFill>
               </a:uFill>
               <a:latin typeface="Calibri"/>
@@ -2327,11 +2531,14 @@
       </p:sp>
     </p:spTree>
   </p:cSld>
+  <p:clrMapOvr>
+    <a:masterClrMapping/>
+  </p:clrMapOvr>
 </p:sldLayout>
 </file>
 
 <file path=ppt/slideLayouts/slideLayout5.xml><?xml version="1.0" encoding="utf-8"?>
-<p:sldLayout xmlns:a="http://schemas.openxmlformats.org/drawingml/2006/main" xmlns:p="http://schemas.openxmlformats.org/presentationml/2006/main" xmlns:r="http://schemas.openxmlformats.org/officeDocument/2006/relationships" xmlns:p14="http://schemas.microsoft.com/office/powerpoint/2010/main" xmlns:p15="http://schemas.microsoft.com/office/powerpoint/2012/main" xmlns:mc="http://schemas.openxmlformats.org/markup-compatibility/2006" type="titleOnly" preserve="1">
+<p:sldLayout xmlns:a="http://schemas.openxmlformats.org/drawingml/2006/main" xmlns:r="http://schemas.openxmlformats.org/officeDocument/2006/relationships" xmlns:p="http://schemas.openxmlformats.org/presentationml/2006/main" type="titleOnly" preserve="1">
   <p:cSld name="Title Only">
     <p:spTree>
       <p:nvGrpSpPr>
@@ -2367,15 +2574,16 @@
           </a:prstGeom>
         </p:spPr>
         <p:txBody>
-          <a:bodyPr lIns="0" rIns="0" tIns="0" bIns="0" anchor="ctr"/>
-          <a:p>
-            <a:endParaRPr b="0" lang="zh-CN" sz="1800" spc="-1" strike="noStrike">
-              <a:solidFill>
-                <a:srgbClr val="000000"/>
-              </a:solidFill>
-              <a:uFill>
-                <a:solidFill>
-                  <a:srgbClr val="ffffff"/>
+          <a:bodyPr lIns="0" tIns="0" rIns="0" bIns="0" anchor="ctr"/>
+          <a:lstStyle/>
+          <a:p>
+            <a:endParaRPr lang="zh-CN" sz="1800" b="0" strike="noStrike" spc="-1">
+              <a:solidFill>
+                <a:srgbClr val="000000"/>
+              </a:solidFill>
+              <a:uFill>
+                <a:solidFill>
+                  <a:srgbClr val="FFFFFF"/>
                 </a:solidFill>
               </a:uFill>
               <a:latin typeface="Calibri"/>
@@ -2385,11 +2593,14 @@
       </p:sp>
     </p:spTree>
   </p:cSld>
+  <p:clrMapOvr>
+    <a:masterClrMapping/>
+  </p:clrMapOvr>
 </p:sldLayout>
 </file>
 
 <file path=ppt/slideLayouts/slideLayout6.xml><?xml version="1.0" encoding="utf-8"?>
-<p:sldLayout xmlns:a="http://schemas.openxmlformats.org/drawingml/2006/main" xmlns:p="http://schemas.openxmlformats.org/presentationml/2006/main" xmlns:r="http://schemas.openxmlformats.org/officeDocument/2006/relationships" xmlns:p14="http://schemas.microsoft.com/office/powerpoint/2010/main" xmlns:p15="http://schemas.microsoft.com/office/powerpoint/2012/main" xmlns:mc="http://schemas.openxmlformats.org/markup-compatibility/2006" type="objOnly" preserve="1">
+<p:sldLayout xmlns:a="http://schemas.openxmlformats.org/drawingml/2006/main" xmlns:r="http://schemas.openxmlformats.org/officeDocument/2006/relationships" xmlns:p="http://schemas.openxmlformats.org/presentationml/2006/main" type="objOnly" preserve="1">
   <p:cSld name="Centered Text">
     <p:spTree>
       <p:nvGrpSpPr>
@@ -2425,16 +2636,17 @@
           </a:prstGeom>
         </p:spPr>
         <p:txBody>
-          <a:bodyPr lIns="0" rIns="0" tIns="0" bIns="0" anchor="ctr"/>
+          <a:bodyPr lIns="0" tIns="0" rIns="0" bIns="0" anchor="ctr"/>
+          <a:lstStyle/>
           <a:p>
             <a:pPr algn="ctr"/>
-            <a:endParaRPr b="0" lang="en-US" sz="3200" spc="-1" strike="noStrike">
-              <a:solidFill>
-                <a:srgbClr val="000000"/>
-              </a:solidFill>
-              <a:uFill>
-                <a:solidFill>
-                  <a:srgbClr val="ffffff"/>
+            <a:endParaRPr lang="en-US" sz="3200" b="0" strike="noStrike" spc="-1">
+              <a:solidFill>
+                <a:srgbClr val="000000"/>
+              </a:solidFill>
+              <a:uFill>
+                <a:solidFill>
+                  <a:srgbClr val="FFFFFF"/>
                 </a:solidFill>
               </a:uFill>
               <a:latin typeface="Arial"/>
@@ -2444,11 +2656,14 @@
       </p:sp>
     </p:spTree>
   </p:cSld>
+  <p:clrMapOvr>
+    <a:masterClrMapping/>
+  </p:clrMapOvr>
 </p:sldLayout>
 </file>
 
 <file path=ppt/slideLayouts/slideLayout7.xml><?xml version="1.0" encoding="utf-8"?>
-<p:sldLayout xmlns:a="http://schemas.openxmlformats.org/drawingml/2006/main" xmlns:p="http://schemas.openxmlformats.org/presentationml/2006/main" xmlns:r="http://schemas.openxmlformats.org/officeDocument/2006/relationships" xmlns:p14="http://schemas.microsoft.com/office/powerpoint/2010/main" xmlns:p15="http://schemas.microsoft.com/office/powerpoint/2012/main" xmlns:mc="http://schemas.openxmlformats.org/markup-compatibility/2006" type="twoObjAndObj" preserve="1">
+<p:sldLayout xmlns:a="http://schemas.openxmlformats.org/drawingml/2006/main" xmlns:r="http://schemas.openxmlformats.org/officeDocument/2006/relationships" xmlns:p="http://schemas.openxmlformats.org/presentationml/2006/main" type="twoObjAndObj" preserve="1">
   <p:cSld name="Title, 2 Content and Content">
     <p:spTree>
       <p:nvGrpSpPr>
@@ -2484,15 +2699,16 @@
           </a:prstGeom>
         </p:spPr>
         <p:txBody>
-          <a:bodyPr lIns="0" rIns="0" tIns="0" bIns="0" anchor="ctr"/>
-          <a:p>
-            <a:endParaRPr b="0" lang="zh-CN" sz="1800" spc="-1" strike="noStrike">
-              <a:solidFill>
-                <a:srgbClr val="000000"/>
-              </a:solidFill>
-              <a:uFill>
-                <a:solidFill>
-                  <a:srgbClr val="ffffff"/>
+          <a:bodyPr lIns="0" tIns="0" rIns="0" bIns="0" anchor="ctr"/>
+          <a:lstStyle/>
+          <a:p>
+            <a:endParaRPr lang="zh-CN" sz="1800" b="0" strike="noStrike" spc="-1">
+              <a:solidFill>
+                <a:srgbClr val="000000"/>
+              </a:solidFill>
+              <a:uFill>
+                <a:solidFill>
+                  <a:srgbClr val="FFFFFF"/>
                 </a:solidFill>
               </a:uFill>
               <a:latin typeface="Calibri"/>
@@ -2520,15 +2736,16 @@
           </a:prstGeom>
         </p:spPr>
         <p:txBody>
-          <a:bodyPr lIns="0" rIns="0" tIns="0" bIns="0"/>
-          <a:p>
-            <a:endParaRPr b="0" lang="zh-CN" sz="2800" spc="-1" strike="noStrike">
-              <a:solidFill>
-                <a:srgbClr val="000000"/>
-              </a:solidFill>
-              <a:uFill>
-                <a:solidFill>
-                  <a:srgbClr val="ffffff"/>
+          <a:bodyPr lIns="0" tIns="0" rIns="0" bIns="0"/>
+          <a:lstStyle/>
+          <a:p>
+            <a:endParaRPr lang="zh-CN" sz="2800" b="0" strike="noStrike" spc="-1">
+              <a:solidFill>
+                <a:srgbClr val="000000"/>
+              </a:solidFill>
+              <a:uFill>
+                <a:solidFill>
+                  <a:srgbClr val="FFFFFF"/>
                 </a:solidFill>
               </a:uFill>
               <a:latin typeface="Calibri"/>
@@ -2556,15 +2773,16 @@
           </a:prstGeom>
         </p:spPr>
         <p:txBody>
-          <a:bodyPr lIns="0" rIns="0" tIns="0" bIns="0"/>
-          <a:p>
-            <a:endParaRPr b="0" lang="zh-CN" sz="2800" spc="-1" strike="noStrike">
-              <a:solidFill>
-                <a:srgbClr val="000000"/>
-              </a:solidFill>
-              <a:uFill>
-                <a:solidFill>
-                  <a:srgbClr val="ffffff"/>
+          <a:bodyPr lIns="0" tIns="0" rIns="0" bIns="0"/>
+          <a:lstStyle/>
+          <a:p>
+            <a:endParaRPr lang="zh-CN" sz="2800" b="0" strike="noStrike" spc="-1">
+              <a:solidFill>
+                <a:srgbClr val="000000"/>
+              </a:solidFill>
+              <a:uFill>
+                <a:solidFill>
+                  <a:srgbClr val="FFFFFF"/>
                 </a:solidFill>
               </a:uFill>
               <a:latin typeface="Calibri"/>
@@ -2592,15 +2810,16 @@
           </a:prstGeom>
         </p:spPr>
         <p:txBody>
-          <a:bodyPr lIns="0" rIns="0" tIns="0" bIns="0"/>
-          <a:p>
-            <a:endParaRPr b="0" lang="zh-CN" sz="2800" spc="-1" strike="noStrike">
-              <a:solidFill>
-                <a:srgbClr val="000000"/>
-              </a:solidFill>
-              <a:uFill>
-                <a:solidFill>
-                  <a:srgbClr val="ffffff"/>
+          <a:bodyPr lIns="0" tIns="0" rIns="0" bIns="0"/>
+          <a:lstStyle/>
+          <a:p>
+            <a:endParaRPr lang="zh-CN" sz="2800" b="0" strike="noStrike" spc="-1">
+              <a:solidFill>
+                <a:srgbClr val="000000"/>
+              </a:solidFill>
+              <a:uFill>
+                <a:solidFill>
+                  <a:srgbClr val="FFFFFF"/>
                 </a:solidFill>
               </a:uFill>
               <a:latin typeface="Calibri"/>
@@ -2610,11 +2829,14 @@
       </p:sp>
     </p:spTree>
   </p:cSld>
+  <p:clrMapOvr>
+    <a:masterClrMapping/>
+  </p:clrMapOvr>
 </p:sldLayout>
 </file>
 
 <file path=ppt/slideLayouts/slideLayout8.xml><?xml version="1.0" encoding="utf-8"?>
-<p:sldLayout xmlns:a="http://schemas.openxmlformats.org/drawingml/2006/main" xmlns:p="http://schemas.openxmlformats.org/presentationml/2006/main" xmlns:r="http://schemas.openxmlformats.org/officeDocument/2006/relationships" xmlns:p14="http://schemas.microsoft.com/office/powerpoint/2010/main" xmlns:p15="http://schemas.microsoft.com/office/powerpoint/2012/main" xmlns:mc="http://schemas.openxmlformats.org/markup-compatibility/2006" type="objAndTwoObj" preserve="1">
+<p:sldLayout xmlns:a="http://schemas.openxmlformats.org/drawingml/2006/main" xmlns:r="http://schemas.openxmlformats.org/officeDocument/2006/relationships" xmlns:p="http://schemas.openxmlformats.org/presentationml/2006/main" type="objAndTwoObj" preserve="1">
   <p:cSld name="Title Content and 2 Content">
     <p:spTree>
       <p:nvGrpSpPr>
@@ -2650,15 +2872,16 @@
           </a:prstGeom>
         </p:spPr>
         <p:txBody>
-          <a:bodyPr lIns="0" rIns="0" tIns="0" bIns="0" anchor="ctr"/>
-          <a:p>
-            <a:endParaRPr b="0" lang="zh-CN" sz="1800" spc="-1" strike="noStrike">
-              <a:solidFill>
-                <a:srgbClr val="000000"/>
-              </a:solidFill>
-              <a:uFill>
-                <a:solidFill>
-                  <a:srgbClr val="ffffff"/>
+          <a:bodyPr lIns="0" tIns="0" rIns="0" bIns="0" anchor="ctr"/>
+          <a:lstStyle/>
+          <a:p>
+            <a:endParaRPr lang="zh-CN" sz="1800" b="0" strike="noStrike" spc="-1">
+              <a:solidFill>
+                <a:srgbClr val="000000"/>
+              </a:solidFill>
+              <a:uFill>
+                <a:solidFill>
+                  <a:srgbClr val="FFFFFF"/>
                 </a:solidFill>
               </a:uFill>
               <a:latin typeface="Calibri"/>
@@ -2686,15 +2909,16 @@
           </a:prstGeom>
         </p:spPr>
         <p:txBody>
-          <a:bodyPr lIns="0" rIns="0" tIns="0" bIns="0"/>
-          <a:p>
-            <a:endParaRPr b="0" lang="zh-CN" sz="2800" spc="-1" strike="noStrike">
-              <a:solidFill>
-                <a:srgbClr val="000000"/>
-              </a:solidFill>
-              <a:uFill>
-                <a:solidFill>
-                  <a:srgbClr val="ffffff"/>
+          <a:bodyPr lIns="0" tIns="0" rIns="0" bIns="0"/>
+          <a:lstStyle/>
+          <a:p>
+            <a:endParaRPr lang="zh-CN" sz="2800" b="0" strike="noStrike" spc="-1">
+              <a:solidFill>
+                <a:srgbClr val="000000"/>
+              </a:solidFill>
+              <a:uFill>
+                <a:solidFill>
+                  <a:srgbClr val="FFFFFF"/>
                 </a:solidFill>
               </a:uFill>
               <a:latin typeface="Calibri"/>
@@ -2722,15 +2946,16 @@
           </a:prstGeom>
         </p:spPr>
         <p:txBody>
-          <a:bodyPr lIns="0" rIns="0" tIns="0" bIns="0"/>
-          <a:p>
-            <a:endParaRPr b="0" lang="zh-CN" sz="2800" spc="-1" strike="noStrike">
-              <a:solidFill>
-                <a:srgbClr val="000000"/>
-              </a:solidFill>
-              <a:uFill>
-                <a:solidFill>
-                  <a:srgbClr val="ffffff"/>
+          <a:bodyPr lIns="0" tIns="0" rIns="0" bIns="0"/>
+          <a:lstStyle/>
+          <a:p>
+            <a:endParaRPr lang="zh-CN" sz="2800" b="0" strike="noStrike" spc="-1">
+              <a:solidFill>
+                <a:srgbClr val="000000"/>
+              </a:solidFill>
+              <a:uFill>
+                <a:solidFill>
+                  <a:srgbClr val="FFFFFF"/>
                 </a:solidFill>
               </a:uFill>
               <a:latin typeface="Calibri"/>
@@ -2758,15 +2983,16 @@
           </a:prstGeom>
         </p:spPr>
         <p:txBody>
-          <a:bodyPr lIns="0" rIns="0" tIns="0" bIns="0"/>
-          <a:p>
-            <a:endParaRPr b="0" lang="zh-CN" sz="2800" spc="-1" strike="noStrike">
-              <a:solidFill>
-                <a:srgbClr val="000000"/>
-              </a:solidFill>
-              <a:uFill>
-                <a:solidFill>
-                  <a:srgbClr val="ffffff"/>
+          <a:bodyPr lIns="0" tIns="0" rIns="0" bIns="0"/>
+          <a:lstStyle/>
+          <a:p>
+            <a:endParaRPr lang="zh-CN" sz="2800" b="0" strike="noStrike" spc="-1">
+              <a:solidFill>
+                <a:srgbClr val="000000"/>
+              </a:solidFill>
+              <a:uFill>
+                <a:solidFill>
+                  <a:srgbClr val="FFFFFF"/>
                 </a:solidFill>
               </a:uFill>
               <a:latin typeface="Calibri"/>
@@ -2776,11 +3002,14 @@
       </p:sp>
     </p:spTree>
   </p:cSld>
+  <p:clrMapOvr>
+    <a:masterClrMapping/>
+  </p:clrMapOvr>
 </p:sldLayout>
 </file>
 
 <file path=ppt/slideLayouts/slideLayout9.xml><?xml version="1.0" encoding="utf-8"?>
-<p:sldLayout xmlns:a="http://schemas.openxmlformats.org/drawingml/2006/main" xmlns:p="http://schemas.openxmlformats.org/presentationml/2006/main" xmlns:r="http://schemas.openxmlformats.org/officeDocument/2006/relationships" xmlns:p14="http://schemas.microsoft.com/office/powerpoint/2010/main" xmlns:p15="http://schemas.microsoft.com/office/powerpoint/2012/main" xmlns:mc="http://schemas.openxmlformats.org/markup-compatibility/2006" type="twoObjOverTx" preserve="1">
+<p:sldLayout xmlns:a="http://schemas.openxmlformats.org/drawingml/2006/main" xmlns:r="http://schemas.openxmlformats.org/officeDocument/2006/relationships" xmlns:p="http://schemas.openxmlformats.org/presentationml/2006/main" type="twoObjOverTx" preserve="1">
   <p:cSld name="Title, 2 Content over Content">
     <p:spTree>
       <p:nvGrpSpPr>
@@ -2816,15 +3045,16 @@
           </a:prstGeom>
         </p:spPr>
         <p:txBody>
-          <a:bodyPr lIns="0" rIns="0" tIns="0" bIns="0" anchor="ctr"/>
-          <a:p>
-            <a:endParaRPr b="0" lang="zh-CN" sz="1800" spc="-1" strike="noStrike">
-              <a:solidFill>
-                <a:srgbClr val="000000"/>
-              </a:solidFill>
-              <a:uFill>
-                <a:solidFill>
-                  <a:srgbClr val="ffffff"/>
+          <a:bodyPr lIns="0" tIns="0" rIns="0" bIns="0" anchor="ctr"/>
+          <a:lstStyle/>
+          <a:p>
+            <a:endParaRPr lang="zh-CN" sz="1800" b="0" strike="noStrike" spc="-1">
+              <a:solidFill>
+                <a:srgbClr val="000000"/>
+              </a:solidFill>
+              <a:uFill>
+                <a:solidFill>
+                  <a:srgbClr val="FFFFFF"/>
                 </a:solidFill>
               </a:uFill>
               <a:latin typeface="Calibri"/>
@@ -2852,15 +3082,16 @@
           </a:prstGeom>
         </p:spPr>
         <p:txBody>
-          <a:bodyPr lIns="0" rIns="0" tIns="0" bIns="0"/>
-          <a:p>
-            <a:endParaRPr b="0" lang="zh-CN" sz="2800" spc="-1" strike="noStrike">
-              <a:solidFill>
-                <a:srgbClr val="000000"/>
-              </a:solidFill>
-              <a:uFill>
-                <a:solidFill>
-                  <a:srgbClr val="ffffff"/>
+          <a:bodyPr lIns="0" tIns="0" rIns="0" bIns="0"/>
+          <a:lstStyle/>
+          <a:p>
+            <a:endParaRPr lang="zh-CN" sz="2800" b="0" strike="noStrike" spc="-1">
+              <a:solidFill>
+                <a:srgbClr val="000000"/>
+              </a:solidFill>
+              <a:uFill>
+                <a:solidFill>
+                  <a:srgbClr val="FFFFFF"/>
                 </a:solidFill>
               </a:uFill>
               <a:latin typeface="Calibri"/>
@@ -2888,15 +3119,16 @@
           </a:prstGeom>
         </p:spPr>
         <p:txBody>
-          <a:bodyPr lIns="0" rIns="0" tIns="0" bIns="0"/>
-          <a:p>
-            <a:endParaRPr b="0" lang="zh-CN" sz="2800" spc="-1" strike="noStrike">
-              <a:solidFill>
-                <a:srgbClr val="000000"/>
-              </a:solidFill>
-              <a:uFill>
-                <a:solidFill>
-                  <a:srgbClr val="ffffff"/>
+          <a:bodyPr lIns="0" tIns="0" rIns="0" bIns="0"/>
+          <a:lstStyle/>
+          <a:p>
+            <a:endParaRPr lang="zh-CN" sz="2800" b="0" strike="noStrike" spc="-1">
+              <a:solidFill>
+                <a:srgbClr val="000000"/>
+              </a:solidFill>
+              <a:uFill>
+                <a:solidFill>
+                  <a:srgbClr val="FFFFFF"/>
                 </a:solidFill>
               </a:uFill>
               <a:latin typeface="Calibri"/>
@@ -2924,15 +3156,16 @@
           </a:prstGeom>
         </p:spPr>
         <p:txBody>
-          <a:bodyPr lIns="0" rIns="0" tIns="0" bIns="0"/>
-          <a:p>
-            <a:endParaRPr b="0" lang="zh-CN" sz="2800" spc="-1" strike="noStrike">
-              <a:solidFill>
-                <a:srgbClr val="000000"/>
-              </a:solidFill>
-              <a:uFill>
-                <a:solidFill>
-                  <a:srgbClr val="ffffff"/>
+          <a:bodyPr lIns="0" tIns="0" rIns="0" bIns="0"/>
+          <a:lstStyle/>
+          <a:p>
+            <a:endParaRPr lang="zh-CN" sz="2800" b="0" strike="noStrike" spc="-1">
+              <a:solidFill>
+                <a:srgbClr val="000000"/>
+              </a:solidFill>
+              <a:uFill>
+                <a:solidFill>
+                  <a:srgbClr val="FFFFFF"/>
                 </a:solidFill>
               </a:uFill>
               <a:latin typeface="Calibri"/>
@@ -2942,17 +3175,21 @@
       </p:sp>
     </p:spTree>
   </p:cSld>
+  <p:clrMapOvr>
+    <a:masterClrMapping/>
+  </p:clrMapOvr>
 </p:sldLayout>
 </file>
 
 <file path=ppt/slideMasters/slideMaster1.xml><?xml version="1.0" encoding="utf-8"?>
-<p:sldMaster xmlns:a="http://schemas.openxmlformats.org/drawingml/2006/main" xmlns:p="http://schemas.openxmlformats.org/presentationml/2006/main" xmlns:r="http://schemas.openxmlformats.org/officeDocument/2006/relationships" xmlns:p14="http://schemas.microsoft.com/office/powerpoint/2010/main" xmlns:p15="http://schemas.microsoft.com/office/powerpoint/2012/main" xmlns:mc="http://schemas.openxmlformats.org/markup-compatibility/2006">
+<p:sldMaster xmlns:a="http://schemas.openxmlformats.org/drawingml/2006/main" xmlns:r="http://schemas.openxmlformats.org/officeDocument/2006/relationships" xmlns:p="http://schemas.openxmlformats.org/presentationml/2006/main">
   <p:cSld>
     <p:bg>
       <p:bgPr>
         <a:solidFill>
-          <a:srgbClr val="ffffff"/>
+          <a:srgbClr val="FFFFFF"/>
         </a:solidFill>
+        <a:effectLst/>
       </p:bgPr>
     </p:bg>
     <p:spTree>
@@ -2971,7 +3208,7 @@
       </p:grpSpPr>
       <p:sp>
         <p:nvSpPr>
-          <p:cNvPr id="0" name="PlaceHolder 1"/>
+          <p:cNvPr id="5" name="PlaceHolder 1"/>
           <p:cNvSpPr>
             <a:spLocks noGrp="1"/>
           </p:cNvSpPr>
@@ -2990,6 +3227,7 @@
         </p:spPr>
         <p:txBody>
           <a:bodyPr anchor="b"/>
+          <a:lstStyle/>
           <a:p>
             <a:pPr algn="ctr">
               <a:lnSpc>
@@ -2997,36 +3235,36 @@
               </a:lnSpc>
             </a:pPr>
             <a:r>
-              <a:rPr b="0" lang="zh-CN" sz="6000" spc="-1" strike="noStrike">
+              <a:rPr lang="zh-CN" sz="6000" b="0" strike="noStrike" spc="-1">
                 <a:solidFill>
                   <a:srgbClr val="000000"/>
                 </a:solidFill>
                 <a:uFill>
                   <a:solidFill>
-                    <a:srgbClr val="ffffff"/>
+                    <a:srgbClr val="FFFFFF"/>
                   </a:solidFill>
                 </a:uFill>
                 <a:latin typeface="Calibri Light"/>
               </a:rPr>
               <a:t>单击此处编辑母版标题样式</a:t>
             </a:r>
-            <a:endParaRPr b="0" lang="zh-CN" sz="1800" spc="-1" strike="noStrike">
-              <a:solidFill>
-                <a:srgbClr val="000000"/>
-              </a:solidFill>
-              <a:uFill>
-                <a:solidFill>
-                  <a:srgbClr val="ffffff"/>
-                </a:solidFill>
-              </a:uFill>
-              <a:latin typeface="Calibri"/>
-            </a:endParaRPr>
-          </a:p>
-        </p:txBody>
-      </p:sp>
-      <p:sp>
-        <p:nvSpPr>
-          <p:cNvPr id="1" name="PlaceHolder 2"/>
+            <a:endParaRPr lang="zh-CN" sz="1800" b="0" strike="noStrike" spc="-1">
+              <a:solidFill>
+                <a:srgbClr val="000000"/>
+              </a:solidFill>
+              <a:uFill>
+                <a:solidFill>
+                  <a:srgbClr val="FFFFFF"/>
+                </a:solidFill>
+              </a:uFill>
+              <a:latin typeface="Calibri"/>
+            </a:endParaRPr>
+          </a:p>
+        </p:txBody>
+      </p:sp>
+      <p:sp>
+        <p:nvSpPr>
+          <p:cNvPr id="6" name="PlaceHolder 2"/>
           <p:cNvSpPr>
             <a:spLocks noGrp="1"/>
           </p:cNvSpPr>
@@ -3045,6 +3283,7 @@
         </p:spPr>
         <p:txBody>
           <a:bodyPr anchor="ctr"/>
+          <a:lstStyle/>
           <a:p>
             <a:pPr>
               <a:lnSpc>
@@ -3052,26 +3291,26 @@
               </a:lnSpc>
             </a:pPr>
             <a:r>
-              <a:rPr b="0" lang="en-US" sz="1200" spc="-1" strike="noStrike">
-                <a:solidFill>
-                  <a:srgbClr val="8b8b8b"/>
+              <a:rPr lang="en-US" sz="1200" b="0" strike="noStrike" spc="-1">
+                <a:solidFill>
+                  <a:srgbClr val="8B8B8B"/>
                 </a:solidFill>
                 <a:uFill>
                   <a:solidFill>
-                    <a:srgbClr val="ffffff"/>
+                    <a:srgbClr val="FFFFFF"/>
                   </a:solidFill>
                 </a:uFill>
                 <a:latin typeface="Calibri"/>
               </a:rPr>
               <a:t>5/19/20</a:t>
             </a:r>
-            <a:endParaRPr b="0" lang="en-US" sz="1400" spc="-1" strike="noStrike">
-              <a:solidFill>
-                <a:srgbClr val="000000"/>
-              </a:solidFill>
-              <a:uFill>
-                <a:solidFill>
-                  <a:srgbClr val="ffffff"/>
+            <a:endParaRPr lang="en-US" sz="1400" b="0" strike="noStrike" spc="-1">
+              <a:solidFill>
+                <a:srgbClr val="000000"/>
+              </a:solidFill>
+              <a:uFill>
+                <a:solidFill>
+                  <a:srgbClr val="FFFFFF"/>
                 </a:solidFill>
               </a:uFill>
               <a:latin typeface="Times New Roman"/>
@@ -3100,14 +3339,15 @@
         </p:spPr>
         <p:txBody>
           <a:bodyPr anchor="ctr"/>
-          <a:p>
-            <a:endParaRPr b="0" lang="en-US" sz="2400" spc="-1" strike="noStrike">
-              <a:solidFill>
-                <a:srgbClr val="000000"/>
-              </a:solidFill>
-              <a:uFill>
-                <a:solidFill>
-                  <a:srgbClr val="ffffff"/>
+          <a:lstStyle/>
+          <a:p>
+            <a:endParaRPr lang="en-US" sz="2400" b="0" strike="noStrike" spc="-1">
+              <a:solidFill>
+                <a:srgbClr val="000000"/>
+              </a:solidFill>
+              <a:uFill>
+                <a:solidFill>
+                  <a:srgbClr val="FFFFFF"/>
                 </a:solidFill>
               </a:uFill>
               <a:latin typeface="Times New Roman"/>
@@ -3136,6 +3376,7 @@
         </p:spPr>
         <p:txBody>
           <a:bodyPr anchor="ctr"/>
+          <a:lstStyle/>
           <a:p>
             <a:pPr algn="r">
               <a:lnSpc>
@@ -3143,26 +3384,26 @@
               </a:lnSpc>
             </a:pPr>
             <a:fld id="{D3770437-F6B3-4E6E-B5D2-13A8DBE2C59E}" type="slidenum">
-              <a:rPr b="0" lang="en-US" sz="1200" spc="-1" strike="noStrike">
-                <a:solidFill>
-                  <a:srgbClr val="8b8b8b"/>
+              <a:rPr lang="en-US" sz="1200" b="0" strike="noStrike" spc="-1">
+                <a:solidFill>
+                  <a:srgbClr val="8B8B8B"/>
                 </a:solidFill>
                 <a:uFill>
                   <a:solidFill>
-                    <a:srgbClr val="ffffff"/>
+                    <a:srgbClr val="FFFFFF"/>
                   </a:solidFill>
                 </a:uFill>
                 <a:latin typeface="Calibri"/>
               </a:rPr>
-              <a:t>&lt;number&gt;</a:t>
+              <a:t>‹#›</a:t>
             </a:fld>
-            <a:endParaRPr b="0" lang="en-US" sz="1400" spc="-1" strike="noStrike">
-              <a:solidFill>
-                <a:srgbClr val="000000"/>
-              </a:solidFill>
-              <a:uFill>
-                <a:solidFill>
-                  <a:srgbClr val="ffffff"/>
+            <a:endParaRPr lang="en-US" sz="1400" b="0" strike="noStrike" spc="-1">
+              <a:solidFill>
+                <a:srgbClr val="000000"/>
+              </a:solidFill>
+              <a:uFill>
+                <a:solidFill>
+                  <a:srgbClr val="FFFFFF"/>
                 </a:solidFill>
               </a:uFill>
               <a:latin typeface="Times New Roman"/>
@@ -3190,7 +3431,8 @@
           </a:prstGeom>
         </p:spPr>
         <p:txBody>
-          <a:bodyPr lIns="0" rIns="0" tIns="0" bIns="0"/>
+          <a:bodyPr lIns="0" tIns="0" rIns="0" bIns="0"/>
+          <a:lstStyle/>
           <a:p>
             <a:pPr marL="432000" indent="-324000">
               <a:buClr>
@@ -3201,33 +3443,22 @@
               <a:buChar char=""/>
             </a:pPr>
             <a:r>
-              <a:rPr b="0" lang="zh-CN" sz="2800" spc="-1" strike="noStrike">
+              <a:rPr lang="zh-CN" sz="2800" b="0" strike="noStrike" spc="-1">
                 <a:solidFill>
                   <a:srgbClr val="000000"/>
                 </a:solidFill>
                 <a:uFill>
                   <a:solidFill>
-                    <a:srgbClr val="ffffff"/>
+                    <a:srgbClr val="FFFFFF"/>
                   </a:solidFill>
                 </a:uFill>
                 <a:latin typeface="Calibri"/>
               </a:rPr>
               <a:t>Click to edit the outline text format</a:t>
             </a:r>
-            <a:endParaRPr b="0" lang="zh-CN" sz="2800" spc="-1" strike="noStrike">
-              <a:solidFill>
-                <a:srgbClr val="000000"/>
-              </a:solidFill>
-              <a:uFill>
-                <a:solidFill>
-                  <a:srgbClr val="ffffff"/>
-                </a:solidFill>
-              </a:uFill>
-              <a:latin typeface="Calibri"/>
-            </a:endParaRPr>
-          </a:p>
-          <a:p>
-            <a:pPr lvl="1" marL="864000" indent="-324000">
+          </a:p>
+          <a:p>
+            <a:pPr marL="864000" lvl="1" indent="-324000">
               <a:buClr>
                 <a:srgbClr val="000000"/>
               </a:buClr>
@@ -3236,33 +3467,22 @@
               <a:buChar char=""/>
             </a:pPr>
             <a:r>
-              <a:rPr b="0" lang="zh-CN" sz="2000" spc="-1" strike="noStrike">
+              <a:rPr lang="zh-CN" sz="2000" b="0" strike="noStrike" spc="-1">
                 <a:solidFill>
                   <a:srgbClr val="000000"/>
                 </a:solidFill>
                 <a:uFill>
                   <a:solidFill>
-                    <a:srgbClr val="ffffff"/>
+                    <a:srgbClr val="FFFFFF"/>
                   </a:solidFill>
                 </a:uFill>
                 <a:latin typeface="Calibri"/>
               </a:rPr>
               <a:t>Second Outline Level</a:t>
             </a:r>
-            <a:endParaRPr b="0" lang="zh-CN" sz="2000" spc="-1" strike="noStrike">
-              <a:solidFill>
-                <a:srgbClr val="000000"/>
-              </a:solidFill>
-              <a:uFill>
-                <a:solidFill>
-                  <a:srgbClr val="ffffff"/>
-                </a:solidFill>
-              </a:uFill>
-              <a:latin typeface="Calibri"/>
-            </a:endParaRPr>
-          </a:p>
-          <a:p>
-            <a:pPr lvl="2" marL="1296000" indent="-288000">
+          </a:p>
+          <a:p>
+            <a:pPr marL="1296000" lvl="2" indent="-288000">
               <a:buClr>
                 <a:srgbClr val="000000"/>
               </a:buClr>
@@ -3271,33 +3491,22 @@
               <a:buChar char=""/>
             </a:pPr>
             <a:r>
-              <a:rPr b="0" lang="zh-CN" sz="1800" spc="-1" strike="noStrike">
+              <a:rPr lang="zh-CN" sz="1800" b="0" strike="noStrike" spc="-1">
                 <a:solidFill>
                   <a:srgbClr val="000000"/>
                 </a:solidFill>
                 <a:uFill>
                   <a:solidFill>
-                    <a:srgbClr val="ffffff"/>
+                    <a:srgbClr val="FFFFFF"/>
                   </a:solidFill>
                 </a:uFill>
                 <a:latin typeface="Calibri"/>
               </a:rPr>
               <a:t>Third Outline Level</a:t>
             </a:r>
-            <a:endParaRPr b="0" lang="zh-CN" sz="1800" spc="-1" strike="noStrike">
-              <a:solidFill>
-                <a:srgbClr val="000000"/>
-              </a:solidFill>
-              <a:uFill>
-                <a:solidFill>
-                  <a:srgbClr val="ffffff"/>
-                </a:solidFill>
-              </a:uFill>
-              <a:latin typeface="Calibri"/>
-            </a:endParaRPr>
-          </a:p>
-          <a:p>
-            <a:pPr lvl="3" marL="1728000" indent="-216000">
+          </a:p>
+          <a:p>
+            <a:pPr marL="1728000" lvl="3" indent="-216000">
               <a:buClr>
                 <a:srgbClr val="000000"/>
               </a:buClr>
@@ -3306,33 +3515,22 @@
               <a:buChar char=""/>
             </a:pPr>
             <a:r>
-              <a:rPr b="0" lang="zh-CN" sz="1800" spc="-1" strike="noStrike">
+              <a:rPr lang="zh-CN" sz="1800" b="0" strike="noStrike" spc="-1">
                 <a:solidFill>
                   <a:srgbClr val="000000"/>
                 </a:solidFill>
                 <a:uFill>
                   <a:solidFill>
-                    <a:srgbClr val="ffffff"/>
+                    <a:srgbClr val="FFFFFF"/>
                   </a:solidFill>
                 </a:uFill>
                 <a:latin typeface="Calibri"/>
               </a:rPr>
               <a:t>Fourth Outline Level</a:t>
             </a:r>
-            <a:endParaRPr b="0" lang="zh-CN" sz="1800" spc="-1" strike="noStrike">
-              <a:solidFill>
-                <a:srgbClr val="000000"/>
-              </a:solidFill>
-              <a:uFill>
-                <a:solidFill>
-                  <a:srgbClr val="ffffff"/>
-                </a:solidFill>
-              </a:uFill>
-              <a:latin typeface="Calibri"/>
-            </a:endParaRPr>
-          </a:p>
-          <a:p>
-            <a:pPr lvl="4" marL="2160000" indent="-216000">
+          </a:p>
+          <a:p>
+            <a:pPr marL="2160000" lvl="4" indent="-216000">
               <a:buClr>
                 <a:srgbClr val="000000"/>
               </a:buClr>
@@ -3341,33 +3539,22 @@
               <a:buChar char=""/>
             </a:pPr>
             <a:r>
-              <a:rPr b="0" lang="zh-CN" sz="2000" spc="-1" strike="noStrike">
+              <a:rPr lang="zh-CN" sz="2000" b="0" strike="noStrike" spc="-1">
                 <a:solidFill>
                   <a:srgbClr val="000000"/>
                 </a:solidFill>
                 <a:uFill>
                   <a:solidFill>
-                    <a:srgbClr val="ffffff"/>
+                    <a:srgbClr val="FFFFFF"/>
                   </a:solidFill>
                 </a:uFill>
                 <a:latin typeface="Calibri"/>
               </a:rPr>
               <a:t>Fifth Outline Level</a:t>
             </a:r>
-            <a:endParaRPr b="0" lang="zh-CN" sz="2000" spc="-1" strike="noStrike">
-              <a:solidFill>
-                <a:srgbClr val="000000"/>
-              </a:solidFill>
-              <a:uFill>
-                <a:solidFill>
-                  <a:srgbClr val="ffffff"/>
-                </a:solidFill>
-              </a:uFill>
-              <a:latin typeface="Calibri"/>
-            </a:endParaRPr>
-          </a:p>
-          <a:p>
-            <a:pPr lvl="5" marL="2592000" indent="-216000">
+          </a:p>
+          <a:p>
+            <a:pPr marL="2592000" lvl="5" indent="-216000">
               <a:buClr>
                 <a:srgbClr val="000000"/>
               </a:buClr>
@@ -3376,33 +3563,22 @@
               <a:buChar char=""/>
             </a:pPr>
             <a:r>
-              <a:rPr b="0" lang="zh-CN" sz="2000" spc="-1" strike="noStrike">
+              <a:rPr lang="zh-CN" sz="2000" b="0" strike="noStrike" spc="-1">
                 <a:solidFill>
                   <a:srgbClr val="000000"/>
                 </a:solidFill>
                 <a:uFill>
                   <a:solidFill>
-                    <a:srgbClr val="ffffff"/>
+                    <a:srgbClr val="FFFFFF"/>
                   </a:solidFill>
                 </a:uFill>
                 <a:latin typeface="Calibri"/>
               </a:rPr>
               <a:t>Sixth Outline Level</a:t>
             </a:r>
-            <a:endParaRPr b="0" lang="zh-CN" sz="2000" spc="-1" strike="noStrike">
-              <a:solidFill>
-                <a:srgbClr val="000000"/>
-              </a:solidFill>
-              <a:uFill>
-                <a:solidFill>
-                  <a:srgbClr val="ffffff"/>
-                </a:solidFill>
-              </a:uFill>
-              <a:latin typeface="Calibri"/>
-            </a:endParaRPr>
-          </a:p>
-          <a:p>
-            <a:pPr lvl="6" marL="3024000" indent="-216000">
+          </a:p>
+          <a:p>
+            <a:pPr marL="3024000" lvl="6" indent="-216000">
               <a:buClr>
                 <a:srgbClr val="000000"/>
               </a:buClr>
@@ -3411,61 +3587,331 @@
               <a:buChar char=""/>
             </a:pPr>
             <a:r>
-              <a:rPr b="0" lang="zh-CN" sz="2000" spc="-1" strike="noStrike">
+              <a:rPr lang="zh-CN" sz="2000" b="0" strike="noStrike" spc="-1">
                 <a:solidFill>
                   <a:srgbClr val="000000"/>
                 </a:solidFill>
                 <a:uFill>
                   <a:solidFill>
-                    <a:srgbClr val="ffffff"/>
+                    <a:srgbClr val="FFFFFF"/>
                   </a:solidFill>
                 </a:uFill>
                 <a:latin typeface="Calibri"/>
               </a:rPr>
               <a:t>Seventh Outline Level</a:t>
             </a:r>
-            <a:endParaRPr b="0" lang="zh-CN" sz="2000" spc="-1" strike="noStrike">
-              <a:solidFill>
-                <a:srgbClr val="000000"/>
-              </a:solidFill>
-              <a:uFill>
-                <a:solidFill>
-                  <a:srgbClr val="ffffff"/>
-                </a:solidFill>
-              </a:uFill>
-              <a:latin typeface="Calibri"/>
-            </a:endParaRPr>
           </a:p>
         </p:txBody>
       </p:sp>
     </p:spTree>
   </p:cSld>
-  <p:clrMap bg1="lt1" bg2="lt2" tx1="dk1" tx2="dk2" accent1="accent1" accent2="accent2" accent3="accent3" accent4="accent4" accent5="accent5" accent6="accent6" hlink="hlink" folHlink="folHlink"/>
+  <p:clrMap bg1="lt1" tx1="dk1" bg2="lt2" tx2="dk2" accent1="accent1" accent2="accent2" accent3="accent3" accent4="accent4" accent5="accent5" accent6="accent6" hlink="hlink" folHlink="folHlink"/>
   <p:sldLayoutIdLst>
-    <p:sldLayoutId id="2147483649" r:id="rId2"/>
-    <p:sldLayoutId id="2147483650" r:id="rId3"/>
-    <p:sldLayoutId id="2147483651" r:id="rId4"/>
-    <p:sldLayoutId id="2147483652" r:id="rId5"/>
-    <p:sldLayoutId id="2147483653" r:id="rId6"/>
-    <p:sldLayoutId id="2147483654" r:id="rId7"/>
-    <p:sldLayoutId id="2147483655" r:id="rId8"/>
-    <p:sldLayoutId id="2147483656" r:id="rId9"/>
-    <p:sldLayoutId id="2147483657" r:id="rId10"/>
-    <p:sldLayoutId id="2147483658" r:id="rId11"/>
-    <p:sldLayoutId id="2147483659" r:id="rId12"/>
-    <p:sldLayoutId id="2147483660" r:id="rId13"/>
+    <p:sldLayoutId id="2147483649" r:id="rId1"/>
+    <p:sldLayoutId id="2147483650" r:id="rId2"/>
+    <p:sldLayoutId id="2147483651" r:id="rId3"/>
+    <p:sldLayoutId id="2147483652" r:id="rId4"/>
+    <p:sldLayoutId id="2147483653" r:id="rId5"/>
+    <p:sldLayoutId id="2147483654" r:id="rId6"/>
+    <p:sldLayoutId id="2147483655" r:id="rId7"/>
+    <p:sldLayoutId id="2147483656" r:id="rId8"/>
+    <p:sldLayoutId id="2147483657" r:id="rId9"/>
+    <p:sldLayoutId id="2147483658" r:id="rId10"/>
+    <p:sldLayoutId id="2147483659" r:id="rId11"/>
+    <p:sldLayoutId id="2147483660" r:id="rId12"/>
   </p:sldLayoutIdLst>
+  <p:txStyles>
+    <p:titleStyle>
+      <a:lvl1pPr algn="l" defTabSz="914400" rtl="0" eaLnBrk="1" latinLnBrk="0" hangingPunct="1">
+        <a:lnSpc>
+          <a:spcPct val="90000"/>
+        </a:lnSpc>
+        <a:spcBef>
+          <a:spcPct val="0"/>
+        </a:spcBef>
+        <a:buNone/>
+        <a:defRPr sz="4400" kern="1200">
+          <a:solidFill>
+            <a:schemeClr val="tx1"/>
+          </a:solidFill>
+          <a:latin typeface="+mj-lt"/>
+          <a:ea typeface="+mj-ea"/>
+          <a:cs typeface="+mj-cs"/>
+        </a:defRPr>
+      </a:lvl1pPr>
+    </p:titleStyle>
+    <p:bodyStyle>
+      <a:lvl1pPr marL="228600" indent="-228600" algn="l" defTabSz="914400" rtl="0" eaLnBrk="1" latinLnBrk="0" hangingPunct="1">
+        <a:lnSpc>
+          <a:spcPct val="90000"/>
+        </a:lnSpc>
+        <a:spcBef>
+          <a:spcPts val="1000"/>
+        </a:spcBef>
+        <a:buFont typeface="Arial" panose="020B0604020202020204" pitchFamily="34" charset="0"/>
+        <a:buChar char="•"/>
+        <a:defRPr sz="2800" kern="1200">
+          <a:solidFill>
+            <a:schemeClr val="tx1"/>
+          </a:solidFill>
+          <a:latin typeface="+mn-lt"/>
+          <a:ea typeface="+mn-ea"/>
+          <a:cs typeface="+mn-cs"/>
+        </a:defRPr>
+      </a:lvl1pPr>
+      <a:lvl2pPr marL="685800" indent="-228600" algn="l" defTabSz="914400" rtl="0" eaLnBrk="1" latinLnBrk="0" hangingPunct="1">
+        <a:lnSpc>
+          <a:spcPct val="90000"/>
+        </a:lnSpc>
+        <a:spcBef>
+          <a:spcPts val="500"/>
+        </a:spcBef>
+        <a:buFont typeface="Arial" panose="020B0604020202020204" pitchFamily="34" charset="0"/>
+        <a:buChar char="•"/>
+        <a:defRPr sz="2400" kern="1200">
+          <a:solidFill>
+            <a:schemeClr val="tx1"/>
+          </a:solidFill>
+          <a:latin typeface="+mn-lt"/>
+          <a:ea typeface="+mn-ea"/>
+          <a:cs typeface="+mn-cs"/>
+        </a:defRPr>
+      </a:lvl2pPr>
+      <a:lvl3pPr marL="1143000" indent="-228600" algn="l" defTabSz="914400" rtl="0" eaLnBrk="1" latinLnBrk="0" hangingPunct="1">
+        <a:lnSpc>
+          <a:spcPct val="90000"/>
+        </a:lnSpc>
+        <a:spcBef>
+          <a:spcPts val="500"/>
+        </a:spcBef>
+        <a:buFont typeface="Arial" panose="020B0604020202020204" pitchFamily="34" charset="0"/>
+        <a:buChar char="•"/>
+        <a:defRPr sz="2000" kern="1200">
+          <a:solidFill>
+            <a:schemeClr val="tx1"/>
+          </a:solidFill>
+          <a:latin typeface="+mn-lt"/>
+          <a:ea typeface="+mn-ea"/>
+          <a:cs typeface="+mn-cs"/>
+        </a:defRPr>
+      </a:lvl3pPr>
+      <a:lvl4pPr marL="1600200" indent="-228600" algn="l" defTabSz="914400" rtl="0" eaLnBrk="1" latinLnBrk="0" hangingPunct="1">
+        <a:lnSpc>
+          <a:spcPct val="90000"/>
+        </a:lnSpc>
+        <a:spcBef>
+          <a:spcPts val="500"/>
+        </a:spcBef>
+        <a:buFont typeface="Arial" panose="020B0604020202020204" pitchFamily="34" charset="0"/>
+        <a:buChar char="•"/>
+        <a:defRPr sz="1800" kern="1200">
+          <a:solidFill>
+            <a:schemeClr val="tx1"/>
+          </a:solidFill>
+          <a:latin typeface="+mn-lt"/>
+          <a:ea typeface="+mn-ea"/>
+          <a:cs typeface="+mn-cs"/>
+        </a:defRPr>
+      </a:lvl4pPr>
+      <a:lvl5pPr marL="2057400" indent="-228600" algn="l" defTabSz="914400" rtl="0" eaLnBrk="1" latinLnBrk="0" hangingPunct="1">
+        <a:lnSpc>
+          <a:spcPct val="90000"/>
+        </a:lnSpc>
+        <a:spcBef>
+          <a:spcPts val="500"/>
+        </a:spcBef>
+        <a:buFont typeface="Arial" panose="020B0604020202020204" pitchFamily="34" charset="0"/>
+        <a:buChar char="•"/>
+        <a:defRPr sz="1800" kern="1200">
+          <a:solidFill>
+            <a:schemeClr val="tx1"/>
+          </a:solidFill>
+          <a:latin typeface="+mn-lt"/>
+          <a:ea typeface="+mn-ea"/>
+          <a:cs typeface="+mn-cs"/>
+        </a:defRPr>
+      </a:lvl5pPr>
+      <a:lvl6pPr marL="2514600" indent="-228600" algn="l" defTabSz="914400" rtl="0" eaLnBrk="1" latinLnBrk="0" hangingPunct="1">
+        <a:lnSpc>
+          <a:spcPct val="90000"/>
+        </a:lnSpc>
+        <a:spcBef>
+          <a:spcPts val="500"/>
+        </a:spcBef>
+        <a:buFont typeface="Arial" panose="020B0604020202020204" pitchFamily="34" charset="0"/>
+        <a:buChar char="•"/>
+        <a:defRPr sz="1800" kern="1200">
+          <a:solidFill>
+            <a:schemeClr val="tx1"/>
+          </a:solidFill>
+          <a:latin typeface="+mn-lt"/>
+          <a:ea typeface="+mn-ea"/>
+          <a:cs typeface="+mn-cs"/>
+        </a:defRPr>
+      </a:lvl6pPr>
+      <a:lvl7pPr marL="2971800" indent="-228600" algn="l" defTabSz="914400" rtl="0" eaLnBrk="1" latinLnBrk="0" hangingPunct="1">
+        <a:lnSpc>
+          <a:spcPct val="90000"/>
+        </a:lnSpc>
+        <a:spcBef>
+          <a:spcPts val="500"/>
+        </a:spcBef>
+        <a:buFont typeface="Arial" panose="020B0604020202020204" pitchFamily="34" charset="0"/>
+        <a:buChar char="•"/>
+        <a:defRPr sz="1800" kern="1200">
+          <a:solidFill>
+            <a:schemeClr val="tx1"/>
+          </a:solidFill>
+          <a:latin typeface="+mn-lt"/>
+          <a:ea typeface="+mn-ea"/>
+          <a:cs typeface="+mn-cs"/>
+        </a:defRPr>
+      </a:lvl7pPr>
+      <a:lvl8pPr marL="3429000" indent="-228600" algn="l" defTabSz="914400" rtl="0" eaLnBrk="1" latinLnBrk="0" hangingPunct="1">
+        <a:lnSpc>
+          <a:spcPct val="90000"/>
+        </a:lnSpc>
+        <a:spcBef>
+          <a:spcPts val="500"/>
+        </a:spcBef>
+        <a:buFont typeface="Arial" panose="020B0604020202020204" pitchFamily="34" charset="0"/>
+        <a:buChar char="•"/>
+        <a:defRPr sz="1800" kern="1200">
+          <a:solidFill>
+            <a:schemeClr val="tx1"/>
+          </a:solidFill>
+          <a:latin typeface="+mn-lt"/>
+          <a:ea typeface="+mn-ea"/>
+          <a:cs typeface="+mn-cs"/>
+        </a:defRPr>
+      </a:lvl8pPr>
+      <a:lvl9pPr marL="3886200" indent="-228600" algn="l" defTabSz="914400" rtl="0" eaLnBrk="1" latinLnBrk="0" hangingPunct="1">
+        <a:lnSpc>
+          <a:spcPct val="90000"/>
+        </a:lnSpc>
+        <a:spcBef>
+          <a:spcPts val="500"/>
+        </a:spcBef>
+        <a:buFont typeface="Arial" panose="020B0604020202020204" pitchFamily="34" charset="0"/>
+        <a:buChar char="•"/>
+        <a:defRPr sz="1800" kern="1200">
+          <a:solidFill>
+            <a:schemeClr val="tx1"/>
+          </a:solidFill>
+          <a:latin typeface="+mn-lt"/>
+          <a:ea typeface="+mn-ea"/>
+          <a:cs typeface="+mn-cs"/>
+        </a:defRPr>
+      </a:lvl9pPr>
+    </p:bodyStyle>
+    <p:otherStyle>
+      <a:defPPr>
+        <a:defRPr lang="en-US"/>
+      </a:defPPr>
+      <a:lvl1pPr marL="0" algn="l" defTabSz="914400" rtl="0" eaLnBrk="1" latinLnBrk="0" hangingPunct="1">
+        <a:defRPr sz="1800" kern="1200">
+          <a:solidFill>
+            <a:schemeClr val="tx1"/>
+          </a:solidFill>
+          <a:latin typeface="+mn-lt"/>
+          <a:ea typeface="+mn-ea"/>
+          <a:cs typeface="+mn-cs"/>
+        </a:defRPr>
+      </a:lvl1pPr>
+      <a:lvl2pPr marL="457200" algn="l" defTabSz="914400" rtl="0" eaLnBrk="1" latinLnBrk="0" hangingPunct="1">
+        <a:defRPr sz="1800" kern="1200">
+          <a:solidFill>
+            <a:schemeClr val="tx1"/>
+          </a:solidFill>
+          <a:latin typeface="+mn-lt"/>
+          <a:ea typeface="+mn-ea"/>
+          <a:cs typeface="+mn-cs"/>
+        </a:defRPr>
+      </a:lvl2pPr>
+      <a:lvl3pPr marL="914400" algn="l" defTabSz="914400" rtl="0" eaLnBrk="1" latinLnBrk="0" hangingPunct="1">
+        <a:defRPr sz="1800" kern="1200">
+          <a:solidFill>
+            <a:schemeClr val="tx1"/>
+          </a:solidFill>
+          <a:latin typeface="+mn-lt"/>
+          <a:ea typeface="+mn-ea"/>
+          <a:cs typeface="+mn-cs"/>
+        </a:defRPr>
+      </a:lvl3pPr>
+      <a:lvl4pPr marL="1371600" algn="l" defTabSz="914400" rtl="0" eaLnBrk="1" latinLnBrk="0" hangingPunct="1">
+        <a:defRPr sz="1800" kern="1200">
+          <a:solidFill>
+            <a:schemeClr val="tx1"/>
+          </a:solidFill>
+          <a:latin typeface="+mn-lt"/>
+          <a:ea typeface="+mn-ea"/>
+          <a:cs typeface="+mn-cs"/>
+        </a:defRPr>
+      </a:lvl4pPr>
+      <a:lvl5pPr marL="1828800" algn="l" defTabSz="914400" rtl="0" eaLnBrk="1" latinLnBrk="0" hangingPunct="1">
+        <a:defRPr sz="1800" kern="1200">
+          <a:solidFill>
+            <a:schemeClr val="tx1"/>
+          </a:solidFill>
+          <a:latin typeface="+mn-lt"/>
+          <a:ea typeface="+mn-ea"/>
+          <a:cs typeface="+mn-cs"/>
+        </a:defRPr>
+      </a:lvl5pPr>
+      <a:lvl6pPr marL="2286000" algn="l" defTabSz="914400" rtl="0" eaLnBrk="1" latinLnBrk="0" hangingPunct="1">
+        <a:defRPr sz="1800" kern="1200">
+          <a:solidFill>
+            <a:schemeClr val="tx1"/>
+          </a:solidFill>
+          <a:latin typeface="+mn-lt"/>
+          <a:ea typeface="+mn-ea"/>
+          <a:cs typeface="+mn-cs"/>
+        </a:defRPr>
+      </a:lvl6pPr>
+      <a:lvl7pPr marL="2743200" algn="l" defTabSz="914400" rtl="0" eaLnBrk="1" latinLnBrk="0" hangingPunct="1">
+        <a:defRPr sz="1800" kern="1200">
+          <a:solidFill>
+            <a:schemeClr val="tx1"/>
+          </a:solidFill>
+          <a:latin typeface="+mn-lt"/>
+          <a:ea typeface="+mn-ea"/>
+          <a:cs typeface="+mn-cs"/>
+        </a:defRPr>
+      </a:lvl7pPr>
+      <a:lvl8pPr marL="3200400" algn="l" defTabSz="914400" rtl="0" eaLnBrk="1" latinLnBrk="0" hangingPunct="1">
+        <a:defRPr sz="1800" kern="1200">
+          <a:solidFill>
+            <a:schemeClr val="tx1"/>
+          </a:solidFill>
+          <a:latin typeface="+mn-lt"/>
+          <a:ea typeface="+mn-ea"/>
+          <a:cs typeface="+mn-cs"/>
+        </a:defRPr>
+      </a:lvl8pPr>
+      <a:lvl9pPr marL="3657600" algn="l" defTabSz="914400" rtl="0" eaLnBrk="1" latinLnBrk="0" hangingPunct="1">
+        <a:defRPr sz="1800" kern="1200">
+          <a:solidFill>
+            <a:schemeClr val="tx1"/>
+          </a:solidFill>
+          <a:latin typeface="+mn-lt"/>
+          <a:ea typeface="+mn-ea"/>
+          <a:cs typeface="+mn-cs"/>
+        </a:defRPr>
+      </a:lvl9pPr>
+    </p:otherStyle>
+  </p:txStyles>
 </p:sldMaster>
 </file>
 
 <file path=ppt/slideMasters/slideMaster2.xml><?xml version="1.0" encoding="utf-8"?>
-<p:sldMaster xmlns:a="http://schemas.openxmlformats.org/drawingml/2006/main" xmlns:p="http://schemas.openxmlformats.org/presentationml/2006/main" xmlns:r="http://schemas.openxmlformats.org/officeDocument/2006/relationships" xmlns:p14="http://schemas.microsoft.com/office/powerpoint/2010/main" xmlns:p15="http://schemas.microsoft.com/office/powerpoint/2012/main" xmlns:mc="http://schemas.openxmlformats.org/markup-compatibility/2006">
+<p:sldMaster xmlns:a="http://schemas.openxmlformats.org/drawingml/2006/main" xmlns:r="http://schemas.openxmlformats.org/officeDocument/2006/relationships" xmlns:p="http://schemas.openxmlformats.org/presentationml/2006/main">
   <p:cSld>
     <p:bg>
       <p:bgPr>
         <a:solidFill>
-          <a:srgbClr val="ffffff"/>
+          <a:srgbClr val="FFFFFF"/>
         </a:solidFill>
+        <a:effectLst/>
       </p:bgPr>
     </p:bg>
     <p:spTree>
@@ -3503,6 +3949,7 @@
         </p:spPr>
         <p:txBody>
           <a:bodyPr anchor="ctr"/>
+          <a:lstStyle/>
           <a:p>
             <a:pPr>
               <a:lnSpc>
@@ -3510,26 +3957,26 @@
               </a:lnSpc>
             </a:pPr>
             <a:r>
-              <a:rPr b="0" lang="zh-CN" sz="4400" spc="-1" strike="noStrike">
+              <a:rPr lang="zh-CN" sz="4400" b="0" strike="noStrike" spc="-1">
                 <a:solidFill>
                   <a:srgbClr val="000000"/>
                 </a:solidFill>
                 <a:uFill>
                   <a:solidFill>
-                    <a:srgbClr val="ffffff"/>
+                    <a:srgbClr val="FFFFFF"/>
                   </a:solidFill>
                 </a:uFill>
                 <a:latin typeface="Calibri Light"/>
               </a:rPr>
               <a:t>单击此处编辑母版标题样式</a:t>
             </a:r>
-            <a:endParaRPr b="0" lang="zh-CN" sz="1800" spc="-1" strike="noStrike">
-              <a:solidFill>
-                <a:srgbClr val="000000"/>
-              </a:solidFill>
-              <a:uFill>
-                <a:solidFill>
-                  <a:srgbClr val="ffffff"/>
+            <a:endParaRPr lang="zh-CN" sz="1800" b="0" strike="noStrike" spc="-1">
+              <a:solidFill>
+                <a:srgbClr val="000000"/>
+              </a:solidFill>
+              <a:uFill>
+                <a:solidFill>
+                  <a:srgbClr val="FFFFFF"/>
                 </a:solidFill>
               </a:uFill>
               <a:latin typeface="Calibri"/>
@@ -3558,6 +4005,7 @@
         </p:spPr>
         <p:txBody>
           <a:bodyPr/>
+          <a:lstStyle/>
           <a:p>
             <a:pPr marL="432000" indent="-324000">
               <a:buClr>
@@ -3568,33 +4016,22 @@
               <a:buChar char=""/>
             </a:pPr>
             <a:r>
-              <a:rPr b="0" lang="zh-CN" sz="2800" spc="-1" strike="noStrike">
+              <a:rPr lang="zh-CN" sz="2800" b="0" strike="noStrike" spc="-1">
                 <a:solidFill>
                   <a:srgbClr val="000000"/>
                 </a:solidFill>
                 <a:uFill>
                   <a:solidFill>
-                    <a:srgbClr val="ffffff"/>
+                    <a:srgbClr val="FFFFFF"/>
                   </a:solidFill>
                 </a:uFill>
                 <a:latin typeface="Calibri"/>
               </a:rPr>
               <a:t>Click to edit the outline text format</a:t>
             </a:r>
-            <a:endParaRPr b="0" lang="zh-CN" sz="2800" spc="-1" strike="noStrike">
-              <a:solidFill>
-                <a:srgbClr val="000000"/>
-              </a:solidFill>
-              <a:uFill>
-                <a:solidFill>
-                  <a:srgbClr val="ffffff"/>
-                </a:solidFill>
-              </a:uFill>
-              <a:latin typeface="Calibri"/>
-            </a:endParaRPr>
-          </a:p>
-          <a:p>
-            <a:pPr lvl="1" marL="864000" indent="-324000">
+          </a:p>
+          <a:p>
+            <a:pPr marL="864000" lvl="1" indent="-324000">
               <a:buClr>
                 <a:srgbClr val="000000"/>
               </a:buClr>
@@ -3603,33 +4040,22 @@
               <a:buChar char=""/>
             </a:pPr>
             <a:r>
-              <a:rPr b="0" lang="zh-CN" sz="2800" spc="-1" strike="noStrike">
+              <a:rPr lang="zh-CN" sz="2800" b="0" strike="noStrike" spc="-1">
                 <a:solidFill>
                   <a:srgbClr val="000000"/>
                 </a:solidFill>
                 <a:uFill>
                   <a:solidFill>
-                    <a:srgbClr val="ffffff"/>
+                    <a:srgbClr val="FFFFFF"/>
                   </a:solidFill>
                 </a:uFill>
                 <a:latin typeface="Calibri"/>
               </a:rPr>
               <a:t>Second Outline Level</a:t>
             </a:r>
-            <a:endParaRPr b="0" lang="zh-CN" sz="2800" spc="-1" strike="noStrike">
-              <a:solidFill>
-                <a:srgbClr val="000000"/>
-              </a:solidFill>
-              <a:uFill>
-                <a:solidFill>
-                  <a:srgbClr val="ffffff"/>
-                </a:solidFill>
-              </a:uFill>
-              <a:latin typeface="Calibri"/>
-            </a:endParaRPr>
-          </a:p>
-          <a:p>
-            <a:pPr lvl="2" marL="1296000" indent="-288000">
+          </a:p>
+          <a:p>
+            <a:pPr marL="1296000" lvl="2" indent="-288000">
               <a:buClr>
                 <a:srgbClr val="000000"/>
               </a:buClr>
@@ -3638,33 +4064,22 @@
               <a:buChar char=""/>
             </a:pPr>
             <a:r>
-              <a:rPr b="0" lang="zh-CN" sz="2800" spc="-1" strike="noStrike">
+              <a:rPr lang="zh-CN" sz="2800" b="0" strike="noStrike" spc="-1">
                 <a:solidFill>
                   <a:srgbClr val="000000"/>
                 </a:solidFill>
                 <a:uFill>
                   <a:solidFill>
-                    <a:srgbClr val="ffffff"/>
+                    <a:srgbClr val="FFFFFF"/>
                   </a:solidFill>
                 </a:uFill>
                 <a:latin typeface="Calibri"/>
               </a:rPr>
               <a:t>Third Outline Level</a:t>
             </a:r>
-            <a:endParaRPr b="0" lang="zh-CN" sz="2800" spc="-1" strike="noStrike">
-              <a:solidFill>
-                <a:srgbClr val="000000"/>
-              </a:solidFill>
-              <a:uFill>
-                <a:solidFill>
-                  <a:srgbClr val="ffffff"/>
-                </a:solidFill>
-              </a:uFill>
-              <a:latin typeface="Calibri"/>
-            </a:endParaRPr>
-          </a:p>
-          <a:p>
-            <a:pPr lvl="3" marL="1728000" indent="-216000">
+          </a:p>
+          <a:p>
+            <a:pPr marL="1728000" lvl="3" indent="-216000">
               <a:buClr>
                 <a:srgbClr val="000000"/>
               </a:buClr>
@@ -3673,33 +4088,22 @@
               <a:buChar char=""/>
             </a:pPr>
             <a:r>
-              <a:rPr b="0" lang="zh-CN" sz="2800" spc="-1" strike="noStrike">
+              <a:rPr lang="zh-CN" sz="2800" b="0" strike="noStrike" spc="-1">
                 <a:solidFill>
                   <a:srgbClr val="000000"/>
                 </a:solidFill>
                 <a:uFill>
                   <a:solidFill>
-                    <a:srgbClr val="ffffff"/>
+                    <a:srgbClr val="FFFFFF"/>
                   </a:solidFill>
                 </a:uFill>
                 <a:latin typeface="Calibri"/>
               </a:rPr>
               <a:t>Fourth Outline Level</a:t>
             </a:r>
-            <a:endParaRPr b="0" lang="zh-CN" sz="2800" spc="-1" strike="noStrike">
-              <a:solidFill>
-                <a:srgbClr val="000000"/>
-              </a:solidFill>
-              <a:uFill>
-                <a:solidFill>
-                  <a:srgbClr val="ffffff"/>
-                </a:solidFill>
-              </a:uFill>
-              <a:latin typeface="Calibri"/>
-            </a:endParaRPr>
-          </a:p>
-          <a:p>
-            <a:pPr lvl="4" marL="2160000" indent="-216000">
+          </a:p>
+          <a:p>
+            <a:pPr marL="2160000" lvl="4" indent="-216000">
               <a:buClr>
                 <a:srgbClr val="000000"/>
               </a:buClr>
@@ -3708,33 +4112,22 @@
               <a:buChar char=""/>
             </a:pPr>
             <a:r>
-              <a:rPr b="0" lang="zh-CN" sz="2800" spc="-1" strike="noStrike">
+              <a:rPr lang="zh-CN" sz="2800" b="0" strike="noStrike" spc="-1">
                 <a:solidFill>
                   <a:srgbClr val="000000"/>
                 </a:solidFill>
                 <a:uFill>
                   <a:solidFill>
-                    <a:srgbClr val="ffffff"/>
+                    <a:srgbClr val="FFFFFF"/>
                   </a:solidFill>
                 </a:uFill>
                 <a:latin typeface="Calibri"/>
               </a:rPr>
               <a:t>Fifth Outline Level</a:t>
             </a:r>
-            <a:endParaRPr b="0" lang="zh-CN" sz="2800" spc="-1" strike="noStrike">
-              <a:solidFill>
-                <a:srgbClr val="000000"/>
-              </a:solidFill>
-              <a:uFill>
-                <a:solidFill>
-                  <a:srgbClr val="ffffff"/>
-                </a:solidFill>
-              </a:uFill>
-              <a:latin typeface="Calibri"/>
-            </a:endParaRPr>
-          </a:p>
-          <a:p>
-            <a:pPr lvl="5" marL="2592000" indent="-216000">
+          </a:p>
+          <a:p>
+            <a:pPr marL="2592000" lvl="5" indent="-216000">
               <a:buClr>
                 <a:srgbClr val="000000"/>
               </a:buClr>
@@ -3743,30 +4136,19 @@
               <a:buChar char=""/>
             </a:pPr>
             <a:r>
-              <a:rPr b="0" lang="zh-CN" sz="2800" spc="-1" strike="noStrike">
+              <a:rPr lang="zh-CN" sz="2800" b="0" strike="noStrike" spc="-1">
                 <a:solidFill>
                   <a:srgbClr val="000000"/>
                 </a:solidFill>
                 <a:uFill>
                   <a:solidFill>
-                    <a:srgbClr val="ffffff"/>
+                    <a:srgbClr val="FFFFFF"/>
                   </a:solidFill>
                 </a:uFill>
                 <a:latin typeface="Calibri"/>
               </a:rPr>
               <a:t>Sixth Outline Level</a:t>
             </a:r>
-            <a:endParaRPr b="0" lang="zh-CN" sz="2800" spc="-1" strike="noStrike">
-              <a:solidFill>
-                <a:srgbClr val="000000"/>
-              </a:solidFill>
-              <a:uFill>
-                <a:solidFill>
-                  <a:srgbClr val="ffffff"/>
-                </a:solidFill>
-              </a:uFill>
-              <a:latin typeface="Calibri"/>
-            </a:endParaRPr>
           </a:p>
           <a:p>
             <a:pPr marL="228600" indent="-228240">
@@ -3780,47 +4162,22 @@
               <a:buChar char="•"/>
             </a:pPr>
             <a:r>
-              <a:rPr b="0" lang="zh-CN" sz="2800" spc="-1" strike="noStrike">
+              <a:rPr lang="zh-CN" sz="2800" b="0" strike="noStrike" spc="-1">
                 <a:solidFill>
                   <a:srgbClr val="000000"/>
                 </a:solidFill>
                 <a:uFill>
                   <a:solidFill>
-                    <a:srgbClr val="ffffff"/>
+                    <a:srgbClr val="FFFFFF"/>
                   </a:solidFill>
                 </a:uFill>
                 <a:latin typeface="Calibri"/>
               </a:rPr>
-              <a:t>Seventh Outline Level</a:t>
+              <a:t>Seventh Outline Level单击此处编辑母版文本样式</a:t>
             </a:r>
-            <a:r>
-              <a:rPr b="0" lang="zh-CN" sz="2800" spc="-1" strike="noStrike">
-                <a:solidFill>
-                  <a:srgbClr val="000000"/>
-                </a:solidFill>
-                <a:uFill>
-                  <a:solidFill>
-                    <a:srgbClr val="ffffff"/>
-                  </a:solidFill>
-                </a:uFill>
-                <a:latin typeface="Calibri"/>
-              </a:rPr>
-              <a:t>单击此处编辑母版文本样式</a:t>
-            </a:r>
-            <a:endParaRPr b="0" lang="zh-CN" sz="2800" spc="-1" strike="noStrike">
-              <a:solidFill>
-                <a:srgbClr val="000000"/>
-              </a:solidFill>
-              <a:uFill>
-                <a:solidFill>
-                  <a:srgbClr val="ffffff"/>
-                </a:solidFill>
-              </a:uFill>
-              <a:latin typeface="Calibri"/>
-            </a:endParaRPr>
-          </a:p>
-          <a:p>
-            <a:pPr lvl="1" marL="685800" indent="-228240">
+          </a:p>
+          <a:p>
+            <a:pPr marL="685800" lvl="1" indent="-228240">
               <a:lnSpc>
                 <a:spcPct val="100000"/>
               </a:lnSpc>
@@ -3831,33 +4188,33 @@
               <a:buChar char="•"/>
             </a:pPr>
             <a:r>
-              <a:rPr b="0" lang="zh-CN" sz="2400" spc="-1" strike="noStrike">
+              <a:rPr lang="zh-CN" sz="2400" b="0" strike="noStrike" spc="-1">
                 <a:solidFill>
                   <a:srgbClr val="000000"/>
                 </a:solidFill>
                 <a:uFill>
                   <a:solidFill>
-                    <a:srgbClr val="ffffff"/>
+                    <a:srgbClr val="FFFFFF"/>
                   </a:solidFill>
                 </a:uFill>
                 <a:latin typeface="Calibri"/>
               </a:rPr>
               <a:t>第二级</a:t>
             </a:r>
-            <a:endParaRPr b="0" lang="zh-CN" sz="2800" spc="-1" strike="noStrike">
-              <a:solidFill>
-                <a:srgbClr val="000000"/>
-              </a:solidFill>
-              <a:uFill>
-                <a:solidFill>
-                  <a:srgbClr val="ffffff"/>
-                </a:solidFill>
-              </a:uFill>
-              <a:latin typeface="Calibri"/>
-            </a:endParaRPr>
-          </a:p>
-          <a:p>
-            <a:pPr lvl="2" marL="1143000" indent="-228240">
+            <a:endParaRPr lang="zh-CN" sz="2800" b="0" strike="noStrike" spc="-1">
+              <a:solidFill>
+                <a:srgbClr val="000000"/>
+              </a:solidFill>
+              <a:uFill>
+                <a:solidFill>
+                  <a:srgbClr val="FFFFFF"/>
+                </a:solidFill>
+              </a:uFill>
+              <a:latin typeface="Calibri"/>
+            </a:endParaRPr>
+          </a:p>
+          <a:p>
+            <a:pPr marL="1143000" lvl="2" indent="-228240">
               <a:lnSpc>
                 <a:spcPct val="100000"/>
               </a:lnSpc>
@@ -3868,33 +4225,33 @@
               <a:buChar char="•"/>
             </a:pPr>
             <a:r>
-              <a:rPr b="0" lang="zh-CN" sz="2000" spc="-1" strike="noStrike">
+              <a:rPr lang="zh-CN" sz="2000" b="0" strike="noStrike" spc="-1">
                 <a:solidFill>
                   <a:srgbClr val="000000"/>
                 </a:solidFill>
                 <a:uFill>
                   <a:solidFill>
-                    <a:srgbClr val="ffffff"/>
+                    <a:srgbClr val="FFFFFF"/>
                   </a:solidFill>
                 </a:uFill>
                 <a:latin typeface="Calibri"/>
               </a:rPr>
               <a:t>第三级</a:t>
             </a:r>
-            <a:endParaRPr b="0" lang="zh-CN" sz="2800" spc="-1" strike="noStrike">
-              <a:solidFill>
-                <a:srgbClr val="000000"/>
-              </a:solidFill>
-              <a:uFill>
-                <a:solidFill>
-                  <a:srgbClr val="ffffff"/>
-                </a:solidFill>
-              </a:uFill>
-              <a:latin typeface="Calibri"/>
-            </a:endParaRPr>
-          </a:p>
-          <a:p>
-            <a:pPr lvl="3" marL="1600200" indent="-228240">
+            <a:endParaRPr lang="zh-CN" sz="2800" b="0" strike="noStrike" spc="-1">
+              <a:solidFill>
+                <a:srgbClr val="000000"/>
+              </a:solidFill>
+              <a:uFill>
+                <a:solidFill>
+                  <a:srgbClr val="FFFFFF"/>
+                </a:solidFill>
+              </a:uFill>
+              <a:latin typeface="Calibri"/>
+            </a:endParaRPr>
+          </a:p>
+          <a:p>
+            <a:pPr marL="1600200" lvl="3" indent="-228240">
               <a:lnSpc>
                 <a:spcPct val="100000"/>
               </a:lnSpc>
@@ -3905,33 +4262,33 @@
               <a:buChar char="•"/>
             </a:pPr>
             <a:r>
-              <a:rPr b="0" lang="zh-CN" sz="1800" spc="-1" strike="noStrike">
+              <a:rPr lang="zh-CN" sz="1800" b="0" strike="noStrike" spc="-1">
                 <a:solidFill>
                   <a:srgbClr val="000000"/>
                 </a:solidFill>
                 <a:uFill>
                   <a:solidFill>
-                    <a:srgbClr val="ffffff"/>
+                    <a:srgbClr val="FFFFFF"/>
                   </a:solidFill>
                 </a:uFill>
                 <a:latin typeface="Calibri"/>
               </a:rPr>
               <a:t>第四级</a:t>
             </a:r>
-            <a:endParaRPr b="0" lang="zh-CN" sz="2800" spc="-1" strike="noStrike">
-              <a:solidFill>
-                <a:srgbClr val="000000"/>
-              </a:solidFill>
-              <a:uFill>
-                <a:solidFill>
-                  <a:srgbClr val="ffffff"/>
-                </a:solidFill>
-              </a:uFill>
-              <a:latin typeface="Calibri"/>
-            </a:endParaRPr>
-          </a:p>
-          <a:p>
-            <a:pPr lvl="4" marL="2057400" indent="-228240">
+            <a:endParaRPr lang="zh-CN" sz="2800" b="0" strike="noStrike" spc="-1">
+              <a:solidFill>
+                <a:srgbClr val="000000"/>
+              </a:solidFill>
+              <a:uFill>
+                <a:solidFill>
+                  <a:srgbClr val="FFFFFF"/>
+                </a:solidFill>
+              </a:uFill>
+              <a:latin typeface="Calibri"/>
+            </a:endParaRPr>
+          </a:p>
+          <a:p>
+            <a:pPr marL="2057400" lvl="4" indent="-228240">
               <a:lnSpc>
                 <a:spcPct val="100000"/>
               </a:lnSpc>
@@ -3942,26 +4299,26 @@
               <a:buChar char="•"/>
             </a:pPr>
             <a:r>
-              <a:rPr b="0" lang="zh-CN" sz="1800" spc="-1" strike="noStrike">
+              <a:rPr lang="zh-CN" sz="1800" b="0" strike="noStrike" spc="-1">
                 <a:solidFill>
                   <a:srgbClr val="000000"/>
                 </a:solidFill>
                 <a:uFill>
                   <a:solidFill>
-                    <a:srgbClr val="ffffff"/>
+                    <a:srgbClr val="FFFFFF"/>
                   </a:solidFill>
                 </a:uFill>
                 <a:latin typeface="Calibri"/>
               </a:rPr>
               <a:t>第五级</a:t>
             </a:r>
-            <a:endParaRPr b="0" lang="zh-CN" sz="2800" spc="-1" strike="noStrike">
-              <a:solidFill>
-                <a:srgbClr val="000000"/>
-              </a:solidFill>
-              <a:uFill>
-                <a:solidFill>
-                  <a:srgbClr val="ffffff"/>
+            <a:endParaRPr lang="zh-CN" sz="2800" b="0" strike="noStrike" spc="-1">
+              <a:solidFill>
+                <a:srgbClr val="000000"/>
+              </a:solidFill>
+              <a:uFill>
+                <a:solidFill>
+                  <a:srgbClr val="FFFFFF"/>
                 </a:solidFill>
               </a:uFill>
               <a:latin typeface="Calibri"/>
@@ -3990,6 +4347,7 @@
         </p:spPr>
         <p:txBody>
           <a:bodyPr anchor="ctr"/>
+          <a:lstStyle/>
           <a:p>
             <a:pPr>
               <a:lnSpc>
@@ -3997,26 +4355,26 @@
               </a:lnSpc>
             </a:pPr>
             <a:r>
-              <a:rPr b="0" lang="en-US" sz="1200" spc="-1" strike="noStrike">
-                <a:solidFill>
-                  <a:srgbClr val="8b8b8b"/>
+              <a:rPr lang="en-US" sz="1200" b="0" strike="noStrike" spc="-1">
+                <a:solidFill>
+                  <a:srgbClr val="8B8B8B"/>
                 </a:solidFill>
                 <a:uFill>
                   <a:solidFill>
-                    <a:srgbClr val="ffffff"/>
+                    <a:srgbClr val="FFFFFF"/>
                   </a:solidFill>
                 </a:uFill>
                 <a:latin typeface="Calibri"/>
               </a:rPr>
               <a:t>5/19/20</a:t>
             </a:r>
-            <a:endParaRPr b="0" lang="en-US" sz="1400" spc="-1" strike="noStrike">
-              <a:solidFill>
-                <a:srgbClr val="000000"/>
-              </a:solidFill>
-              <a:uFill>
-                <a:solidFill>
-                  <a:srgbClr val="ffffff"/>
+            <a:endParaRPr lang="en-US" sz="1400" b="0" strike="noStrike" spc="-1">
+              <a:solidFill>
+                <a:srgbClr val="000000"/>
+              </a:solidFill>
+              <a:uFill>
+                <a:solidFill>
+                  <a:srgbClr val="FFFFFF"/>
                 </a:solidFill>
               </a:uFill>
               <a:latin typeface="Times New Roman"/>
@@ -4045,14 +4403,15 @@
         </p:spPr>
         <p:txBody>
           <a:bodyPr anchor="ctr"/>
-          <a:p>
-            <a:endParaRPr b="0" lang="en-US" sz="2400" spc="-1" strike="noStrike">
-              <a:solidFill>
-                <a:srgbClr val="000000"/>
-              </a:solidFill>
-              <a:uFill>
-                <a:solidFill>
-                  <a:srgbClr val="ffffff"/>
+          <a:lstStyle/>
+          <a:p>
+            <a:endParaRPr lang="en-US" sz="2400" b="0" strike="noStrike" spc="-1">
+              <a:solidFill>
+                <a:srgbClr val="000000"/>
+              </a:solidFill>
+              <a:uFill>
+                <a:solidFill>
+                  <a:srgbClr val="FFFFFF"/>
                 </a:solidFill>
               </a:uFill>
               <a:latin typeface="Times New Roman"/>
@@ -4081,6 +4440,7 @@
         </p:spPr>
         <p:txBody>
           <a:bodyPr anchor="ctr"/>
+          <a:lstStyle/>
           <a:p>
             <a:pPr algn="r">
               <a:lnSpc>
@@ -4088,26 +4448,26 @@
               </a:lnSpc>
             </a:pPr>
             <a:fld id="{3E668052-A266-4122-9E58-765629041320}" type="slidenum">
-              <a:rPr b="0" lang="en-US" sz="1200" spc="-1" strike="noStrike">
-                <a:solidFill>
-                  <a:srgbClr val="8b8b8b"/>
+              <a:rPr lang="en-US" sz="1200" b="0" strike="noStrike" spc="-1">
+                <a:solidFill>
+                  <a:srgbClr val="8B8B8B"/>
                 </a:solidFill>
                 <a:uFill>
                   <a:solidFill>
-                    <a:srgbClr val="ffffff"/>
+                    <a:srgbClr val="FFFFFF"/>
                   </a:solidFill>
                 </a:uFill>
                 <a:latin typeface="Calibri"/>
               </a:rPr>
-              <a:t>1</a:t>
+              <a:t>‹#›</a:t>
             </a:fld>
-            <a:endParaRPr b="0" lang="en-US" sz="1400" spc="-1" strike="noStrike">
-              <a:solidFill>
-                <a:srgbClr val="000000"/>
-              </a:solidFill>
-              <a:uFill>
-                <a:solidFill>
-                  <a:srgbClr val="ffffff"/>
+            <a:endParaRPr lang="en-US" sz="1400" b="0" strike="noStrike" spc="-1">
+              <a:solidFill>
+                <a:srgbClr val="000000"/>
+              </a:solidFill>
+              <a:uFill>
+                <a:solidFill>
+                  <a:srgbClr val="FFFFFF"/>
                 </a:solidFill>
               </a:uFill>
               <a:latin typeface="Times New Roman"/>
@@ -4117,26 +4477,306 @@
       </p:sp>
     </p:spTree>
   </p:cSld>
-  <p:clrMap bg1="lt1" bg2="lt2" tx1="dk1" tx2="dk2" accent1="accent1" accent2="accent2" accent3="accent3" accent4="accent4" accent5="accent5" accent6="accent6" hlink="hlink" folHlink="folHlink"/>
+  <p:clrMap bg1="lt1" tx1="dk1" bg2="lt2" tx2="dk2" accent1="accent1" accent2="accent2" accent3="accent3" accent4="accent4" accent5="accent5" accent6="accent6" hlink="hlink" folHlink="folHlink"/>
   <p:sldLayoutIdLst>
-    <p:sldLayoutId id="2147483662" r:id="rId2"/>
-    <p:sldLayoutId id="2147483663" r:id="rId3"/>
-    <p:sldLayoutId id="2147483664" r:id="rId4"/>
-    <p:sldLayoutId id="2147483665" r:id="rId5"/>
-    <p:sldLayoutId id="2147483666" r:id="rId6"/>
-    <p:sldLayoutId id="2147483667" r:id="rId7"/>
-    <p:sldLayoutId id="2147483668" r:id="rId8"/>
-    <p:sldLayoutId id="2147483669" r:id="rId9"/>
-    <p:sldLayoutId id="2147483670" r:id="rId10"/>
-    <p:sldLayoutId id="2147483671" r:id="rId11"/>
-    <p:sldLayoutId id="2147483672" r:id="rId12"/>
-    <p:sldLayoutId id="2147483673" r:id="rId13"/>
+    <p:sldLayoutId id="2147483662" r:id="rId1"/>
+    <p:sldLayoutId id="2147483663" r:id="rId2"/>
+    <p:sldLayoutId id="2147483664" r:id="rId3"/>
+    <p:sldLayoutId id="2147483665" r:id="rId4"/>
+    <p:sldLayoutId id="2147483666" r:id="rId5"/>
+    <p:sldLayoutId id="2147483667" r:id="rId6"/>
+    <p:sldLayoutId id="2147483668" r:id="rId7"/>
+    <p:sldLayoutId id="2147483669" r:id="rId8"/>
+    <p:sldLayoutId id="2147483670" r:id="rId9"/>
+    <p:sldLayoutId id="2147483671" r:id="rId10"/>
+    <p:sldLayoutId id="2147483672" r:id="rId11"/>
+    <p:sldLayoutId id="2147483673" r:id="rId12"/>
   </p:sldLayoutIdLst>
+  <p:txStyles>
+    <p:titleStyle>
+      <a:lvl1pPr algn="l" defTabSz="914400" rtl="0" eaLnBrk="1" latinLnBrk="0" hangingPunct="1">
+        <a:lnSpc>
+          <a:spcPct val="90000"/>
+        </a:lnSpc>
+        <a:spcBef>
+          <a:spcPct val="0"/>
+        </a:spcBef>
+        <a:buNone/>
+        <a:defRPr sz="4400" kern="1200">
+          <a:solidFill>
+            <a:schemeClr val="tx1"/>
+          </a:solidFill>
+          <a:latin typeface="+mj-lt"/>
+          <a:ea typeface="+mj-ea"/>
+          <a:cs typeface="+mj-cs"/>
+        </a:defRPr>
+      </a:lvl1pPr>
+    </p:titleStyle>
+    <p:bodyStyle>
+      <a:lvl1pPr marL="228600" indent="-228600" algn="l" defTabSz="914400" rtl="0" eaLnBrk="1" latinLnBrk="0" hangingPunct="1">
+        <a:lnSpc>
+          <a:spcPct val="90000"/>
+        </a:lnSpc>
+        <a:spcBef>
+          <a:spcPts val="1000"/>
+        </a:spcBef>
+        <a:buFont typeface="Arial" panose="020B0604020202020204" pitchFamily="34" charset="0"/>
+        <a:buChar char="•"/>
+        <a:defRPr sz="2800" kern="1200">
+          <a:solidFill>
+            <a:schemeClr val="tx1"/>
+          </a:solidFill>
+          <a:latin typeface="+mn-lt"/>
+          <a:ea typeface="+mn-ea"/>
+          <a:cs typeface="+mn-cs"/>
+        </a:defRPr>
+      </a:lvl1pPr>
+      <a:lvl2pPr marL="685800" indent="-228600" algn="l" defTabSz="914400" rtl="0" eaLnBrk="1" latinLnBrk="0" hangingPunct="1">
+        <a:lnSpc>
+          <a:spcPct val="90000"/>
+        </a:lnSpc>
+        <a:spcBef>
+          <a:spcPts val="500"/>
+        </a:spcBef>
+        <a:buFont typeface="Arial" panose="020B0604020202020204" pitchFamily="34" charset="0"/>
+        <a:buChar char="•"/>
+        <a:defRPr sz="2400" kern="1200">
+          <a:solidFill>
+            <a:schemeClr val="tx1"/>
+          </a:solidFill>
+          <a:latin typeface="+mn-lt"/>
+          <a:ea typeface="+mn-ea"/>
+          <a:cs typeface="+mn-cs"/>
+        </a:defRPr>
+      </a:lvl2pPr>
+      <a:lvl3pPr marL="1143000" indent="-228600" algn="l" defTabSz="914400" rtl="0" eaLnBrk="1" latinLnBrk="0" hangingPunct="1">
+        <a:lnSpc>
+          <a:spcPct val="90000"/>
+        </a:lnSpc>
+        <a:spcBef>
+          <a:spcPts val="500"/>
+        </a:spcBef>
+        <a:buFont typeface="Arial" panose="020B0604020202020204" pitchFamily="34" charset="0"/>
+        <a:buChar char="•"/>
+        <a:defRPr sz="2000" kern="1200">
+          <a:solidFill>
+            <a:schemeClr val="tx1"/>
+          </a:solidFill>
+          <a:latin typeface="+mn-lt"/>
+          <a:ea typeface="+mn-ea"/>
+          <a:cs typeface="+mn-cs"/>
+        </a:defRPr>
+      </a:lvl3pPr>
+      <a:lvl4pPr marL="1600200" indent="-228600" algn="l" defTabSz="914400" rtl="0" eaLnBrk="1" latinLnBrk="0" hangingPunct="1">
+        <a:lnSpc>
+          <a:spcPct val="90000"/>
+        </a:lnSpc>
+        <a:spcBef>
+          <a:spcPts val="500"/>
+        </a:spcBef>
+        <a:buFont typeface="Arial" panose="020B0604020202020204" pitchFamily="34" charset="0"/>
+        <a:buChar char="•"/>
+        <a:defRPr sz="1800" kern="1200">
+          <a:solidFill>
+            <a:schemeClr val="tx1"/>
+          </a:solidFill>
+          <a:latin typeface="+mn-lt"/>
+          <a:ea typeface="+mn-ea"/>
+          <a:cs typeface="+mn-cs"/>
+        </a:defRPr>
+      </a:lvl4pPr>
+      <a:lvl5pPr marL="2057400" indent="-228600" algn="l" defTabSz="914400" rtl="0" eaLnBrk="1" latinLnBrk="0" hangingPunct="1">
+        <a:lnSpc>
+          <a:spcPct val="90000"/>
+        </a:lnSpc>
+        <a:spcBef>
+          <a:spcPts val="500"/>
+        </a:spcBef>
+        <a:buFont typeface="Arial" panose="020B0604020202020204" pitchFamily="34" charset="0"/>
+        <a:buChar char="•"/>
+        <a:defRPr sz="1800" kern="1200">
+          <a:solidFill>
+            <a:schemeClr val="tx1"/>
+          </a:solidFill>
+          <a:latin typeface="+mn-lt"/>
+          <a:ea typeface="+mn-ea"/>
+          <a:cs typeface="+mn-cs"/>
+        </a:defRPr>
+      </a:lvl5pPr>
+      <a:lvl6pPr marL="2514600" indent="-228600" algn="l" defTabSz="914400" rtl="0" eaLnBrk="1" latinLnBrk="0" hangingPunct="1">
+        <a:lnSpc>
+          <a:spcPct val="90000"/>
+        </a:lnSpc>
+        <a:spcBef>
+          <a:spcPts val="500"/>
+        </a:spcBef>
+        <a:buFont typeface="Arial" panose="020B0604020202020204" pitchFamily="34" charset="0"/>
+        <a:buChar char="•"/>
+        <a:defRPr sz="1800" kern="1200">
+          <a:solidFill>
+            <a:schemeClr val="tx1"/>
+          </a:solidFill>
+          <a:latin typeface="+mn-lt"/>
+          <a:ea typeface="+mn-ea"/>
+          <a:cs typeface="+mn-cs"/>
+        </a:defRPr>
+      </a:lvl6pPr>
+      <a:lvl7pPr marL="2971800" indent="-228600" algn="l" defTabSz="914400" rtl="0" eaLnBrk="1" latinLnBrk="0" hangingPunct="1">
+        <a:lnSpc>
+          <a:spcPct val="90000"/>
+        </a:lnSpc>
+        <a:spcBef>
+          <a:spcPts val="500"/>
+        </a:spcBef>
+        <a:buFont typeface="Arial" panose="020B0604020202020204" pitchFamily="34" charset="0"/>
+        <a:buChar char="•"/>
+        <a:defRPr sz="1800" kern="1200">
+          <a:solidFill>
+            <a:schemeClr val="tx1"/>
+          </a:solidFill>
+          <a:latin typeface="+mn-lt"/>
+          <a:ea typeface="+mn-ea"/>
+          <a:cs typeface="+mn-cs"/>
+        </a:defRPr>
+      </a:lvl7pPr>
+      <a:lvl8pPr marL="3429000" indent="-228600" algn="l" defTabSz="914400" rtl="0" eaLnBrk="1" latinLnBrk="0" hangingPunct="1">
+        <a:lnSpc>
+          <a:spcPct val="90000"/>
+        </a:lnSpc>
+        <a:spcBef>
+          <a:spcPts val="500"/>
+        </a:spcBef>
+        <a:buFont typeface="Arial" panose="020B0604020202020204" pitchFamily="34" charset="0"/>
+        <a:buChar char="•"/>
+        <a:defRPr sz="1800" kern="1200">
+          <a:solidFill>
+            <a:schemeClr val="tx1"/>
+          </a:solidFill>
+          <a:latin typeface="+mn-lt"/>
+          <a:ea typeface="+mn-ea"/>
+          <a:cs typeface="+mn-cs"/>
+        </a:defRPr>
+      </a:lvl8pPr>
+      <a:lvl9pPr marL="3886200" indent="-228600" algn="l" defTabSz="914400" rtl="0" eaLnBrk="1" latinLnBrk="0" hangingPunct="1">
+        <a:lnSpc>
+          <a:spcPct val="90000"/>
+        </a:lnSpc>
+        <a:spcBef>
+          <a:spcPts val="500"/>
+        </a:spcBef>
+        <a:buFont typeface="Arial" panose="020B0604020202020204" pitchFamily="34" charset="0"/>
+        <a:buChar char="•"/>
+        <a:defRPr sz="1800" kern="1200">
+          <a:solidFill>
+            <a:schemeClr val="tx1"/>
+          </a:solidFill>
+          <a:latin typeface="+mn-lt"/>
+          <a:ea typeface="+mn-ea"/>
+          <a:cs typeface="+mn-cs"/>
+        </a:defRPr>
+      </a:lvl9pPr>
+    </p:bodyStyle>
+    <p:otherStyle>
+      <a:defPPr>
+        <a:defRPr lang="en-US"/>
+      </a:defPPr>
+      <a:lvl1pPr marL="0" algn="l" defTabSz="914400" rtl="0" eaLnBrk="1" latinLnBrk="0" hangingPunct="1">
+        <a:defRPr sz="1800" kern="1200">
+          <a:solidFill>
+            <a:schemeClr val="tx1"/>
+          </a:solidFill>
+          <a:latin typeface="+mn-lt"/>
+          <a:ea typeface="+mn-ea"/>
+          <a:cs typeface="+mn-cs"/>
+        </a:defRPr>
+      </a:lvl1pPr>
+      <a:lvl2pPr marL="457200" algn="l" defTabSz="914400" rtl="0" eaLnBrk="1" latinLnBrk="0" hangingPunct="1">
+        <a:defRPr sz="1800" kern="1200">
+          <a:solidFill>
+            <a:schemeClr val="tx1"/>
+          </a:solidFill>
+          <a:latin typeface="+mn-lt"/>
+          <a:ea typeface="+mn-ea"/>
+          <a:cs typeface="+mn-cs"/>
+        </a:defRPr>
+      </a:lvl2pPr>
+      <a:lvl3pPr marL="914400" algn="l" defTabSz="914400" rtl="0" eaLnBrk="1" latinLnBrk="0" hangingPunct="1">
+        <a:defRPr sz="1800" kern="1200">
+          <a:solidFill>
+            <a:schemeClr val="tx1"/>
+          </a:solidFill>
+          <a:latin typeface="+mn-lt"/>
+          <a:ea typeface="+mn-ea"/>
+          <a:cs typeface="+mn-cs"/>
+        </a:defRPr>
+      </a:lvl3pPr>
+      <a:lvl4pPr marL="1371600" algn="l" defTabSz="914400" rtl="0" eaLnBrk="1" latinLnBrk="0" hangingPunct="1">
+        <a:defRPr sz="1800" kern="1200">
+          <a:solidFill>
+            <a:schemeClr val="tx1"/>
+          </a:solidFill>
+          <a:latin typeface="+mn-lt"/>
+          <a:ea typeface="+mn-ea"/>
+          <a:cs typeface="+mn-cs"/>
+        </a:defRPr>
+      </a:lvl4pPr>
+      <a:lvl5pPr marL="1828800" algn="l" defTabSz="914400" rtl="0" eaLnBrk="1" latinLnBrk="0" hangingPunct="1">
+        <a:defRPr sz="1800" kern="1200">
+          <a:solidFill>
+            <a:schemeClr val="tx1"/>
+          </a:solidFill>
+          <a:latin typeface="+mn-lt"/>
+          <a:ea typeface="+mn-ea"/>
+          <a:cs typeface="+mn-cs"/>
+        </a:defRPr>
+      </a:lvl5pPr>
+      <a:lvl6pPr marL="2286000" algn="l" defTabSz="914400" rtl="0" eaLnBrk="1" latinLnBrk="0" hangingPunct="1">
+        <a:defRPr sz="1800" kern="1200">
+          <a:solidFill>
+            <a:schemeClr val="tx1"/>
+          </a:solidFill>
+          <a:latin typeface="+mn-lt"/>
+          <a:ea typeface="+mn-ea"/>
+          <a:cs typeface="+mn-cs"/>
+        </a:defRPr>
+      </a:lvl6pPr>
+      <a:lvl7pPr marL="2743200" algn="l" defTabSz="914400" rtl="0" eaLnBrk="1" latinLnBrk="0" hangingPunct="1">
+        <a:defRPr sz="1800" kern="1200">
+          <a:solidFill>
+            <a:schemeClr val="tx1"/>
+          </a:solidFill>
+          <a:latin typeface="+mn-lt"/>
+          <a:ea typeface="+mn-ea"/>
+          <a:cs typeface="+mn-cs"/>
+        </a:defRPr>
+      </a:lvl7pPr>
+      <a:lvl8pPr marL="3200400" algn="l" defTabSz="914400" rtl="0" eaLnBrk="1" latinLnBrk="0" hangingPunct="1">
+        <a:defRPr sz="1800" kern="1200">
+          <a:solidFill>
+            <a:schemeClr val="tx1"/>
+          </a:solidFill>
+          <a:latin typeface="+mn-lt"/>
+          <a:ea typeface="+mn-ea"/>
+          <a:cs typeface="+mn-cs"/>
+        </a:defRPr>
+      </a:lvl8pPr>
+      <a:lvl9pPr marL="3657600" algn="l" defTabSz="914400" rtl="0" eaLnBrk="1" latinLnBrk="0" hangingPunct="1">
+        <a:defRPr sz="1800" kern="1200">
+          <a:solidFill>
+            <a:schemeClr val="tx1"/>
+          </a:solidFill>
+          <a:latin typeface="+mn-lt"/>
+          <a:ea typeface="+mn-ea"/>
+          <a:cs typeface="+mn-cs"/>
+        </a:defRPr>
+      </a:lvl9pPr>
+    </p:otherStyle>
+  </p:txStyles>
 </p:sldMaster>
 </file>
 
 <file path=ppt/slides/slide1.xml><?xml version="1.0" encoding="utf-8"?>
-<p:sld xmlns:a="http://schemas.openxmlformats.org/drawingml/2006/main" xmlns:p="http://schemas.openxmlformats.org/presentationml/2006/main" xmlns:r="http://schemas.openxmlformats.org/officeDocument/2006/relationships" xmlns:p14="http://schemas.microsoft.com/office/powerpoint/2010/main" xmlns:p15="http://schemas.microsoft.com/office/powerpoint/2012/main" xmlns:mc="http://schemas.openxmlformats.org/markup-compatibility/2006">
+<p:sld xmlns:a="http://schemas.openxmlformats.org/drawingml/2006/main" xmlns:r="http://schemas.openxmlformats.org/officeDocument/2006/relationships" xmlns:p="http://schemas.openxmlformats.org/presentationml/2006/main">
   <p:cSld>
     <p:spTree>
       <p:nvGrpSpPr>
@@ -4173,6 +4813,7 @@
         </p:spPr>
         <p:txBody>
           <a:bodyPr anchor="b"/>
+          <a:lstStyle/>
           <a:p>
             <a:pPr algn="ctr">
               <a:lnSpc>
@@ -4180,58 +4821,28 @@
               </a:lnSpc>
             </a:pPr>
             <a:r>
-              <a:rPr b="0" lang="zh-CN" sz="6000" spc="-1" strike="noStrike">
+              <a:rPr lang="zh-CN" sz="6000" b="0" strike="noStrike" spc="-1">
                 <a:solidFill>
                   <a:srgbClr val="000000"/>
                 </a:solidFill>
                 <a:uFill>
                   <a:solidFill>
-                    <a:srgbClr val="ffffff"/>
+                    <a:srgbClr val="FFFFFF"/>
                   </a:solidFill>
                 </a:uFill>
                 <a:latin typeface="微软雅黑 Light"/>
                 <a:ea typeface="微软雅黑 Light"/>
               </a:rPr>
-              <a:t>Meeting</a:t>
+              <a:t>Meeting
+05/19/2020</a:t>
             </a:r>
-            <a:r>
-              <a:rPr b="0" lang="zh-CN" sz="6000" spc="-1" strike="noStrike">
-                <a:solidFill>
-                  <a:srgbClr val="000000"/>
-                </a:solidFill>
-                <a:uFill>
-                  <a:solidFill>
-                    <a:srgbClr val="ffffff"/>
-                  </a:solidFill>
-                </a:uFill>
-                <a:latin typeface="微软雅黑 Light"/>
-                <a:ea typeface="微软雅黑 Light"/>
-              </a:rPr>
-              <a:t>
-</a:t>
-            </a:r>
-            <a:r>
-              <a:rPr b="0" lang="zh-CN" sz="6000" spc="-1" strike="noStrike">
-                <a:solidFill>
-                  <a:srgbClr val="000000"/>
-                </a:solidFill>
-                <a:uFill>
-                  <a:solidFill>
-                    <a:srgbClr val="ffffff"/>
-                  </a:solidFill>
-                </a:uFill>
-                <a:latin typeface="微软雅黑 Light"/>
-                <a:ea typeface="微软雅黑 Light"/>
-              </a:rPr>
-              <a:t>05/19/2020</a:t>
-            </a:r>
-            <a:endParaRPr b="0" lang="zh-CN" sz="1800" spc="-1" strike="noStrike">
-              <a:solidFill>
-                <a:srgbClr val="000000"/>
-              </a:solidFill>
-              <a:uFill>
-                <a:solidFill>
-                  <a:srgbClr val="ffffff"/>
+            <a:endParaRPr lang="zh-CN" sz="1800" b="0" strike="noStrike" spc="-1">
+              <a:solidFill>
+                <a:srgbClr val="000000"/>
+              </a:solidFill>
+              <a:uFill>
+                <a:solidFill>
+                  <a:srgbClr val="FFFFFF"/>
                 </a:solidFill>
               </a:uFill>
               <a:latin typeface="Calibri"/>
@@ -4260,6 +4871,7 @@
         </p:spPr>
         <p:txBody>
           <a:bodyPr/>
+          <a:lstStyle/>
           <a:p>
             <a:pPr algn="ctr">
               <a:lnSpc>
@@ -4267,13 +4879,13 @@
               </a:lnSpc>
             </a:pPr>
             <a:r>
-              <a:rPr b="0" lang="en-US" sz="2400" spc="-1" strike="noStrike">
+              <a:rPr lang="en-US" sz="2400" b="0" strike="noStrike" spc="-1">
                 <a:solidFill>
                   <a:srgbClr val="000000"/>
                 </a:solidFill>
                 <a:uFill>
                   <a:solidFill>
-                    <a:srgbClr val="ffffff"/>
+                    <a:srgbClr val="FFFFFF"/>
                   </a:solidFill>
                 </a:uFill>
                 <a:latin typeface="微软雅黑 Light"/>
@@ -4281,13 +4893,13 @@
               </a:rPr>
               <a:t>Shuo Zhang</a:t>
             </a:r>
-            <a:endParaRPr b="0" lang="en-US" sz="3200" spc="-1" strike="noStrike">
-              <a:solidFill>
-                <a:srgbClr val="000000"/>
-              </a:solidFill>
-              <a:uFill>
-                <a:solidFill>
-                  <a:srgbClr val="ffffff"/>
+            <a:endParaRPr lang="en-US" sz="3200" b="0" strike="noStrike" spc="-1">
+              <a:solidFill>
+                <a:srgbClr val="000000"/>
+              </a:solidFill>
+              <a:uFill>
+                <a:solidFill>
+                  <a:srgbClr val="FFFFFF"/>
                 </a:solidFill>
               </a:uFill>
               <a:latin typeface="Arial"/>
@@ -4297,6 +4909,9 @@
       </p:sp>
     </p:spTree>
   </p:cSld>
+  <p:clrMapOvr>
+    <a:masterClrMapping/>
+  </p:clrMapOvr>
   <p:timing>
     <p:tnLst>
       <p:par>
@@ -4305,14 +4920,504 @@
             <p:seq>
               <p:cTn id="2" nodeType="mainSeq"/>
               <p:prevCondLst>
-                <p:cond delay="0" evt="onPrev">
+                <p:cond evt="onPrev" delay="0">
                   <p:tgtEl>
                     <p:sldTgt/>
                   </p:tgtEl>
                 </p:cond>
               </p:prevCondLst>
               <p:nextCondLst>
-                <p:cond delay="0" evt="onNext">
+                <p:cond evt="onNext" delay="0">
+                  <p:tgtEl>
+                    <p:sldTgt/>
+                  </p:tgtEl>
+                </p:cond>
+              </p:nextCondLst>
+            </p:seq>
+          </p:childTnLst>
+        </p:cTn>
+      </p:par>
+    </p:tnLst>
+  </p:timing>
+</p:sld>
+</file>
+
+<file path=ppt/slides/slide10.xml><?xml version="1.0" encoding="utf-8"?>
+<p:sld xmlns:a="http://schemas.openxmlformats.org/drawingml/2006/main" xmlns:r="http://schemas.openxmlformats.org/officeDocument/2006/relationships" xmlns:p="http://schemas.openxmlformats.org/presentationml/2006/main">
+  <p:cSld>
+    <p:spTree>
+      <p:nvGrpSpPr>
+        <p:cNvPr id="1" name=""/>
+        <p:cNvGrpSpPr/>
+        <p:nvPr/>
+      </p:nvGrpSpPr>
+      <p:grpSpPr>
+        <a:xfrm>
+          <a:off x="0" y="0"/>
+          <a:ext cx="0" cy="0"/>
+          <a:chOff x="0" y="0"/>
+          <a:chExt cx="0" cy="0"/>
+        </a:xfrm>
+      </p:grpSpPr>
+      <p:sp>
+        <p:nvSpPr>
+          <p:cNvPr id="85" name="TextShape 1"/>
+          <p:cNvSpPr txBox="1"/>
+          <p:nvPr/>
+        </p:nvSpPr>
+        <p:spPr>
+          <a:xfrm>
+            <a:off x="347760" y="-185040"/>
+            <a:ext cx="10515240" cy="1325160"/>
+          </a:xfrm>
+          <a:prstGeom prst="rect">
+            <a:avLst/>
+          </a:prstGeom>
+          <a:noFill/>
+          <a:ln>
+            <a:noFill/>
+          </a:ln>
+        </p:spPr>
+        <p:txBody>
+          <a:bodyPr anchor="ctr"/>
+          <a:lstStyle/>
+          <a:p>
+            <a:pPr>
+              <a:lnSpc>
+                <a:spcPct val="90000"/>
+              </a:lnSpc>
+            </a:pPr>
+            <a:r>
+              <a:rPr lang="zh-CN" sz="4400" b="0" strike="noStrike" spc="-1">
+                <a:solidFill>
+                  <a:srgbClr val="000000"/>
+                </a:solidFill>
+                <a:uFill>
+                  <a:solidFill>
+                    <a:srgbClr val="FFFFFF"/>
+                  </a:solidFill>
+                </a:uFill>
+                <a:latin typeface="微软雅黑 Light"/>
+                <a:ea typeface="微软雅黑 Light"/>
+              </a:rPr>
+              <a:t>Discussions: To accelerate</a:t>
+            </a:r>
+            <a:endParaRPr lang="zh-CN" sz="1800" b="0" strike="noStrike" spc="-1">
+              <a:solidFill>
+                <a:srgbClr val="000000"/>
+              </a:solidFill>
+              <a:uFill>
+                <a:solidFill>
+                  <a:srgbClr val="FFFFFF"/>
+                </a:solidFill>
+              </a:uFill>
+              <a:latin typeface="Calibri"/>
+            </a:endParaRPr>
+          </a:p>
+        </p:txBody>
+      </p:sp>
+      <p:sp>
+        <p:nvSpPr>
+          <p:cNvPr id="86" name="CustomShape 2"/>
+          <p:cNvSpPr/>
+          <p:nvPr/>
+        </p:nvSpPr>
+        <p:spPr>
+          <a:xfrm>
+            <a:off x="-33480" y="1140480"/>
+            <a:ext cx="12455640" cy="1796040"/>
+          </a:xfrm>
+          <a:prstGeom prst="rect">
+            <a:avLst/>
+          </a:prstGeom>
+          <a:noFill/>
+          <a:ln>
+            <a:noFill/>
+          </a:ln>
+        </p:spPr>
+        <p:style>
+          <a:lnRef idx="0">
+            <a:scrgbClr r="0" g="0" b="0"/>
+          </a:lnRef>
+          <a:fillRef idx="0">
+            <a:scrgbClr r="0" g="0" b="0"/>
+          </a:fillRef>
+          <a:effectRef idx="0">
+            <a:scrgbClr r="0" g="0" b="0"/>
+          </a:effectRef>
+          <a:fontRef idx="minor"/>
+        </p:style>
+        <p:txBody>
+          <a:bodyPr lIns="90000" tIns="45000" rIns="90000" bIns="45000"/>
+          <a:lstStyle/>
+          <a:p>
+            <a:pPr marL="285840" indent="-285480">
+              <a:lnSpc>
+                <a:spcPct val="100000"/>
+              </a:lnSpc>
+              <a:buClr>
+                <a:srgbClr val="000000"/>
+              </a:buClr>
+              <a:buFont typeface="Arial"/>
+              <a:buChar char="•"/>
+            </a:pPr>
+            <a:r>
+              <a:rPr lang="en-US" sz="2800" b="0" strike="noStrike" spc="-1" dirty="0">
+                <a:solidFill>
+                  <a:srgbClr val="000000"/>
+                </a:solidFill>
+                <a:uFill>
+                  <a:solidFill>
+                    <a:srgbClr val="FFFFFF"/>
+                  </a:solidFill>
+                </a:uFill>
+                <a:latin typeface="Calibri"/>
+              </a:rPr>
+              <a:t>Reduce number of same actions in one big step</a:t>
+            </a:r>
+            <a:endParaRPr lang="en-US" sz="1800" b="0" strike="noStrike" spc="-1" dirty="0">
+              <a:solidFill>
+                <a:srgbClr val="000000"/>
+              </a:solidFill>
+              <a:uFill>
+                <a:solidFill>
+                  <a:srgbClr val="FFFFFF"/>
+                </a:solidFill>
+              </a:uFill>
+              <a:latin typeface="Arial"/>
+            </a:endParaRPr>
+          </a:p>
+          <a:p>
+            <a:pPr marL="285840" indent="-285480">
+              <a:lnSpc>
+                <a:spcPct val="100000"/>
+              </a:lnSpc>
+              <a:buClr>
+                <a:srgbClr val="000000"/>
+              </a:buClr>
+              <a:buFont typeface="Arial"/>
+              <a:buChar char="•"/>
+            </a:pPr>
+            <a:r>
+              <a:rPr lang="en-US" sz="2800" b="0" strike="noStrike" spc="-1" dirty="0">
+                <a:solidFill>
+                  <a:srgbClr val="000000"/>
+                </a:solidFill>
+                <a:uFill>
+                  <a:solidFill>
+                    <a:srgbClr val="FFFFFF"/>
+                  </a:solidFill>
+                </a:uFill>
+                <a:latin typeface="Calibri"/>
+              </a:rPr>
+              <a:t>Delete </a:t>
+            </a:r>
+            <a:r>
+              <a:rPr lang="en-US" sz="2800" b="0" strike="noStrike" spc="-1" dirty="0" err="1">
+                <a:solidFill>
+                  <a:srgbClr val="000000"/>
+                </a:solidFill>
+                <a:uFill>
+                  <a:solidFill>
+                    <a:srgbClr val="FFFFFF"/>
+                  </a:solidFill>
+                </a:uFill>
+                <a:latin typeface="Calibri"/>
+              </a:rPr>
+              <a:t>dist_sofar</a:t>
+            </a:r>
+            <a:endParaRPr lang="en-US" sz="1800" b="0" strike="noStrike" spc="-1" dirty="0">
+              <a:solidFill>
+                <a:srgbClr val="000000"/>
+              </a:solidFill>
+              <a:uFill>
+                <a:solidFill>
+                  <a:srgbClr val="FFFFFF"/>
+                </a:solidFill>
+              </a:uFill>
+              <a:latin typeface="Arial"/>
+            </a:endParaRPr>
+          </a:p>
+          <a:p>
+            <a:pPr marL="285840" indent="-285480">
+              <a:lnSpc>
+                <a:spcPct val="100000"/>
+              </a:lnSpc>
+              <a:buClr>
+                <a:srgbClr val="000000"/>
+              </a:buClr>
+              <a:buFont typeface="Arial"/>
+              <a:buChar char="•"/>
+            </a:pPr>
+            <a:r>
+              <a:rPr lang="en-US" sz="2800" b="0" strike="noStrike" spc="-1" dirty="0">
+                <a:solidFill>
+                  <a:srgbClr val="000000"/>
+                </a:solidFill>
+                <a:uFill>
+                  <a:solidFill>
+                    <a:srgbClr val="FFFFFF"/>
+                  </a:solidFill>
+                </a:uFill>
+                <a:latin typeface="Calibri"/>
+              </a:rPr>
+              <a:t>Delete/Adjust weight of “towards opposite direction” penalty</a:t>
+            </a:r>
+            <a:endParaRPr lang="en-US" sz="1800" b="0" strike="noStrike" spc="-1" dirty="0">
+              <a:solidFill>
+                <a:srgbClr val="000000"/>
+              </a:solidFill>
+              <a:uFill>
+                <a:solidFill>
+                  <a:srgbClr val="FFFFFF"/>
+                </a:solidFill>
+              </a:uFill>
+              <a:latin typeface="Arial"/>
+            </a:endParaRPr>
+          </a:p>
+          <a:p>
+            <a:pPr marL="285840" indent="-285480">
+              <a:lnSpc>
+                <a:spcPct val="100000"/>
+              </a:lnSpc>
+              <a:buClr>
+                <a:srgbClr val="000000"/>
+              </a:buClr>
+              <a:buFont typeface="Arial"/>
+              <a:buChar char="•"/>
+            </a:pPr>
+            <a:r>
+              <a:rPr lang="en-US" sz="2800" b="0" strike="noStrike" spc="-1" dirty="0">
+                <a:solidFill>
+                  <a:srgbClr val="000000"/>
+                </a:solidFill>
+                <a:uFill>
+                  <a:solidFill>
+                    <a:srgbClr val="FFFFFF"/>
+                  </a:solidFill>
+                </a:uFill>
+                <a:latin typeface="Calibri"/>
+              </a:rPr>
+              <a:t>Adjust weight of “small action” penalty</a:t>
+            </a:r>
+          </a:p>
+          <a:p>
+            <a:pPr marL="285840" indent="-285480">
+              <a:lnSpc>
+                <a:spcPct val="100000"/>
+              </a:lnSpc>
+              <a:buClr>
+                <a:srgbClr val="000000"/>
+              </a:buClr>
+              <a:buFont typeface="Arial"/>
+              <a:buChar char="•"/>
+            </a:pPr>
+            <a:endParaRPr lang="en-US" sz="2800" spc="-1" dirty="0">
+              <a:solidFill>
+                <a:srgbClr val="000000"/>
+              </a:solidFill>
+              <a:uFill>
+                <a:solidFill>
+                  <a:srgbClr val="FFFFFF"/>
+                </a:solidFill>
+              </a:uFill>
+              <a:latin typeface="Calibri"/>
+            </a:endParaRPr>
+          </a:p>
+          <a:p>
+            <a:pPr marL="285840" indent="-285480">
+              <a:lnSpc>
+                <a:spcPct val="100000"/>
+              </a:lnSpc>
+              <a:buClr>
+                <a:srgbClr val="000000"/>
+              </a:buClr>
+              <a:buFont typeface="Arial"/>
+              <a:buChar char="•"/>
+            </a:pPr>
+            <a:endParaRPr lang="en-US" sz="2800" b="0" strike="noStrike" spc="-1" dirty="0">
+              <a:solidFill>
+                <a:srgbClr val="000000"/>
+              </a:solidFill>
+              <a:uFill>
+                <a:solidFill>
+                  <a:srgbClr val="FFFFFF"/>
+                </a:solidFill>
+              </a:uFill>
+              <a:latin typeface="Calibri"/>
+            </a:endParaRPr>
+          </a:p>
+          <a:p>
+            <a:pPr marL="285840" indent="-285480">
+              <a:lnSpc>
+                <a:spcPct val="100000"/>
+              </a:lnSpc>
+              <a:buClr>
+                <a:srgbClr val="000000"/>
+              </a:buClr>
+              <a:buFont typeface="Arial"/>
+              <a:buChar char="•"/>
+            </a:pPr>
+            <a:r>
+              <a:rPr lang="en-US" sz="2800" spc="-1" dirty="0">
+                <a:solidFill>
+                  <a:srgbClr val="000000"/>
+                </a:solidFill>
+                <a:uFill>
+                  <a:solidFill>
+                    <a:srgbClr val="FFFFFF"/>
+                  </a:solidFill>
+                </a:uFill>
+                <a:latin typeface="Calibri"/>
+              </a:rPr>
+              <a:t>Try Simpler Version First</a:t>
+            </a:r>
+            <a:endParaRPr lang="en-US" sz="1800" b="0" strike="noStrike" spc="-1" dirty="0">
+              <a:solidFill>
+                <a:srgbClr val="000000"/>
+              </a:solidFill>
+              <a:uFill>
+                <a:solidFill>
+                  <a:srgbClr val="FFFFFF"/>
+                </a:solidFill>
+              </a:uFill>
+              <a:latin typeface="Arial"/>
+            </a:endParaRPr>
+          </a:p>
+        </p:txBody>
+      </p:sp>
+      <p:pic>
+        <p:nvPicPr>
+          <p:cNvPr id="3" name="Picture 2" descr="A close up of a logo&#10;&#10;Description automatically generated">
+            <a:extLst>
+              <a:ext uri="{FF2B5EF4-FFF2-40B4-BE49-F238E27FC236}">
+                <a16:creationId xmlns:a16="http://schemas.microsoft.com/office/drawing/2014/main" id="{9C6FA5A1-F38E-2C4D-91D1-380DFDC73D13}"/>
+              </a:ext>
+            </a:extLst>
+          </p:cNvPr>
+          <p:cNvPicPr>
+            <a:picLocks noChangeAspect="1"/>
+          </p:cNvPicPr>
+          <p:nvPr/>
+        </p:nvPicPr>
+        <p:blipFill>
+          <a:blip r:embed="rId2">
+            <a:extLst>
+              <a:ext uri="{28A0092B-C50C-407E-A947-70E740481C1C}">
+                <a14:useLocalDpi xmlns:a14="http://schemas.microsoft.com/office/drawing/2010/main" val="0"/>
+              </a:ext>
+            </a:extLst>
+          </a:blip>
+          <a:stretch>
+            <a:fillRect/>
+          </a:stretch>
+        </p:blipFill>
+        <p:spPr>
+          <a:xfrm>
+            <a:off x="1225550" y="4252257"/>
+            <a:ext cx="5156200" cy="2387600"/>
+          </a:xfrm>
+          <a:prstGeom prst="rect">
+            <a:avLst/>
+          </a:prstGeom>
+        </p:spPr>
+      </p:pic>
+      <p:pic>
+        <p:nvPicPr>
+          <p:cNvPr id="5" name="Picture 4" descr="A close up of a map&#10;&#10;Description automatically generated">
+            <a:extLst>
+              <a:ext uri="{FF2B5EF4-FFF2-40B4-BE49-F238E27FC236}">
+                <a16:creationId xmlns:a16="http://schemas.microsoft.com/office/drawing/2014/main" id="{8B6AB85F-C6AD-F94F-AA3D-A7261343D347}"/>
+              </a:ext>
+            </a:extLst>
+          </p:cNvPr>
+          <p:cNvPicPr>
+            <a:picLocks noChangeAspect="1"/>
+          </p:cNvPicPr>
+          <p:nvPr/>
+        </p:nvPicPr>
+        <p:blipFill>
+          <a:blip r:embed="rId3">
+            <a:extLst>
+              <a:ext uri="{28A0092B-C50C-407E-A947-70E740481C1C}">
+                <a14:useLocalDpi xmlns:a14="http://schemas.microsoft.com/office/drawing/2010/main" val="0"/>
+              </a:ext>
+            </a:extLst>
+          </a:blip>
+          <a:stretch>
+            <a:fillRect/>
+          </a:stretch>
+        </p:blipFill>
+        <p:spPr>
+          <a:xfrm>
+            <a:off x="8101012" y="4551154"/>
+            <a:ext cx="4090988" cy="1789807"/>
+          </a:xfrm>
+          <a:prstGeom prst="rect">
+            <a:avLst/>
+          </a:prstGeom>
+        </p:spPr>
+      </p:pic>
+      <p:cxnSp>
+        <p:nvCxnSpPr>
+          <p:cNvPr id="7" name="Straight Arrow Connector 6">
+            <a:extLst>
+              <a:ext uri="{FF2B5EF4-FFF2-40B4-BE49-F238E27FC236}">
+                <a16:creationId xmlns:a16="http://schemas.microsoft.com/office/drawing/2014/main" id="{D9CD0277-1618-3848-9F0C-E292F0CAB883}"/>
+              </a:ext>
+            </a:extLst>
+          </p:cNvPr>
+          <p:cNvCxnSpPr/>
+          <p:nvPr/>
+        </p:nvCxnSpPr>
+        <p:spPr>
+          <a:xfrm>
+            <a:off x="6700838" y="5446057"/>
+            <a:ext cx="1228724" cy="0"/>
+          </a:xfrm>
+          <a:prstGeom prst="straightConnector1">
+            <a:avLst/>
+          </a:prstGeom>
+          <a:ln w="38100">
+            <a:tailEnd type="triangle"/>
+          </a:ln>
+        </p:spPr>
+        <p:style>
+          <a:lnRef idx="1">
+            <a:schemeClr val="accent1"/>
+          </a:lnRef>
+          <a:fillRef idx="0">
+            <a:schemeClr val="accent1"/>
+          </a:fillRef>
+          <a:effectRef idx="0">
+            <a:schemeClr val="accent1"/>
+          </a:effectRef>
+          <a:fontRef idx="minor">
+            <a:schemeClr val="tx1"/>
+          </a:fontRef>
+        </p:style>
+      </p:cxnSp>
+    </p:spTree>
+  </p:cSld>
+  <p:clrMapOvr>
+    <a:masterClrMapping/>
+  </p:clrMapOvr>
+  <p:timing>
+    <p:tnLst>
+      <p:par>
+        <p:cTn id="1" dur="indefinite" restart="never" nodeType="tmRoot">
+          <p:childTnLst>
+            <p:seq>
+              <p:cTn id="2" nodeType="mainSeq"/>
+              <p:prevCondLst>
+                <p:cond evt="onPrev" delay="0">
+                  <p:tgtEl>
+                    <p:sldTgt/>
+                  </p:tgtEl>
+                </p:cond>
+              </p:prevCondLst>
+              <p:nextCondLst>
+                <p:cond evt="onNext" delay="0">
                   <p:tgtEl>
                     <p:sldTgt/>
                   </p:tgtEl>
@@ -4328,13 +5433,14 @@
 </file>
 
 <file path=ppt/slides/slide2.xml><?xml version="1.0" encoding="utf-8"?>
-<p:sld xmlns:a="http://schemas.openxmlformats.org/drawingml/2006/main" xmlns:p="http://schemas.openxmlformats.org/presentationml/2006/main" xmlns:r="http://schemas.openxmlformats.org/officeDocument/2006/relationships" xmlns:p14="http://schemas.microsoft.com/office/powerpoint/2010/main" xmlns:p15="http://schemas.microsoft.com/office/powerpoint/2012/main" xmlns:mc="http://schemas.openxmlformats.org/markup-compatibility/2006">
+<p:sld xmlns:a="http://schemas.openxmlformats.org/drawingml/2006/main" xmlns:r="http://schemas.openxmlformats.org/officeDocument/2006/relationships" xmlns:p="http://schemas.openxmlformats.org/presentationml/2006/main">
   <p:cSld>
     <p:bg>
       <p:bgPr>
         <a:solidFill>
-          <a:srgbClr val="ffffff"/>
+          <a:srgbClr val="FFFFFF"/>
         </a:solidFill>
+        <a:effectLst/>
       </p:bgPr>
     </p:bg>
     <p:spTree>
@@ -4371,82 +5477,85 @@
           </a:ln>
         </p:spPr>
         <p:style>
-          <a:lnRef idx="0"/>
-          <a:fillRef idx="0"/>
-          <a:effectRef idx="0"/>
+          <a:lnRef idx="0">
+            <a:scrgbClr r="0" g="0" b="0"/>
+          </a:lnRef>
+          <a:fillRef idx="0">
+            <a:scrgbClr r="0" g="0" b="0"/>
+          </a:fillRef>
+          <a:effectRef idx="0">
+            <a:scrgbClr r="0" g="0" b="0"/>
+          </a:effectRef>
           <a:fontRef idx="minor"/>
         </p:style>
         <p:txBody>
-          <a:bodyPr lIns="90000" rIns="90000" tIns="45000" bIns="45000"/>
-          <a:p>
-            <a:pPr marL="285840" indent="-285480">
+          <a:bodyPr lIns="90000" tIns="45000" rIns="90000" bIns="45000"/>
+          <a:lstStyle/>
+          <a:p>
+            <a:pPr marL="360">
               <a:lnSpc>
                 <a:spcPct val="100000"/>
               </a:lnSpc>
               <a:buClr>
                 <a:srgbClr val="000000"/>
               </a:buClr>
-              <a:buFont typeface="Arial"/>
-              <a:buChar char="•"/>
             </a:pPr>
             <a:r>
-              <a:rPr b="1" lang="en-US" sz="2800" spc="-1" strike="noStrike">
+              <a:rPr lang="en-US" sz="2800" b="1" strike="noStrike" spc="-1" dirty="0">
                 <a:solidFill>
                   <a:srgbClr val="000000"/>
                 </a:solidFill>
                 <a:uFill>
                   <a:solidFill>
-                    <a:srgbClr val="ffffff"/>
+                    <a:srgbClr val="FFFFFF"/>
                   </a:solidFill>
                 </a:uFill>
                 <a:latin typeface="Calibri"/>
               </a:rPr>
               <a:t>Cases in Paper:</a:t>
             </a:r>
-            <a:endParaRPr b="0" lang="en-US" sz="1800" spc="-1" strike="noStrike">
-              <a:solidFill>
-                <a:srgbClr val="000000"/>
-              </a:solidFill>
-              <a:uFill>
-                <a:solidFill>
-                  <a:srgbClr val="ffffff"/>
+            <a:endParaRPr lang="en-US" sz="1800" b="0" strike="noStrike" spc="-1" dirty="0">
+              <a:solidFill>
+                <a:srgbClr val="000000"/>
+              </a:solidFill>
+              <a:uFill>
+                <a:solidFill>
+                  <a:srgbClr val="FFFFFF"/>
                 </a:solidFill>
               </a:uFill>
               <a:latin typeface="Arial"/>
             </a:endParaRPr>
           </a:p>
           <a:p>
-            <a:pPr marL="285840" indent="-285480">
+            <a:pPr marL="360">
               <a:lnSpc>
                 <a:spcPct val="100000"/>
               </a:lnSpc>
               <a:buClr>
                 <a:srgbClr val="000000"/>
               </a:buClr>
-              <a:buFont typeface="Arial"/>
-              <a:buChar char="•"/>
             </a:pPr>
             <a:r>
-              <a:rPr b="0" lang="en-US" sz="2800" spc="-1" strike="noStrike">
+              <a:rPr lang="en-US" sz="2800" b="0" strike="noStrike" spc="-1" dirty="0">
                 <a:solidFill>
                   <a:srgbClr val="000000"/>
                 </a:solidFill>
                 <a:uFill>
                   <a:solidFill>
-                    <a:srgbClr val="ffffff"/>
+                    <a:srgbClr val="FFFFFF"/>
                   </a:solidFill>
                 </a:uFill>
                 <a:latin typeface="Calibri"/>
               </a:rPr>
               <a:t> </a:t>
             </a:r>
-            <a:endParaRPr b="0" lang="en-US" sz="1800" spc="-1" strike="noStrike">
-              <a:solidFill>
-                <a:srgbClr val="000000"/>
-              </a:solidFill>
-              <a:uFill>
-                <a:solidFill>
-                  <a:srgbClr val="ffffff"/>
+            <a:endParaRPr lang="en-US" sz="1800" b="0" strike="noStrike" spc="-1" dirty="0">
+              <a:solidFill>
+                <a:srgbClr val="000000"/>
+              </a:solidFill>
+              <a:uFill>
+                <a:solidFill>
+                  <a:srgbClr val="FFFFFF"/>
                 </a:solidFill>
               </a:uFill>
               <a:latin typeface="Arial"/>
@@ -4464,26 +5573,26 @@
               <a:buChar char="•"/>
             </a:pPr>
             <a:r>
-              <a:rPr b="0" lang="en-US" sz="2800" spc="-1" strike="noStrike">
+              <a:rPr lang="en-US" sz="2800" b="0" strike="noStrike" spc="-1" dirty="0">
                 <a:solidFill>
                   <a:srgbClr val="000000"/>
                 </a:solidFill>
                 <a:uFill>
                   <a:solidFill>
-                    <a:srgbClr val="ffffff"/>
+                    <a:srgbClr val="FFFFFF"/>
                   </a:solidFill>
                 </a:uFill>
                 <a:latin typeface="Calibri"/>
               </a:rPr>
               <a:t>Simple Cases</a:t>
             </a:r>
-            <a:endParaRPr b="0" lang="en-US" sz="1800" spc="-1" strike="noStrike">
-              <a:solidFill>
-                <a:srgbClr val="000000"/>
-              </a:solidFill>
-              <a:uFill>
-                <a:solidFill>
-                  <a:srgbClr val="ffffff"/>
+            <a:endParaRPr lang="en-US" sz="1800" b="0" strike="noStrike" spc="-1" dirty="0">
+              <a:solidFill>
+                <a:srgbClr val="000000"/>
+              </a:solidFill>
+              <a:uFill>
+                <a:solidFill>
+                  <a:srgbClr val="FFFFFF"/>
                 </a:solidFill>
               </a:uFill>
               <a:latin typeface="Arial"/>
@@ -4495,13 +5604,13 @@
                 <a:spcPct val="100000"/>
               </a:lnSpc>
             </a:pPr>
-            <a:endParaRPr b="0" lang="en-US" sz="1800" spc="-1" strike="noStrike">
-              <a:solidFill>
-                <a:srgbClr val="000000"/>
-              </a:solidFill>
-              <a:uFill>
-                <a:solidFill>
-                  <a:srgbClr val="ffffff"/>
+            <a:endParaRPr lang="en-US" sz="1800" b="0" strike="noStrike" spc="-1" dirty="0">
+              <a:solidFill>
+                <a:srgbClr val="000000"/>
+              </a:solidFill>
+              <a:uFill>
+                <a:solidFill>
+                  <a:srgbClr val="FFFFFF"/>
                 </a:solidFill>
               </a:uFill>
               <a:latin typeface="Arial"/>
@@ -4519,26 +5628,40 @@
               <a:buChar char="•"/>
             </a:pPr>
             <a:r>
-              <a:rPr b="0" lang="en-US" sz="2800" spc="-1" strike="noStrike">
+              <a:rPr lang="en-US" sz="2800" b="0" strike="noStrike" spc="-1" dirty="0" err="1">
                 <a:solidFill>
                   <a:srgbClr val="000000"/>
                 </a:solidFill>
                 <a:uFill>
                   <a:solidFill>
-                    <a:srgbClr val="ffffff"/>
+                    <a:srgbClr val="FFFFFF"/>
                   </a:solidFill>
                 </a:uFill>
                 <a:latin typeface="Calibri"/>
               </a:rPr>
-              <a:t>Horsehoe case</a:t>
+              <a:t>Horsehoe</a:t>
             </a:r>
-            <a:endParaRPr b="0" lang="en-US" sz="1800" spc="-1" strike="noStrike">
-              <a:solidFill>
-                <a:srgbClr val="000000"/>
-              </a:solidFill>
-              <a:uFill>
-                <a:solidFill>
-                  <a:srgbClr val="ffffff"/>
+            <a:r>
+              <a:rPr lang="en-US" sz="2800" b="0" strike="noStrike" spc="-1" dirty="0">
+                <a:solidFill>
+                  <a:srgbClr val="000000"/>
+                </a:solidFill>
+                <a:uFill>
+                  <a:solidFill>
+                    <a:srgbClr val="FFFFFF"/>
+                  </a:solidFill>
+                </a:uFill>
+                <a:latin typeface="Calibri"/>
+              </a:rPr>
+              <a:t> case</a:t>
+            </a:r>
+            <a:endParaRPr lang="en-US" sz="1800" b="0" strike="noStrike" spc="-1" dirty="0">
+              <a:solidFill>
+                <a:srgbClr val="000000"/>
+              </a:solidFill>
+              <a:uFill>
+                <a:solidFill>
+                  <a:srgbClr val="FFFFFF"/>
                 </a:solidFill>
               </a:uFill>
               <a:latin typeface="Arial"/>
@@ -4548,22 +5671,25 @@
       </p:sp>
     </p:spTree>
   </p:cSld>
+  <p:clrMapOvr>
+    <a:masterClrMapping/>
+  </p:clrMapOvr>
   <p:timing>
     <p:tnLst>
       <p:par>
-        <p:cTn id="3" dur="indefinite" restart="never" nodeType="tmRoot">
+        <p:cTn id="1" dur="indefinite" restart="never" nodeType="tmRoot">
           <p:childTnLst>
             <p:seq>
-              <p:cTn id="4" nodeType="mainSeq"/>
+              <p:cTn id="2" nodeType="mainSeq"/>
               <p:prevCondLst>
-                <p:cond delay="0" evt="onPrev">
+                <p:cond evt="onPrev" delay="0">
                   <p:tgtEl>
                     <p:sldTgt/>
                   </p:tgtEl>
                 </p:cond>
               </p:prevCondLst>
               <p:nextCondLst>
-                <p:cond delay="0" evt="onNext">
+                <p:cond evt="onNext" delay="0">
                   <p:tgtEl>
                     <p:sldTgt/>
                   </p:tgtEl>
@@ -4579,7 +5705,7 @@
 </file>
 
 <file path=ppt/slides/slide3.xml><?xml version="1.0" encoding="utf-8"?>
-<p:sld xmlns:a="http://schemas.openxmlformats.org/drawingml/2006/main" xmlns:p="http://schemas.openxmlformats.org/presentationml/2006/main" xmlns:r="http://schemas.openxmlformats.org/officeDocument/2006/relationships" xmlns:p14="http://schemas.microsoft.com/office/powerpoint/2010/main" xmlns:p15="http://schemas.microsoft.com/office/powerpoint/2012/main" xmlns:mc="http://schemas.openxmlformats.org/markup-compatibility/2006">
+<p:sld xmlns:a="http://schemas.openxmlformats.org/drawingml/2006/main" xmlns:r="http://schemas.openxmlformats.org/officeDocument/2006/relationships" xmlns:p="http://schemas.openxmlformats.org/presentationml/2006/main">
   <p:cSld>
     <p:spTree>
       <p:nvGrpSpPr>
@@ -4616,6 +5742,7 @@
         </p:spPr>
         <p:txBody>
           <a:bodyPr anchor="ctr"/>
+          <a:lstStyle/>
           <a:p>
             <a:pPr>
               <a:lnSpc>
@@ -4623,13 +5750,13 @@
               </a:lnSpc>
             </a:pPr>
             <a:r>
-              <a:rPr b="0" lang="zh-CN" sz="4400" spc="-1" strike="noStrike">
+              <a:rPr lang="zh-CN" sz="4400" b="0" strike="noStrike" spc="-1">
                 <a:solidFill>
                   <a:srgbClr val="000000"/>
                 </a:solidFill>
                 <a:uFill>
                   <a:solidFill>
-                    <a:srgbClr val="ffffff"/>
+                    <a:srgbClr val="FFFFFF"/>
                   </a:solidFill>
                 </a:uFill>
                 <a:latin typeface="微软雅黑 Light"/>
@@ -4637,13 +5764,13 @@
               </a:rPr>
               <a:t>Simple Case 1</a:t>
             </a:r>
-            <a:endParaRPr b="0" lang="zh-CN" sz="1800" spc="-1" strike="noStrike">
-              <a:solidFill>
-                <a:srgbClr val="000000"/>
-              </a:solidFill>
-              <a:uFill>
-                <a:solidFill>
-                  <a:srgbClr val="ffffff"/>
+            <a:endParaRPr lang="zh-CN" sz="1800" b="0" strike="noStrike" spc="-1">
+              <a:solidFill>
+                <a:srgbClr val="000000"/>
+              </a:solidFill>
+              <a:uFill>
+                <a:solidFill>
+                  <a:srgbClr val="FFFFFF"/>
                 </a:solidFill>
               </a:uFill>
               <a:latin typeface="Calibri"/>
@@ -4659,8 +5786,8 @@
         </p:nvSpPr>
         <p:spPr>
           <a:xfrm>
-            <a:off x="914400" y="732600"/>
-            <a:ext cx="10972800" cy="364680"/>
+            <a:off x="914400" y="732599"/>
+            <a:ext cx="3505200" cy="1524825"/>
           </a:xfrm>
           <a:prstGeom prst="rect">
             <a:avLst/>
@@ -4671,13 +5798,20 @@
           </a:ln>
         </p:spPr>
         <p:style>
-          <a:lnRef idx="0"/>
-          <a:fillRef idx="0"/>
-          <a:effectRef idx="0"/>
+          <a:lnRef idx="0">
+            <a:scrgbClr r="0" g="0" b="0"/>
+          </a:lnRef>
+          <a:fillRef idx="0">
+            <a:scrgbClr r="0" g="0" b="0"/>
+          </a:fillRef>
+          <a:effectRef idx="0">
+            <a:scrgbClr r="0" g="0" b="0"/>
+          </a:effectRef>
           <a:fontRef idx="minor"/>
         </p:style>
         <p:txBody>
-          <a:bodyPr lIns="90000" rIns="90000" tIns="45000" bIns="45000"/>
+          <a:bodyPr lIns="90000" tIns="45000" rIns="90000" bIns="45000"/>
+          <a:lstStyle/>
           <a:p>
             <a:pPr>
               <a:lnSpc>
@@ -4685,26 +5819,118 @@
               </a:lnSpc>
             </a:pPr>
             <a:r>
-              <a:rPr b="1" lang="en-US" sz="1800" spc="-1" strike="noStrike">
+              <a:rPr lang="en-US" sz="1800" b="1" strike="noStrike" spc="-1" dirty="0" err="1">
                 <a:solidFill>
                   <a:srgbClr val="000000"/>
                 </a:solidFill>
                 <a:uFill>
                   <a:solidFill>
-                    <a:srgbClr val="ffffff"/>
+                    <a:srgbClr val="FFFFFF"/>
                   </a:solidFill>
                 </a:uFill>
                 <a:latin typeface="Calibri"/>
               </a:rPr>
-              <a:t>dist_sofar+dist_togoal+100*check_small_action+1000*check_opposite_direction</a:t>
+              <a:t>dist_sofar+dist_togoal</a:t>
             </a:r>
-            <a:endParaRPr b="0" lang="en-US" sz="1800" spc="-1" strike="noStrike">
-              <a:solidFill>
-                <a:srgbClr val="000000"/>
-              </a:solidFill>
-              <a:uFill>
-                <a:solidFill>
-                  <a:srgbClr val="ffffff"/>
+            <a:endParaRPr lang="en-US" sz="1800" b="1" strike="noStrike" spc="-1" dirty="0">
+              <a:solidFill>
+                <a:srgbClr val="000000"/>
+              </a:solidFill>
+              <a:uFill>
+                <a:solidFill>
+                  <a:srgbClr val="FFFFFF"/>
+                </a:solidFill>
+              </a:uFill>
+              <a:latin typeface="Calibri"/>
+            </a:endParaRPr>
+          </a:p>
+          <a:p>
+            <a:pPr>
+              <a:lnSpc>
+                <a:spcPct val="100000"/>
+              </a:lnSpc>
+            </a:pPr>
+            <a:r>
+              <a:rPr lang="en-US" sz="1800" b="1" strike="noStrike" spc="-1" dirty="0">
+                <a:solidFill>
+                  <a:srgbClr val="000000"/>
+                </a:solidFill>
+                <a:uFill>
+                  <a:solidFill>
+                    <a:srgbClr val="FFFFFF"/>
+                  </a:solidFill>
+                </a:uFill>
+                <a:latin typeface="Calibri"/>
+              </a:rPr>
+              <a:t>+100*</a:t>
+            </a:r>
+            <a:r>
+              <a:rPr lang="en-US" sz="1800" b="1" strike="noStrike" spc="-1" dirty="0" err="1">
+                <a:solidFill>
+                  <a:srgbClr val="000000"/>
+                </a:solidFill>
+                <a:uFill>
+                  <a:solidFill>
+                    <a:srgbClr val="FFFFFF"/>
+                  </a:solidFill>
+                </a:uFill>
+                <a:latin typeface="Calibri"/>
+              </a:rPr>
+              <a:t>check_small_action</a:t>
+            </a:r>
+            <a:endParaRPr lang="en-US" sz="1800" b="1" strike="noStrike" spc="-1" dirty="0">
+              <a:solidFill>
+                <a:srgbClr val="000000"/>
+              </a:solidFill>
+              <a:uFill>
+                <a:solidFill>
+                  <a:srgbClr val="FFFFFF"/>
+                </a:solidFill>
+              </a:uFill>
+              <a:latin typeface="Calibri"/>
+            </a:endParaRPr>
+          </a:p>
+          <a:p>
+            <a:pPr>
+              <a:lnSpc>
+                <a:spcPct val="100000"/>
+              </a:lnSpc>
+            </a:pPr>
+            <a:r>
+              <a:rPr lang="en-US" sz="1800" b="1" strike="noStrike" spc="-1" dirty="0">
+                <a:solidFill>
+                  <a:srgbClr val="000000"/>
+                </a:solidFill>
+                <a:uFill>
+                  <a:solidFill>
+                    <a:srgbClr val="FFFFFF"/>
+                  </a:solidFill>
+                </a:uFill>
+                <a:latin typeface="Calibri"/>
+              </a:rPr>
+              <a:t>+1000*</a:t>
+            </a:r>
+            <a:r>
+              <a:rPr lang="en-US" sz="1800" b="1" strike="noStrike" spc="-1" dirty="0" err="1">
+                <a:solidFill>
+                  <a:srgbClr val="000000"/>
+                </a:solidFill>
+                <a:uFill>
+                  <a:solidFill>
+                    <a:srgbClr val="FFFFFF"/>
+                  </a:solidFill>
+                </a:uFill>
+                <a:latin typeface="Calibri"/>
+              </a:rPr>
+              <a:t>check_opposite_direction</a:t>
+            </a:r>
+            <a:endParaRPr lang="en-US" sz="1800" b="0" strike="noStrike" spc="-1" dirty="0">
+              <a:solidFill>
+                <a:srgbClr val="000000"/>
+              </a:solidFill>
+              <a:uFill>
+                <a:solidFill>
+                  <a:srgbClr val="FFFFFF"/>
                 </a:solidFill>
               </a:uFill>
               <a:latin typeface="Arial"/>
@@ -4712,24 +5938,63 @@
           </a:p>
         </p:txBody>
       </p:sp>
+      <p:pic>
+        <p:nvPicPr>
+          <p:cNvPr id="4" name="Picture 3" descr="A picture containing umbrella&#10;&#10;Description automatically generated">
+            <a:extLst>
+              <a:ext uri="{FF2B5EF4-FFF2-40B4-BE49-F238E27FC236}">
+                <a16:creationId xmlns:a16="http://schemas.microsoft.com/office/drawing/2014/main" id="{D91772AC-7C29-0443-BD56-01162BA2BC34}"/>
+              </a:ext>
+            </a:extLst>
+          </p:cNvPr>
+          <p:cNvPicPr>
+            <a:picLocks noChangeAspect="1"/>
+          </p:cNvPicPr>
+          <p:nvPr/>
+        </p:nvPicPr>
+        <p:blipFill>
+          <a:blip r:embed="rId2">
+            <a:extLst>
+              <a:ext uri="{28A0092B-C50C-407E-A947-70E740481C1C}">
+                <a14:useLocalDpi xmlns:a14="http://schemas.microsoft.com/office/drawing/2010/main" val="0"/>
+              </a:ext>
+            </a:extLst>
+          </a:blip>
+          <a:stretch>
+            <a:fillRect/>
+          </a:stretch>
+        </p:blipFill>
+        <p:spPr>
+          <a:xfrm>
+            <a:off x="4419600" y="49500"/>
+            <a:ext cx="6858000" cy="6858000"/>
+          </a:xfrm>
+          <a:prstGeom prst="rect">
+            <a:avLst/>
+          </a:prstGeom>
+        </p:spPr>
+      </p:pic>
     </p:spTree>
   </p:cSld>
+  <p:clrMapOvr>
+    <a:masterClrMapping/>
+  </p:clrMapOvr>
   <p:timing>
     <p:tnLst>
       <p:par>
-        <p:cTn id="5" dur="indefinite" restart="never" nodeType="tmRoot">
+        <p:cTn id="1" dur="indefinite" restart="never" nodeType="tmRoot">
           <p:childTnLst>
             <p:seq>
-              <p:cTn id="6" nodeType="mainSeq"/>
+              <p:cTn id="2" nodeType="mainSeq"/>
               <p:prevCondLst>
-                <p:cond delay="0" evt="onPrev">
+                <p:cond evt="onPrev" delay="0">
                   <p:tgtEl>
                     <p:sldTgt/>
                   </p:tgtEl>
                 </p:cond>
               </p:prevCondLst>
               <p:nextCondLst>
-                <p:cond delay="0" evt="onNext">
+                <p:cond evt="onNext" delay="0">
                   <p:tgtEl>
                     <p:sldTgt/>
                   </p:tgtEl>
@@ -4745,7 +6010,7 @@
 </file>
 
 <file path=ppt/slides/slide4.xml><?xml version="1.0" encoding="utf-8"?>
-<p:sld xmlns:a="http://schemas.openxmlformats.org/drawingml/2006/main" xmlns:p="http://schemas.openxmlformats.org/presentationml/2006/main" xmlns:r="http://schemas.openxmlformats.org/officeDocument/2006/relationships" xmlns:p14="http://schemas.microsoft.com/office/powerpoint/2010/main" xmlns:p15="http://schemas.microsoft.com/office/powerpoint/2012/main" xmlns:mc="http://schemas.openxmlformats.org/markup-compatibility/2006">
+<p:sld xmlns:a="http://schemas.openxmlformats.org/drawingml/2006/main" xmlns:r="http://schemas.openxmlformats.org/officeDocument/2006/relationships" xmlns:p="http://schemas.openxmlformats.org/presentationml/2006/main">
   <p:cSld>
     <p:spTree>
       <p:nvGrpSpPr>
@@ -4763,7 +6028,7 @@
       </p:grpSpPr>
       <p:sp>
         <p:nvSpPr>
-          <p:cNvPr id="83" name="TextShape 1"/>
+          <p:cNvPr id="81" name="TextShape 1"/>
           <p:cNvSpPr txBox="1"/>
           <p:nvPr/>
         </p:nvSpPr>
@@ -4782,6 +6047,7 @@
         </p:spPr>
         <p:txBody>
           <a:bodyPr anchor="ctr"/>
+          <a:lstStyle/>
           <a:p>
             <a:pPr>
               <a:lnSpc>
@@ -4789,44 +6055,65 @@
               </a:lnSpc>
             </a:pPr>
             <a:r>
-              <a:rPr b="0" lang="zh-CN" sz="4400" spc="-1" strike="noStrike">
+              <a:rPr lang="zh-CN" sz="4400" b="0" strike="noStrike" spc="-1" dirty="0">
                 <a:solidFill>
                   <a:srgbClr val="000000"/>
                 </a:solidFill>
                 <a:uFill>
                   <a:solidFill>
-                    <a:srgbClr val="ffffff"/>
+                    <a:srgbClr val="FFFFFF"/>
                   </a:solidFill>
                 </a:uFill>
                 <a:latin typeface="微软雅黑 Light"/>
                 <a:ea typeface="微软雅黑 Light"/>
               </a:rPr>
-              <a:t>Horsehoe Case</a:t>
+              <a:t>Simple Case </a:t>
             </a:r>
-            <a:endParaRPr b="0" lang="zh-CN" sz="1800" spc="-1" strike="noStrike">
-              <a:solidFill>
-                <a:srgbClr val="000000"/>
-              </a:solidFill>
-              <a:uFill>
-                <a:solidFill>
-                  <a:srgbClr val="ffffff"/>
-                </a:solidFill>
-              </a:uFill>
-              <a:latin typeface="Calibri"/>
-            </a:endParaRPr>
-          </a:p>
-        </p:txBody>
-      </p:sp>
-      <p:sp>
-        <p:nvSpPr>
-          <p:cNvPr id="84" name="TextShape 2"/>
-          <p:cNvSpPr txBox="1"/>
+            <a:r>
+              <a:rPr lang="en-US" altLang="zh-CN" sz="4400" b="0" strike="noStrike" spc="-1" dirty="0">
+                <a:solidFill>
+                  <a:srgbClr val="000000"/>
+                </a:solidFill>
+                <a:uFill>
+                  <a:solidFill>
+                    <a:srgbClr val="FFFFFF"/>
+                  </a:solidFill>
+                </a:uFill>
+                <a:latin typeface="微软雅黑 Light"/>
+                <a:ea typeface="微软雅黑 Light"/>
+              </a:rPr>
+              <a:t>2</a:t>
+            </a:r>
+            <a:endParaRPr lang="zh-CN" sz="1800" b="0" strike="noStrike" spc="-1" dirty="0">
+              <a:solidFill>
+                <a:srgbClr val="000000"/>
+              </a:solidFill>
+              <a:uFill>
+                <a:solidFill>
+                  <a:srgbClr val="FFFFFF"/>
+                </a:solidFill>
+              </a:uFill>
+              <a:latin typeface="Calibri"/>
+            </a:endParaRPr>
+          </a:p>
+        </p:txBody>
+      </p:sp>
+      <p:sp>
+        <p:nvSpPr>
+          <p:cNvPr id="4" name="CustomShape 2">
+            <a:extLst>
+              <a:ext uri="{FF2B5EF4-FFF2-40B4-BE49-F238E27FC236}">
+                <a16:creationId xmlns:a16="http://schemas.microsoft.com/office/drawing/2014/main" id="{55C93F9D-A46B-A44D-9633-85D4152756D6}"/>
+              </a:ext>
+            </a:extLst>
+          </p:cNvPr>
+          <p:cNvSpPr/>
           <p:nvPr/>
         </p:nvSpPr>
         <p:spPr>
           <a:xfrm>
-            <a:off x="1244880" y="5641920"/>
-            <a:ext cx="8595360" cy="602280"/>
+            <a:off x="914400" y="732599"/>
+            <a:ext cx="3505200" cy="1524825"/>
           </a:xfrm>
           <a:prstGeom prst="rect">
             <a:avLst/>
@@ -4836,57 +6123,140 @@
             <a:noFill/>
           </a:ln>
         </p:spPr>
-        <p:txBody>
-          <a:bodyPr lIns="90000" rIns="90000" tIns="45000" bIns="45000"/>
-          <a:p>
+        <p:style>
+          <a:lnRef idx="0">
+            <a:scrgbClr r="0" g="0" b="0"/>
+          </a:lnRef>
+          <a:fillRef idx="0">
+            <a:scrgbClr r="0" g="0" b="0"/>
+          </a:fillRef>
+          <a:effectRef idx="0">
+            <a:scrgbClr r="0" g="0" b="0"/>
+          </a:effectRef>
+          <a:fontRef idx="minor"/>
+        </p:style>
+        <p:txBody>
+          <a:bodyPr lIns="90000" tIns="45000" rIns="90000" bIns="45000"/>
+          <a:lstStyle/>
+          <a:p>
+            <a:pPr>
+              <a:lnSpc>
+                <a:spcPct val="100000"/>
+              </a:lnSpc>
+            </a:pPr>
             <a:r>
-              <a:rPr b="0" lang="en-US" sz="1800" spc="-1" strike="noStrike">
+              <a:rPr lang="en-US" sz="1800" b="1" strike="noStrike" spc="-1" dirty="0" err="1">
                 <a:solidFill>
                   <a:srgbClr val="000000"/>
                 </a:solidFill>
                 <a:uFill>
                   <a:solidFill>
-                    <a:srgbClr val="ffffff"/>
+                    <a:srgbClr val="FFFFFF"/>
                   </a:solidFill>
                 </a:uFill>
-                <a:latin typeface="Arial"/>
+                <a:latin typeface="Calibri"/>
               </a:rPr>
-              <a:t>No results yet, after couple of hours planning! </a:t>
+              <a:t>dist_sofar+dist_togoal</a:t>
             </a:r>
-            <a:endParaRPr b="0" lang="en-US" sz="1800" spc="-1" strike="noStrike">
-              <a:solidFill>
-                <a:srgbClr val="000000"/>
-              </a:solidFill>
-              <a:uFill>
-                <a:solidFill>
-                  <a:srgbClr val="ffffff"/>
-                </a:solidFill>
-              </a:uFill>
-              <a:latin typeface="Arial"/>
-            </a:endParaRPr>
-          </a:p>
-          <a:p>
+            <a:endParaRPr lang="en-US" sz="1800" b="1" strike="noStrike" spc="-1" dirty="0">
+              <a:solidFill>
+                <a:srgbClr val="000000"/>
+              </a:solidFill>
+              <a:uFill>
+                <a:solidFill>
+                  <a:srgbClr val="FFFFFF"/>
+                </a:solidFill>
+              </a:uFill>
+              <a:latin typeface="Calibri"/>
+            </a:endParaRPr>
+          </a:p>
+          <a:p>
+            <a:pPr>
+              <a:lnSpc>
+                <a:spcPct val="100000"/>
+              </a:lnSpc>
+            </a:pPr>
             <a:r>
-              <a:rPr b="0" lang="en-US" sz="1800" spc="-1" strike="noStrike">
+              <a:rPr lang="en-US" sz="1800" b="1" strike="noStrike" spc="-1" dirty="0">
                 <a:solidFill>
                   <a:srgbClr val="000000"/>
                 </a:solidFill>
                 <a:uFill>
                   <a:solidFill>
-                    <a:srgbClr val="ffffff"/>
+                    <a:srgbClr val="FFFFFF"/>
                   </a:solidFill>
                 </a:uFill>
-                <a:latin typeface="Arial"/>
+                <a:latin typeface="Calibri"/>
               </a:rPr>
-              <a:t>Need to adjust planner heuristic/cost function! (In Progress)</a:t>
+              <a:t>+100*</a:t>
             </a:r>
-            <a:endParaRPr b="0" lang="en-US" sz="1800" spc="-1" strike="noStrike">
-              <a:solidFill>
-                <a:srgbClr val="000000"/>
-              </a:solidFill>
-              <a:uFill>
-                <a:solidFill>
-                  <a:srgbClr val="ffffff"/>
+            <a:r>
+              <a:rPr lang="en-US" sz="1800" b="1" strike="noStrike" spc="-1" dirty="0" err="1">
+                <a:solidFill>
+                  <a:srgbClr val="000000"/>
+                </a:solidFill>
+                <a:uFill>
+                  <a:solidFill>
+                    <a:srgbClr val="FFFFFF"/>
+                  </a:solidFill>
+                </a:uFill>
+                <a:latin typeface="Calibri"/>
+              </a:rPr>
+              <a:t>check_small_action</a:t>
+            </a:r>
+            <a:endParaRPr lang="en-US" sz="1800" b="1" strike="noStrike" spc="-1" dirty="0">
+              <a:solidFill>
+                <a:srgbClr val="000000"/>
+              </a:solidFill>
+              <a:uFill>
+                <a:solidFill>
+                  <a:srgbClr val="FFFFFF"/>
+                </a:solidFill>
+              </a:uFill>
+              <a:latin typeface="Calibri"/>
+            </a:endParaRPr>
+          </a:p>
+          <a:p>
+            <a:pPr>
+              <a:lnSpc>
+                <a:spcPct val="100000"/>
+              </a:lnSpc>
+            </a:pPr>
+            <a:r>
+              <a:rPr lang="en-US" sz="1800" b="1" strike="noStrike" spc="-1" dirty="0">
+                <a:solidFill>
+                  <a:srgbClr val="000000"/>
+                </a:solidFill>
+                <a:uFill>
+                  <a:solidFill>
+                    <a:srgbClr val="FFFFFF"/>
+                  </a:solidFill>
+                </a:uFill>
+                <a:latin typeface="Calibri"/>
+              </a:rPr>
+              <a:t>+1000*</a:t>
+            </a:r>
+            <a:r>
+              <a:rPr lang="en-US" sz="1800" b="1" strike="noStrike" spc="-1" dirty="0" err="1">
+                <a:solidFill>
+                  <a:srgbClr val="000000"/>
+                </a:solidFill>
+                <a:uFill>
+                  <a:solidFill>
+                    <a:srgbClr val="FFFFFF"/>
+                  </a:solidFill>
+                </a:uFill>
+                <a:latin typeface="Calibri"/>
+              </a:rPr>
+              <a:t>check_opposite_direction</a:t>
+            </a:r>
+            <a:endParaRPr lang="en-US" sz="1800" b="0" strike="noStrike" spc="-1" dirty="0">
+              <a:solidFill>
+                <a:srgbClr val="000000"/>
+              </a:solidFill>
+              <a:uFill>
+                <a:solidFill>
+                  <a:srgbClr val="FFFFFF"/>
                 </a:solidFill>
               </a:uFill>
               <a:latin typeface="Arial"/>
@@ -4894,24 +6264,68 @@
           </a:p>
         </p:txBody>
       </p:sp>
+      <p:pic>
+        <p:nvPicPr>
+          <p:cNvPr id="5" name="Picture 4" descr="A picture containing umbrella, rain&#10;&#10;Description automatically generated">
+            <a:extLst>
+              <a:ext uri="{FF2B5EF4-FFF2-40B4-BE49-F238E27FC236}">
+                <a16:creationId xmlns:a16="http://schemas.microsoft.com/office/drawing/2014/main" id="{8DBC48B2-D4C6-4041-932A-735D9C2F84FC}"/>
+              </a:ext>
+            </a:extLst>
+          </p:cNvPr>
+          <p:cNvPicPr>
+            <a:picLocks noChangeAspect="1"/>
+          </p:cNvPicPr>
+          <p:nvPr/>
+        </p:nvPicPr>
+        <p:blipFill>
+          <a:blip r:embed="rId2">
+            <a:extLst>
+              <a:ext uri="{28A0092B-C50C-407E-A947-70E740481C1C}">
+                <a14:useLocalDpi xmlns:a14="http://schemas.microsoft.com/office/drawing/2010/main" val="0"/>
+              </a:ext>
+            </a:extLst>
+          </a:blip>
+          <a:stretch>
+            <a:fillRect/>
+          </a:stretch>
+        </p:blipFill>
+        <p:spPr>
+          <a:xfrm>
+            <a:off x="4712640" y="0"/>
+            <a:ext cx="6858000" cy="6858000"/>
+          </a:xfrm>
+          <a:prstGeom prst="rect">
+            <a:avLst/>
+          </a:prstGeom>
+        </p:spPr>
+      </p:pic>
     </p:spTree>
+    <p:extLst>
+      <p:ext uri="{BB962C8B-B14F-4D97-AF65-F5344CB8AC3E}">
+        <p14:creationId xmlns:p14="http://schemas.microsoft.com/office/powerpoint/2010/main" val="2840596991"/>
+      </p:ext>
+    </p:extLst>
   </p:cSld>
+  <p:clrMapOvr>
+    <a:masterClrMapping/>
+  </p:clrMapOvr>
   <p:timing>
     <p:tnLst>
       <p:par>
-        <p:cTn id="7" dur="indefinite" restart="never" nodeType="tmRoot">
+        <p:cTn id="1" dur="indefinite" restart="never" nodeType="tmRoot">
           <p:childTnLst>
             <p:seq>
-              <p:cTn id="8" nodeType="mainSeq"/>
+              <p:cTn id="2" nodeType="mainSeq"/>
               <p:prevCondLst>
-                <p:cond delay="0" evt="onPrev">
+                <p:cond evt="onPrev" delay="0">
                   <p:tgtEl>
                     <p:sldTgt/>
                   </p:tgtEl>
                 </p:cond>
               </p:prevCondLst>
               <p:nextCondLst>
-                <p:cond delay="0" evt="onNext">
+                <p:cond evt="onNext" delay="0">
                   <p:tgtEl>
                     <p:sldTgt/>
                   </p:tgtEl>
@@ -4927,7 +6341,7 @@
 </file>
 
 <file path=ppt/slides/slide5.xml><?xml version="1.0" encoding="utf-8"?>
-<p:sld xmlns:a="http://schemas.openxmlformats.org/drawingml/2006/main" xmlns:p="http://schemas.openxmlformats.org/presentationml/2006/main" xmlns:r="http://schemas.openxmlformats.org/officeDocument/2006/relationships" xmlns:p14="http://schemas.microsoft.com/office/powerpoint/2010/main" xmlns:p15="http://schemas.microsoft.com/office/powerpoint/2012/main" xmlns:mc="http://schemas.openxmlformats.org/markup-compatibility/2006">
+<p:sld xmlns:a="http://schemas.openxmlformats.org/drawingml/2006/main" xmlns:r="http://schemas.openxmlformats.org/officeDocument/2006/relationships" xmlns:p="http://schemas.openxmlformats.org/presentationml/2006/main">
   <p:cSld>
     <p:spTree>
       <p:nvGrpSpPr>
@@ -4945,13 +6359,13 @@
       </p:grpSpPr>
       <p:sp>
         <p:nvSpPr>
-          <p:cNvPr id="85" name="TextShape 1"/>
+          <p:cNvPr id="81" name="TextShape 1"/>
           <p:cNvSpPr txBox="1"/>
           <p:nvPr/>
         </p:nvSpPr>
         <p:spPr>
           <a:xfrm>
-            <a:off x="347760" y="-185040"/>
+            <a:off x="621360" y="-246960"/>
             <a:ext cx="10515240" cy="1325160"/>
           </a:xfrm>
           <a:prstGeom prst="rect">
@@ -4964,6 +6378,7 @@
         </p:spPr>
         <p:txBody>
           <a:bodyPr anchor="ctr"/>
+          <a:lstStyle/>
           <a:p>
             <a:pPr>
               <a:lnSpc>
@@ -4971,44 +6386,65 @@
               </a:lnSpc>
             </a:pPr>
             <a:r>
-              <a:rPr b="0" lang="zh-CN" sz="4400" spc="-1" strike="noStrike">
+              <a:rPr lang="zh-CN" sz="4400" b="0" strike="noStrike" spc="-1" dirty="0">
                 <a:solidFill>
                   <a:srgbClr val="000000"/>
                 </a:solidFill>
                 <a:uFill>
                   <a:solidFill>
-                    <a:srgbClr val="ffffff"/>
+                    <a:srgbClr val="FFFFFF"/>
                   </a:solidFill>
                 </a:uFill>
                 <a:latin typeface="微软雅黑 Light"/>
                 <a:ea typeface="微软雅黑 Light"/>
               </a:rPr>
-              <a:t>Discussions: To accelerate</a:t>
+              <a:t>Simple Case </a:t>
             </a:r>
-            <a:endParaRPr b="0" lang="zh-CN" sz="1800" spc="-1" strike="noStrike">
-              <a:solidFill>
-                <a:srgbClr val="000000"/>
-              </a:solidFill>
-              <a:uFill>
-                <a:solidFill>
-                  <a:srgbClr val="ffffff"/>
-                </a:solidFill>
-              </a:uFill>
-              <a:latin typeface="Calibri"/>
-            </a:endParaRPr>
-          </a:p>
-        </p:txBody>
-      </p:sp>
-      <p:sp>
-        <p:nvSpPr>
-          <p:cNvPr id="86" name="CustomShape 2"/>
+            <a:r>
+              <a:rPr lang="en-US" altLang="zh-CN" sz="4400" b="0" strike="noStrike" spc="-1" dirty="0">
+                <a:solidFill>
+                  <a:srgbClr val="000000"/>
+                </a:solidFill>
+                <a:uFill>
+                  <a:solidFill>
+                    <a:srgbClr val="FFFFFF"/>
+                  </a:solidFill>
+                </a:uFill>
+                <a:latin typeface="微软雅黑 Light"/>
+                <a:ea typeface="微软雅黑 Light"/>
+              </a:rPr>
+              <a:t>3</a:t>
+            </a:r>
+            <a:endParaRPr lang="zh-CN" sz="1800" b="0" strike="noStrike" spc="-1" dirty="0">
+              <a:solidFill>
+                <a:srgbClr val="000000"/>
+              </a:solidFill>
+              <a:uFill>
+                <a:solidFill>
+                  <a:srgbClr val="FFFFFF"/>
+                </a:solidFill>
+              </a:uFill>
+              <a:latin typeface="Calibri"/>
+            </a:endParaRPr>
+          </a:p>
+        </p:txBody>
+      </p:sp>
+      <p:sp>
+        <p:nvSpPr>
+          <p:cNvPr id="4" name="CustomShape 2">
+            <a:extLst>
+              <a:ext uri="{FF2B5EF4-FFF2-40B4-BE49-F238E27FC236}">
+                <a16:creationId xmlns:a16="http://schemas.microsoft.com/office/drawing/2014/main" id="{D3936FE0-35B7-1F41-95BF-CAA252E31B2F}"/>
+              </a:ext>
+            </a:extLst>
+          </p:cNvPr>
           <p:cNvSpPr/>
           <p:nvPr/>
         </p:nvSpPr>
         <p:spPr>
           <a:xfrm>
-            <a:off x="-33480" y="1140480"/>
-            <a:ext cx="12455640" cy="1796040"/>
+            <a:off x="914400" y="732599"/>
+            <a:ext cx="3505200" cy="1524825"/>
           </a:xfrm>
           <a:prstGeom prst="rect">
             <a:avLst/>
@@ -5019,156 +6455,139 @@
           </a:ln>
         </p:spPr>
         <p:style>
-          <a:lnRef idx="0"/>
-          <a:fillRef idx="0"/>
-          <a:effectRef idx="0"/>
+          <a:lnRef idx="0">
+            <a:scrgbClr r="0" g="0" b="0"/>
+          </a:lnRef>
+          <a:fillRef idx="0">
+            <a:scrgbClr r="0" g="0" b="0"/>
+          </a:fillRef>
+          <a:effectRef idx="0">
+            <a:scrgbClr r="0" g="0" b="0"/>
+          </a:effectRef>
           <a:fontRef idx="minor"/>
         </p:style>
         <p:txBody>
-          <a:bodyPr lIns="90000" rIns="90000" tIns="45000" bIns="45000"/>
-          <a:p>
-            <a:pPr marL="285840" indent="-285480">
+          <a:bodyPr lIns="90000" tIns="45000" rIns="90000" bIns="45000"/>
+          <a:lstStyle/>
+          <a:p>
+            <a:pPr>
               <a:lnSpc>
                 <a:spcPct val="100000"/>
               </a:lnSpc>
-              <a:buClr>
-                <a:srgbClr val="000000"/>
-              </a:buClr>
-              <a:buFont typeface="Arial"/>
-              <a:buChar char="•"/>
             </a:pPr>
             <a:r>
-              <a:rPr b="0" lang="en-US" sz="2800" spc="-1" strike="noStrike">
+              <a:rPr lang="en-US" sz="1800" b="1" strike="noStrike" spc="-1" dirty="0" err="1">
                 <a:solidFill>
                   <a:srgbClr val="000000"/>
                 </a:solidFill>
                 <a:uFill>
                   <a:solidFill>
-                    <a:srgbClr val="ffffff"/>
+                    <a:srgbClr val="FFFFFF"/>
                   </a:solidFill>
                 </a:uFill>
                 <a:latin typeface="Calibri"/>
               </a:rPr>
-              <a:t>Reduce number of same actions in one big step</a:t>
+              <a:t>dist_sofar+dist_togoal</a:t>
             </a:r>
-            <a:endParaRPr b="0" lang="en-US" sz="1800" spc="-1" strike="noStrike">
-              <a:solidFill>
-                <a:srgbClr val="000000"/>
-              </a:solidFill>
-              <a:uFill>
-                <a:solidFill>
-                  <a:srgbClr val="ffffff"/>
-                </a:solidFill>
-              </a:uFill>
-              <a:latin typeface="Arial"/>
-            </a:endParaRPr>
-          </a:p>
-          <a:p>
-            <a:pPr marL="285840" indent="-285480">
+            <a:endParaRPr lang="en-US" sz="1800" b="1" strike="noStrike" spc="-1" dirty="0">
+              <a:solidFill>
+                <a:srgbClr val="000000"/>
+              </a:solidFill>
+              <a:uFill>
+                <a:solidFill>
+                  <a:srgbClr val="FFFFFF"/>
+                </a:solidFill>
+              </a:uFill>
+              <a:latin typeface="Calibri"/>
+            </a:endParaRPr>
+          </a:p>
+          <a:p>
+            <a:pPr>
               <a:lnSpc>
                 <a:spcPct val="100000"/>
               </a:lnSpc>
-              <a:buClr>
-                <a:srgbClr val="000000"/>
-              </a:buClr>
-              <a:buFont typeface="Arial"/>
-              <a:buChar char="•"/>
             </a:pPr>
             <a:r>
-              <a:rPr b="0" lang="en-US" sz="2800" spc="-1" strike="noStrike">
+              <a:rPr lang="en-US" sz="1800" b="1" strike="noStrike" spc="-1" dirty="0">
                 <a:solidFill>
                   <a:srgbClr val="000000"/>
                 </a:solidFill>
                 <a:uFill>
                   <a:solidFill>
-                    <a:srgbClr val="ffffff"/>
+                    <a:srgbClr val="FFFFFF"/>
                   </a:solidFill>
                 </a:uFill>
                 <a:latin typeface="Calibri"/>
               </a:rPr>
-              <a:t>Delete dist_sofar</a:t>
+              <a:t>+100*</a:t>
             </a:r>
-            <a:endParaRPr b="0" lang="en-US" sz="1800" spc="-1" strike="noStrike">
-              <a:solidFill>
-                <a:srgbClr val="000000"/>
-              </a:solidFill>
-              <a:uFill>
-                <a:solidFill>
-                  <a:srgbClr val="ffffff"/>
-                </a:solidFill>
-              </a:uFill>
-              <a:latin typeface="Arial"/>
-            </a:endParaRPr>
-          </a:p>
-          <a:p>
-            <a:pPr marL="285840" indent="-285480">
-              <a:lnSpc>
-                <a:spcPct val="100000"/>
-              </a:lnSpc>
-              <a:buClr>
-                <a:srgbClr val="000000"/>
-              </a:buClr>
-              <a:buFont typeface="Arial"/>
-              <a:buChar char="•"/>
-            </a:pPr>
             <a:r>
-              <a:rPr b="0" lang="en-US" sz="2800" spc="-1" strike="noStrike">
+              <a:rPr lang="en-US" sz="1800" b="1" strike="noStrike" spc="-1" dirty="0" err="1">
                 <a:solidFill>
                   <a:srgbClr val="000000"/>
                 </a:solidFill>
                 <a:uFill>
                   <a:solidFill>
-                    <a:srgbClr val="ffffff"/>
+                    <a:srgbClr val="FFFFFF"/>
                   </a:solidFill>
                 </a:uFill>
                 <a:latin typeface="Calibri"/>
               </a:rPr>
-              <a:t>Delete “towards opposite direction” penalty</a:t>
+              <a:t>check_small_action</a:t>
             </a:r>
-            <a:endParaRPr b="0" lang="en-US" sz="1800" spc="-1" strike="noStrike">
-              <a:solidFill>
-                <a:srgbClr val="000000"/>
-              </a:solidFill>
-              <a:uFill>
-                <a:solidFill>
-                  <a:srgbClr val="ffffff"/>
-                </a:solidFill>
-              </a:uFill>
-              <a:latin typeface="Arial"/>
-            </a:endParaRPr>
-          </a:p>
-          <a:p>
-            <a:pPr marL="285840" indent="-285480">
+            <a:endParaRPr lang="en-US" sz="1800" b="1" strike="noStrike" spc="-1" dirty="0">
+              <a:solidFill>
+                <a:srgbClr val="000000"/>
+              </a:solidFill>
+              <a:uFill>
+                <a:solidFill>
+                  <a:srgbClr val="FFFFFF"/>
+                </a:solidFill>
+              </a:uFill>
+              <a:latin typeface="Calibri"/>
+            </a:endParaRPr>
+          </a:p>
+          <a:p>
+            <a:pPr>
               <a:lnSpc>
                 <a:spcPct val="100000"/>
               </a:lnSpc>
-              <a:buClr>
-                <a:srgbClr val="000000"/>
-              </a:buClr>
-              <a:buFont typeface="Arial"/>
-              <a:buChar char="•"/>
             </a:pPr>
             <a:r>
-              <a:rPr b="0" lang="en-US" sz="2800" spc="-1" strike="noStrike">
+              <a:rPr lang="en-US" sz="1800" b="1" strike="noStrike" spc="-1" dirty="0">
                 <a:solidFill>
                   <a:srgbClr val="000000"/>
                 </a:solidFill>
                 <a:uFill>
                   <a:solidFill>
-                    <a:srgbClr val="ffffff"/>
+                    <a:srgbClr val="FFFFFF"/>
                   </a:solidFill>
                 </a:uFill>
                 <a:latin typeface="Calibri"/>
               </a:rPr>
-              <a:t>Adjust weight of “small action” direction  </a:t>
+              <a:t>+1000*</a:t>
             </a:r>
-            <a:endParaRPr b="0" lang="en-US" sz="1800" spc="-1" strike="noStrike">
-              <a:solidFill>
-                <a:srgbClr val="000000"/>
-              </a:solidFill>
-              <a:uFill>
-                <a:solidFill>
-                  <a:srgbClr val="ffffff"/>
+            <a:r>
+              <a:rPr lang="en-US" sz="1800" b="1" strike="noStrike" spc="-1" dirty="0" err="1">
+                <a:solidFill>
+                  <a:srgbClr val="000000"/>
+                </a:solidFill>
+                <a:uFill>
+                  <a:solidFill>
+                    <a:srgbClr val="FFFFFF"/>
+                  </a:solidFill>
+                </a:uFill>
+                <a:latin typeface="Calibri"/>
+              </a:rPr>
+              <a:t>check_opposite_direction</a:t>
+            </a:r>
+            <a:endParaRPr lang="en-US" sz="1800" b="0" strike="noStrike" spc="-1" dirty="0">
+              <a:solidFill>
+                <a:srgbClr val="000000"/>
+              </a:solidFill>
+              <a:uFill>
+                <a:solidFill>
+                  <a:srgbClr val="FFFFFF"/>
                 </a:solidFill>
               </a:uFill>
               <a:latin typeface="Arial"/>
@@ -5176,24 +6595,1228 @@
           </a:p>
         </p:txBody>
       </p:sp>
+      <p:pic>
+        <p:nvPicPr>
+          <p:cNvPr id="5" name="Picture 4" descr="A picture containing umbrella, rain&#10;&#10;Description automatically generated">
+            <a:extLst>
+              <a:ext uri="{FF2B5EF4-FFF2-40B4-BE49-F238E27FC236}">
+                <a16:creationId xmlns:a16="http://schemas.microsoft.com/office/drawing/2014/main" id="{031A825C-0071-3F4D-8599-0D04C869A46A}"/>
+              </a:ext>
+            </a:extLst>
+          </p:cNvPr>
+          <p:cNvPicPr>
+            <a:picLocks noChangeAspect="1"/>
+          </p:cNvPicPr>
+          <p:nvPr/>
+        </p:nvPicPr>
+        <p:blipFill>
+          <a:blip r:embed="rId2">
+            <a:extLst>
+              <a:ext uri="{28A0092B-C50C-407E-A947-70E740481C1C}">
+                <a14:useLocalDpi xmlns:a14="http://schemas.microsoft.com/office/drawing/2010/main" val="0"/>
+              </a:ext>
+            </a:extLst>
+          </a:blip>
+          <a:stretch>
+            <a:fillRect/>
+          </a:stretch>
+        </p:blipFill>
+        <p:spPr>
+          <a:xfrm>
+            <a:off x="4895850" y="0"/>
+            <a:ext cx="6858000" cy="6858000"/>
+          </a:xfrm>
+          <a:prstGeom prst="rect">
+            <a:avLst/>
+          </a:prstGeom>
+        </p:spPr>
+      </p:pic>
     </p:spTree>
+    <p:extLst>
+      <p:ext uri="{BB962C8B-B14F-4D97-AF65-F5344CB8AC3E}">
+        <p14:creationId xmlns:p14="http://schemas.microsoft.com/office/powerpoint/2010/main" val="1792140134"/>
+      </p:ext>
+    </p:extLst>
   </p:cSld>
+  <p:clrMapOvr>
+    <a:masterClrMapping/>
+  </p:clrMapOvr>
   <p:timing>
     <p:tnLst>
       <p:par>
-        <p:cTn id="9" dur="indefinite" restart="never" nodeType="tmRoot">
+        <p:cTn id="1" dur="indefinite" restart="never" nodeType="tmRoot">
           <p:childTnLst>
             <p:seq>
-              <p:cTn id="10" nodeType="mainSeq"/>
+              <p:cTn id="2" nodeType="mainSeq"/>
               <p:prevCondLst>
-                <p:cond delay="0" evt="onPrev">
+                <p:cond evt="onPrev" delay="0">
                   <p:tgtEl>
                     <p:sldTgt/>
                   </p:tgtEl>
                 </p:cond>
               </p:prevCondLst>
               <p:nextCondLst>
-                <p:cond delay="0" evt="onNext">
+                <p:cond evt="onNext" delay="0">
+                  <p:tgtEl>
+                    <p:sldTgt/>
+                  </p:tgtEl>
+                </p:cond>
+              </p:nextCondLst>
+            </p:seq>
+          </p:childTnLst>
+        </p:cTn>
+      </p:par>
+    </p:tnLst>
+  </p:timing>
+</p:sld>
+</file>
+
+<file path=ppt/slides/slide6.xml><?xml version="1.0" encoding="utf-8"?>
+<p:sld xmlns:a="http://schemas.openxmlformats.org/drawingml/2006/main" xmlns:r="http://schemas.openxmlformats.org/officeDocument/2006/relationships" xmlns:p="http://schemas.openxmlformats.org/presentationml/2006/main">
+  <p:cSld>
+    <p:spTree>
+      <p:nvGrpSpPr>
+        <p:cNvPr id="1" name=""/>
+        <p:cNvGrpSpPr/>
+        <p:nvPr/>
+      </p:nvGrpSpPr>
+      <p:grpSpPr>
+        <a:xfrm>
+          <a:off x="0" y="0"/>
+          <a:ext cx="0" cy="0"/>
+          <a:chOff x="0" y="0"/>
+          <a:chExt cx="0" cy="0"/>
+        </a:xfrm>
+      </p:grpSpPr>
+      <p:sp>
+        <p:nvSpPr>
+          <p:cNvPr id="81" name="TextShape 1"/>
+          <p:cNvSpPr txBox="1"/>
+          <p:nvPr/>
+        </p:nvSpPr>
+        <p:spPr>
+          <a:xfrm>
+            <a:off x="621360" y="-246960"/>
+            <a:ext cx="10515240" cy="1325160"/>
+          </a:xfrm>
+          <a:prstGeom prst="rect">
+            <a:avLst/>
+          </a:prstGeom>
+          <a:noFill/>
+          <a:ln>
+            <a:noFill/>
+          </a:ln>
+        </p:spPr>
+        <p:txBody>
+          <a:bodyPr anchor="ctr"/>
+          <a:lstStyle/>
+          <a:p>
+            <a:pPr>
+              <a:lnSpc>
+                <a:spcPct val="90000"/>
+              </a:lnSpc>
+            </a:pPr>
+            <a:r>
+              <a:rPr lang="zh-CN" sz="4400" b="0" strike="noStrike" spc="-1" dirty="0">
+                <a:solidFill>
+                  <a:srgbClr val="000000"/>
+                </a:solidFill>
+                <a:uFill>
+                  <a:solidFill>
+                    <a:srgbClr val="FFFFFF"/>
+                  </a:solidFill>
+                </a:uFill>
+                <a:latin typeface="微软雅黑 Light"/>
+                <a:ea typeface="微软雅黑 Light"/>
+              </a:rPr>
+              <a:t>Simple Case </a:t>
+            </a:r>
+            <a:r>
+              <a:rPr lang="en-US" altLang="zh-CN" sz="4400" b="0" strike="noStrike" spc="-1" dirty="0">
+                <a:solidFill>
+                  <a:srgbClr val="000000"/>
+                </a:solidFill>
+                <a:uFill>
+                  <a:solidFill>
+                    <a:srgbClr val="FFFFFF"/>
+                  </a:solidFill>
+                </a:uFill>
+                <a:latin typeface="微软雅黑 Light"/>
+                <a:ea typeface="微软雅黑 Light"/>
+              </a:rPr>
+              <a:t>4</a:t>
+            </a:r>
+            <a:endParaRPr lang="zh-CN" sz="1800" b="0" strike="noStrike" spc="-1" dirty="0">
+              <a:solidFill>
+                <a:srgbClr val="000000"/>
+              </a:solidFill>
+              <a:uFill>
+                <a:solidFill>
+                  <a:srgbClr val="FFFFFF"/>
+                </a:solidFill>
+              </a:uFill>
+              <a:latin typeface="Calibri"/>
+            </a:endParaRPr>
+          </a:p>
+        </p:txBody>
+      </p:sp>
+      <p:sp>
+        <p:nvSpPr>
+          <p:cNvPr id="4" name="CustomShape 2">
+            <a:extLst>
+              <a:ext uri="{FF2B5EF4-FFF2-40B4-BE49-F238E27FC236}">
+                <a16:creationId xmlns:a16="http://schemas.microsoft.com/office/drawing/2014/main" id="{F0D9524B-6E5F-8E4B-A068-DDA70A89B6B3}"/>
+              </a:ext>
+            </a:extLst>
+          </p:cNvPr>
+          <p:cNvSpPr/>
+          <p:nvPr/>
+        </p:nvSpPr>
+        <p:spPr>
+          <a:xfrm>
+            <a:off x="914400" y="732599"/>
+            <a:ext cx="3505200" cy="1524825"/>
+          </a:xfrm>
+          <a:prstGeom prst="rect">
+            <a:avLst/>
+          </a:prstGeom>
+          <a:noFill/>
+          <a:ln>
+            <a:noFill/>
+          </a:ln>
+        </p:spPr>
+        <p:style>
+          <a:lnRef idx="0">
+            <a:scrgbClr r="0" g="0" b="0"/>
+          </a:lnRef>
+          <a:fillRef idx="0">
+            <a:scrgbClr r="0" g="0" b="0"/>
+          </a:fillRef>
+          <a:effectRef idx="0">
+            <a:scrgbClr r="0" g="0" b="0"/>
+          </a:effectRef>
+          <a:fontRef idx="minor"/>
+        </p:style>
+        <p:txBody>
+          <a:bodyPr lIns="90000" tIns="45000" rIns="90000" bIns="45000"/>
+          <a:lstStyle/>
+          <a:p>
+            <a:pPr>
+              <a:lnSpc>
+                <a:spcPct val="100000"/>
+              </a:lnSpc>
+            </a:pPr>
+            <a:r>
+              <a:rPr lang="en-US" sz="1800" b="1" strike="noStrike" spc="-1" dirty="0" err="1">
+                <a:solidFill>
+                  <a:srgbClr val="000000"/>
+                </a:solidFill>
+                <a:uFill>
+                  <a:solidFill>
+                    <a:srgbClr val="FFFFFF"/>
+                  </a:solidFill>
+                </a:uFill>
+                <a:latin typeface="Calibri"/>
+              </a:rPr>
+              <a:t>dist_sofar+dist_togoal</a:t>
+            </a:r>
+            <a:endParaRPr lang="en-US" sz="1800" b="1" strike="noStrike" spc="-1" dirty="0">
+              <a:solidFill>
+                <a:srgbClr val="000000"/>
+              </a:solidFill>
+              <a:uFill>
+                <a:solidFill>
+                  <a:srgbClr val="FFFFFF"/>
+                </a:solidFill>
+              </a:uFill>
+              <a:latin typeface="Calibri"/>
+            </a:endParaRPr>
+          </a:p>
+          <a:p>
+            <a:pPr>
+              <a:lnSpc>
+                <a:spcPct val="100000"/>
+              </a:lnSpc>
+            </a:pPr>
+            <a:r>
+              <a:rPr lang="en-US" sz="1800" b="1" strike="noStrike" spc="-1" dirty="0">
+                <a:solidFill>
+                  <a:srgbClr val="000000"/>
+                </a:solidFill>
+                <a:uFill>
+                  <a:solidFill>
+                    <a:srgbClr val="FFFFFF"/>
+                  </a:solidFill>
+                </a:uFill>
+                <a:latin typeface="Calibri"/>
+              </a:rPr>
+              <a:t>+100*</a:t>
+            </a:r>
+            <a:r>
+              <a:rPr lang="en-US" sz="1800" b="1" strike="noStrike" spc="-1" dirty="0" err="1">
+                <a:solidFill>
+                  <a:srgbClr val="000000"/>
+                </a:solidFill>
+                <a:uFill>
+                  <a:solidFill>
+                    <a:srgbClr val="FFFFFF"/>
+                  </a:solidFill>
+                </a:uFill>
+                <a:latin typeface="Calibri"/>
+              </a:rPr>
+              <a:t>check_small_action</a:t>
+            </a:r>
+            <a:endParaRPr lang="en-US" sz="1800" b="1" strike="noStrike" spc="-1" dirty="0">
+              <a:solidFill>
+                <a:srgbClr val="000000"/>
+              </a:solidFill>
+              <a:uFill>
+                <a:solidFill>
+                  <a:srgbClr val="FFFFFF"/>
+                </a:solidFill>
+              </a:uFill>
+              <a:latin typeface="Calibri"/>
+            </a:endParaRPr>
+          </a:p>
+          <a:p>
+            <a:pPr>
+              <a:lnSpc>
+                <a:spcPct val="100000"/>
+              </a:lnSpc>
+            </a:pPr>
+            <a:r>
+              <a:rPr lang="en-US" sz="1800" b="1" strike="noStrike" spc="-1" dirty="0">
+                <a:solidFill>
+                  <a:srgbClr val="000000"/>
+                </a:solidFill>
+                <a:uFill>
+                  <a:solidFill>
+                    <a:srgbClr val="FFFFFF"/>
+                  </a:solidFill>
+                </a:uFill>
+                <a:latin typeface="Calibri"/>
+              </a:rPr>
+              <a:t>+1000*</a:t>
+            </a:r>
+            <a:r>
+              <a:rPr lang="en-US" sz="1800" b="1" strike="noStrike" spc="-1" dirty="0" err="1">
+                <a:solidFill>
+                  <a:srgbClr val="000000"/>
+                </a:solidFill>
+                <a:uFill>
+                  <a:solidFill>
+                    <a:srgbClr val="FFFFFF"/>
+                  </a:solidFill>
+                </a:uFill>
+                <a:latin typeface="Calibri"/>
+              </a:rPr>
+              <a:t>check_opposite_direction</a:t>
+            </a:r>
+            <a:endParaRPr lang="en-US" sz="1800" b="0" strike="noStrike" spc="-1" dirty="0">
+              <a:solidFill>
+                <a:srgbClr val="000000"/>
+              </a:solidFill>
+              <a:uFill>
+                <a:solidFill>
+                  <a:srgbClr val="FFFFFF"/>
+                </a:solidFill>
+              </a:uFill>
+              <a:latin typeface="Arial"/>
+            </a:endParaRPr>
+          </a:p>
+        </p:txBody>
+      </p:sp>
+      <p:pic>
+        <p:nvPicPr>
+          <p:cNvPr id="5" name="Picture 4" descr="A picture containing umbrella, rain&#10;&#10;Description automatically generated">
+            <a:extLst>
+              <a:ext uri="{FF2B5EF4-FFF2-40B4-BE49-F238E27FC236}">
+                <a16:creationId xmlns:a16="http://schemas.microsoft.com/office/drawing/2014/main" id="{5F4C3F73-9F19-3D4B-919B-5734BDFCA31B}"/>
+              </a:ext>
+            </a:extLst>
+          </p:cNvPr>
+          <p:cNvPicPr>
+            <a:picLocks noChangeAspect="1"/>
+          </p:cNvPicPr>
+          <p:nvPr/>
+        </p:nvPicPr>
+        <p:blipFill>
+          <a:blip r:embed="rId2">
+            <a:extLst>
+              <a:ext uri="{28A0092B-C50C-407E-A947-70E740481C1C}">
+                <a14:useLocalDpi xmlns:a14="http://schemas.microsoft.com/office/drawing/2010/main" val="0"/>
+              </a:ext>
+            </a:extLst>
+          </a:blip>
+          <a:stretch>
+            <a:fillRect/>
+          </a:stretch>
+        </p:blipFill>
+        <p:spPr>
+          <a:xfrm>
+            <a:off x="4967288" y="0"/>
+            <a:ext cx="6858000" cy="6858000"/>
+          </a:xfrm>
+          <a:prstGeom prst="rect">
+            <a:avLst/>
+          </a:prstGeom>
+        </p:spPr>
+      </p:pic>
+    </p:spTree>
+    <p:extLst>
+      <p:ext uri="{BB962C8B-B14F-4D97-AF65-F5344CB8AC3E}">
+        <p14:creationId xmlns:p14="http://schemas.microsoft.com/office/powerpoint/2010/main" val="3895144449"/>
+      </p:ext>
+    </p:extLst>
+  </p:cSld>
+  <p:clrMapOvr>
+    <a:masterClrMapping/>
+  </p:clrMapOvr>
+  <p:timing>
+    <p:tnLst>
+      <p:par>
+        <p:cTn id="1" dur="indefinite" restart="never" nodeType="tmRoot">
+          <p:childTnLst>
+            <p:seq>
+              <p:cTn id="2" nodeType="mainSeq"/>
+              <p:prevCondLst>
+                <p:cond evt="onPrev" delay="0">
+                  <p:tgtEl>
+                    <p:sldTgt/>
+                  </p:tgtEl>
+                </p:cond>
+              </p:prevCondLst>
+              <p:nextCondLst>
+                <p:cond evt="onNext" delay="0">
+                  <p:tgtEl>
+                    <p:sldTgt/>
+                  </p:tgtEl>
+                </p:cond>
+              </p:nextCondLst>
+            </p:seq>
+          </p:childTnLst>
+        </p:cTn>
+      </p:par>
+    </p:tnLst>
+  </p:timing>
+</p:sld>
+</file>
+
+<file path=ppt/slides/slide7.xml><?xml version="1.0" encoding="utf-8"?>
+<p:sld xmlns:a="http://schemas.openxmlformats.org/drawingml/2006/main" xmlns:r="http://schemas.openxmlformats.org/officeDocument/2006/relationships" xmlns:p="http://schemas.openxmlformats.org/presentationml/2006/main">
+  <p:cSld>
+    <p:spTree>
+      <p:nvGrpSpPr>
+        <p:cNvPr id="1" name=""/>
+        <p:cNvGrpSpPr/>
+        <p:nvPr/>
+      </p:nvGrpSpPr>
+      <p:grpSpPr>
+        <a:xfrm>
+          <a:off x="0" y="0"/>
+          <a:ext cx="0" cy="0"/>
+          <a:chOff x="0" y="0"/>
+          <a:chExt cx="0" cy="0"/>
+        </a:xfrm>
+      </p:grpSpPr>
+      <p:sp>
+        <p:nvSpPr>
+          <p:cNvPr id="81" name="TextShape 1"/>
+          <p:cNvSpPr txBox="1"/>
+          <p:nvPr/>
+        </p:nvSpPr>
+        <p:spPr>
+          <a:xfrm>
+            <a:off x="621360" y="-246960"/>
+            <a:ext cx="10515240" cy="1325160"/>
+          </a:xfrm>
+          <a:prstGeom prst="rect">
+            <a:avLst/>
+          </a:prstGeom>
+          <a:noFill/>
+          <a:ln>
+            <a:noFill/>
+          </a:ln>
+        </p:spPr>
+        <p:txBody>
+          <a:bodyPr anchor="ctr"/>
+          <a:lstStyle/>
+          <a:p>
+            <a:pPr>
+              <a:lnSpc>
+                <a:spcPct val="90000"/>
+              </a:lnSpc>
+            </a:pPr>
+            <a:r>
+              <a:rPr lang="zh-CN" sz="4400" b="0" strike="noStrike" spc="-1" dirty="0">
+                <a:solidFill>
+                  <a:srgbClr val="000000"/>
+                </a:solidFill>
+                <a:uFill>
+                  <a:solidFill>
+                    <a:srgbClr val="FFFFFF"/>
+                  </a:solidFill>
+                </a:uFill>
+                <a:latin typeface="微软雅黑 Light"/>
+                <a:ea typeface="微软雅黑 Light"/>
+              </a:rPr>
+              <a:t>Simple Case </a:t>
+            </a:r>
+            <a:r>
+              <a:rPr lang="en-US" altLang="zh-CN" sz="4400" b="0" strike="noStrike" spc="-1" dirty="0">
+                <a:solidFill>
+                  <a:srgbClr val="000000"/>
+                </a:solidFill>
+                <a:uFill>
+                  <a:solidFill>
+                    <a:srgbClr val="FFFFFF"/>
+                  </a:solidFill>
+                </a:uFill>
+                <a:latin typeface="微软雅黑 Light"/>
+                <a:ea typeface="微软雅黑 Light"/>
+              </a:rPr>
+              <a:t>5</a:t>
+            </a:r>
+            <a:endParaRPr lang="zh-CN" sz="1800" b="0" strike="noStrike" spc="-1" dirty="0">
+              <a:solidFill>
+                <a:srgbClr val="000000"/>
+              </a:solidFill>
+              <a:uFill>
+                <a:solidFill>
+                  <a:srgbClr val="FFFFFF"/>
+                </a:solidFill>
+              </a:uFill>
+              <a:latin typeface="Calibri"/>
+            </a:endParaRPr>
+          </a:p>
+        </p:txBody>
+      </p:sp>
+      <p:pic>
+        <p:nvPicPr>
+          <p:cNvPr id="3" name="Picture 2" descr="A picture containing umbrella&#10;&#10;Description automatically generated">
+            <a:extLst>
+              <a:ext uri="{FF2B5EF4-FFF2-40B4-BE49-F238E27FC236}">
+                <a16:creationId xmlns:a16="http://schemas.microsoft.com/office/drawing/2014/main" id="{E6E90A5E-C8B8-D24A-A42A-95B5CF9037F0}"/>
+              </a:ext>
+            </a:extLst>
+          </p:cNvPr>
+          <p:cNvPicPr>
+            <a:picLocks noChangeAspect="1"/>
+          </p:cNvPicPr>
+          <p:nvPr/>
+        </p:nvPicPr>
+        <p:blipFill>
+          <a:blip r:embed="rId2">
+            <a:extLst>
+              <a:ext uri="{28A0092B-C50C-407E-A947-70E740481C1C}">
+                <a14:useLocalDpi xmlns:a14="http://schemas.microsoft.com/office/drawing/2010/main" val="0"/>
+              </a:ext>
+            </a:extLst>
+          </a:blip>
+          <a:stretch>
+            <a:fillRect/>
+          </a:stretch>
+        </p:blipFill>
+        <p:spPr>
+          <a:xfrm>
+            <a:off x="4990460" y="-20409"/>
+            <a:ext cx="6858000" cy="6858000"/>
+          </a:xfrm>
+          <a:prstGeom prst="rect">
+            <a:avLst/>
+          </a:prstGeom>
+        </p:spPr>
+      </p:pic>
+      <p:sp>
+        <p:nvSpPr>
+          <p:cNvPr id="14" name="CustomShape 2">
+            <a:extLst>
+              <a:ext uri="{FF2B5EF4-FFF2-40B4-BE49-F238E27FC236}">
+                <a16:creationId xmlns:a16="http://schemas.microsoft.com/office/drawing/2014/main" id="{21A86068-6285-7B4B-A9AB-0238B420A2E7}"/>
+              </a:ext>
+            </a:extLst>
+          </p:cNvPr>
+          <p:cNvSpPr/>
+          <p:nvPr/>
+        </p:nvSpPr>
+        <p:spPr>
+          <a:xfrm>
+            <a:off x="914400" y="732599"/>
+            <a:ext cx="3505200" cy="1524825"/>
+          </a:xfrm>
+          <a:prstGeom prst="rect">
+            <a:avLst/>
+          </a:prstGeom>
+          <a:noFill/>
+          <a:ln>
+            <a:noFill/>
+          </a:ln>
+        </p:spPr>
+        <p:style>
+          <a:lnRef idx="0">
+            <a:scrgbClr r="0" g="0" b="0"/>
+          </a:lnRef>
+          <a:fillRef idx="0">
+            <a:scrgbClr r="0" g="0" b="0"/>
+          </a:fillRef>
+          <a:effectRef idx="0">
+            <a:scrgbClr r="0" g="0" b="0"/>
+          </a:effectRef>
+          <a:fontRef idx="minor"/>
+        </p:style>
+        <p:txBody>
+          <a:bodyPr lIns="90000" tIns="45000" rIns="90000" bIns="45000"/>
+          <a:lstStyle/>
+          <a:p>
+            <a:pPr>
+              <a:lnSpc>
+                <a:spcPct val="100000"/>
+              </a:lnSpc>
+            </a:pPr>
+            <a:r>
+              <a:rPr lang="en-US" sz="1800" b="1" strike="noStrike" spc="-1" dirty="0" err="1">
+                <a:solidFill>
+                  <a:srgbClr val="000000"/>
+                </a:solidFill>
+                <a:uFill>
+                  <a:solidFill>
+                    <a:srgbClr val="FFFFFF"/>
+                  </a:solidFill>
+                </a:uFill>
+                <a:latin typeface="Calibri"/>
+              </a:rPr>
+              <a:t>dist_sofar+dist_togoal</a:t>
+            </a:r>
+            <a:endParaRPr lang="en-US" sz="1800" b="1" strike="noStrike" spc="-1" dirty="0">
+              <a:solidFill>
+                <a:srgbClr val="000000"/>
+              </a:solidFill>
+              <a:uFill>
+                <a:solidFill>
+                  <a:srgbClr val="FFFFFF"/>
+                </a:solidFill>
+              </a:uFill>
+              <a:latin typeface="Calibri"/>
+            </a:endParaRPr>
+          </a:p>
+          <a:p>
+            <a:pPr>
+              <a:lnSpc>
+                <a:spcPct val="100000"/>
+              </a:lnSpc>
+            </a:pPr>
+            <a:r>
+              <a:rPr lang="en-US" sz="1800" b="1" strike="noStrike" spc="-1" dirty="0">
+                <a:solidFill>
+                  <a:srgbClr val="000000"/>
+                </a:solidFill>
+                <a:uFill>
+                  <a:solidFill>
+                    <a:srgbClr val="FFFFFF"/>
+                  </a:solidFill>
+                </a:uFill>
+                <a:latin typeface="Calibri"/>
+              </a:rPr>
+              <a:t>+100*</a:t>
+            </a:r>
+            <a:r>
+              <a:rPr lang="en-US" sz="1800" b="1" strike="noStrike" spc="-1" dirty="0" err="1">
+                <a:solidFill>
+                  <a:srgbClr val="000000"/>
+                </a:solidFill>
+                <a:uFill>
+                  <a:solidFill>
+                    <a:srgbClr val="FFFFFF"/>
+                  </a:solidFill>
+                </a:uFill>
+                <a:latin typeface="Calibri"/>
+              </a:rPr>
+              <a:t>check_small_action</a:t>
+            </a:r>
+            <a:endParaRPr lang="en-US" sz="1800" b="1" strike="noStrike" spc="-1" dirty="0">
+              <a:solidFill>
+                <a:srgbClr val="000000"/>
+              </a:solidFill>
+              <a:uFill>
+                <a:solidFill>
+                  <a:srgbClr val="FFFFFF"/>
+                </a:solidFill>
+              </a:uFill>
+              <a:latin typeface="Calibri"/>
+            </a:endParaRPr>
+          </a:p>
+          <a:p>
+            <a:pPr>
+              <a:lnSpc>
+                <a:spcPct val="100000"/>
+              </a:lnSpc>
+            </a:pPr>
+            <a:r>
+              <a:rPr lang="en-US" sz="1800" b="1" strike="noStrike" spc="-1" dirty="0">
+                <a:solidFill>
+                  <a:srgbClr val="000000"/>
+                </a:solidFill>
+                <a:uFill>
+                  <a:solidFill>
+                    <a:srgbClr val="FFFFFF"/>
+                  </a:solidFill>
+                </a:uFill>
+                <a:latin typeface="Calibri"/>
+              </a:rPr>
+              <a:t>+1000*</a:t>
+            </a:r>
+            <a:r>
+              <a:rPr lang="en-US" sz="1800" b="1" strike="noStrike" spc="-1" dirty="0" err="1">
+                <a:solidFill>
+                  <a:srgbClr val="000000"/>
+                </a:solidFill>
+                <a:uFill>
+                  <a:solidFill>
+                    <a:srgbClr val="FFFFFF"/>
+                  </a:solidFill>
+                </a:uFill>
+                <a:latin typeface="Calibri"/>
+              </a:rPr>
+              <a:t>check_opposite_direction</a:t>
+            </a:r>
+            <a:endParaRPr lang="en-US" sz="1800" b="0" strike="noStrike" spc="-1" dirty="0">
+              <a:solidFill>
+                <a:srgbClr val="000000"/>
+              </a:solidFill>
+              <a:uFill>
+                <a:solidFill>
+                  <a:srgbClr val="FFFFFF"/>
+                </a:solidFill>
+              </a:uFill>
+              <a:latin typeface="Arial"/>
+            </a:endParaRPr>
+          </a:p>
+        </p:txBody>
+      </p:sp>
+    </p:spTree>
+    <p:extLst>
+      <p:ext uri="{BB962C8B-B14F-4D97-AF65-F5344CB8AC3E}">
+        <p14:creationId xmlns:p14="http://schemas.microsoft.com/office/powerpoint/2010/main" val="1479574850"/>
+      </p:ext>
+    </p:extLst>
+  </p:cSld>
+  <p:clrMapOvr>
+    <a:masterClrMapping/>
+  </p:clrMapOvr>
+  <p:timing>
+    <p:tnLst>
+      <p:par>
+        <p:cTn id="1" dur="indefinite" restart="never" nodeType="tmRoot">
+          <p:childTnLst>
+            <p:seq>
+              <p:cTn id="2" nodeType="mainSeq"/>
+              <p:prevCondLst>
+                <p:cond evt="onPrev" delay="0">
+                  <p:tgtEl>
+                    <p:sldTgt/>
+                  </p:tgtEl>
+                </p:cond>
+              </p:prevCondLst>
+              <p:nextCondLst>
+                <p:cond evt="onNext" delay="0">
+                  <p:tgtEl>
+                    <p:sldTgt/>
+                  </p:tgtEl>
+                </p:cond>
+              </p:nextCondLst>
+            </p:seq>
+          </p:childTnLst>
+        </p:cTn>
+      </p:par>
+    </p:tnLst>
+  </p:timing>
+</p:sld>
+</file>
+
+<file path=ppt/slides/slide8.xml><?xml version="1.0" encoding="utf-8"?>
+<p:sld xmlns:a="http://schemas.openxmlformats.org/drawingml/2006/main" xmlns:r="http://schemas.openxmlformats.org/officeDocument/2006/relationships" xmlns:p="http://schemas.openxmlformats.org/presentationml/2006/main">
+  <p:cSld>
+    <p:spTree>
+      <p:nvGrpSpPr>
+        <p:cNvPr id="1" name=""/>
+        <p:cNvGrpSpPr/>
+        <p:nvPr/>
+      </p:nvGrpSpPr>
+      <p:grpSpPr>
+        <a:xfrm>
+          <a:off x="0" y="0"/>
+          <a:ext cx="0" cy="0"/>
+          <a:chOff x="0" y="0"/>
+          <a:chExt cx="0" cy="0"/>
+        </a:xfrm>
+      </p:grpSpPr>
+      <p:sp>
+        <p:nvSpPr>
+          <p:cNvPr id="83" name="TextShape 1"/>
+          <p:cNvSpPr txBox="1"/>
+          <p:nvPr/>
+        </p:nvSpPr>
+        <p:spPr>
+          <a:xfrm>
+            <a:off x="621360" y="-246960"/>
+            <a:ext cx="10515240" cy="1325160"/>
+          </a:xfrm>
+          <a:prstGeom prst="rect">
+            <a:avLst/>
+          </a:prstGeom>
+          <a:noFill/>
+          <a:ln>
+            <a:noFill/>
+          </a:ln>
+        </p:spPr>
+        <p:txBody>
+          <a:bodyPr anchor="ctr"/>
+          <a:lstStyle/>
+          <a:p>
+            <a:pPr>
+              <a:lnSpc>
+                <a:spcPct val="90000"/>
+              </a:lnSpc>
+            </a:pPr>
+            <a:r>
+              <a:rPr lang="zh-CN" sz="4400" b="0" strike="noStrike" spc="-1">
+                <a:solidFill>
+                  <a:srgbClr val="000000"/>
+                </a:solidFill>
+                <a:uFill>
+                  <a:solidFill>
+                    <a:srgbClr val="FFFFFF"/>
+                  </a:solidFill>
+                </a:uFill>
+                <a:latin typeface="微软雅黑 Light"/>
+                <a:ea typeface="微软雅黑 Light"/>
+              </a:rPr>
+              <a:t>Horsehoe Case</a:t>
+            </a:r>
+            <a:endParaRPr lang="zh-CN" sz="1800" b="0" strike="noStrike" spc="-1">
+              <a:solidFill>
+                <a:srgbClr val="000000"/>
+              </a:solidFill>
+              <a:uFill>
+                <a:solidFill>
+                  <a:srgbClr val="FFFFFF"/>
+                </a:solidFill>
+              </a:uFill>
+              <a:latin typeface="Calibri"/>
+            </a:endParaRPr>
+          </a:p>
+        </p:txBody>
+      </p:sp>
+      <p:sp>
+        <p:nvSpPr>
+          <p:cNvPr id="84" name="TextShape 2"/>
+          <p:cNvSpPr txBox="1"/>
+          <p:nvPr/>
+        </p:nvSpPr>
+        <p:spPr>
+          <a:xfrm>
+            <a:off x="1244880" y="5641920"/>
+            <a:ext cx="8595360" cy="602280"/>
+          </a:xfrm>
+          <a:prstGeom prst="rect">
+            <a:avLst/>
+          </a:prstGeom>
+          <a:noFill/>
+          <a:ln>
+            <a:noFill/>
+          </a:ln>
+        </p:spPr>
+        <p:txBody>
+          <a:bodyPr lIns="90000" tIns="45000" rIns="90000" bIns="45000"/>
+          <a:lstStyle/>
+          <a:p>
+            <a:r>
+              <a:rPr lang="en-US" sz="1800" b="0" strike="noStrike" spc="-1">
+                <a:solidFill>
+                  <a:srgbClr val="000000"/>
+                </a:solidFill>
+                <a:uFill>
+                  <a:solidFill>
+                    <a:srgbClr val="FFFFFF"/>
+                  </a:solidFill>
+                </a:uFill>
+                <a:latin typeface="Arial"/>
+              </a:rPr>
+              <a:t>No results yet, after couple of hours planning! </a:t>
+            </a:r>
+          </a:p>
+          <a:p>
+            <a:r>
+              <a:rPr lang="en-US" sz="1800" b="0" strike="noStrike" spc="-1">
+                <a:solidFill>
+                  <a:srgbClr val="000000"/>
+                </a:solidFill>
+                <a:uFill>
+                  <a:solidFill>
+                    <a:srgbClr val="FFFFFF"/>
+                  </a:solidFill>
+                </a:uFill>
+                <a:latin typeface="Arial"/>
+              </a:rPr>
+              <a:t>Need to adjust planner heuristic/cost function! (In Progress)</a:t>
+            </a:r>
+          </a:p>
+        </p:txBody>
+      </p:sp>
+      <p:pic>
+        <p:nvPicPr>
+          <p:cNvPr id="3" name="Picture 2" descr="A close up of a map&#10;&#10;Description automatically generated">
+            <a:extLst>
+              <a:ext uri="{FF2B5EF4-FFF2-40B4-BE49-F238E27FC236}">
+                <a16:creationId xmlns:a16="http://schemas.microsoft.com/office/drawing/2014/main" id="{5203ADAC-BBF7-814B-A776-597600B5DED5}"/>
+              </a:ext>
+            </a:extLst>
+          </p:cNvPr>
+          <p:cNvPicPr>
+            <a:picLocks noChangeAspect="1"/>
+          </p:cNvPicPr>
+          <p:nvPr/>
+        </p:nvPicPr>
+        <p:blipFill>
+          <a:blip r:embed="rId2">
+            <a:extLst>
+              <a:ext uri="{28A0092B-C50C-407E-A947-70E740481C1C}">
+                <a14:useLocalDpi xmlns:a14="http://schemas.microsoft.com/office/drawing/2010/main" val="0"/>
+              </a:ext>
+            </a:extLst>
+          </a:blip>
+          <a:stretch>
+            <a:fillRect/>
+          </a:stretch>
+        </p:blipFill>
+        <p:spPr>
+          <a:xfrm>
+            <a:off x="1076307" y="1129730"/>
+            <a:ext cx="8932505" cy="3907971"/>
+          </a:xfrm>
+          <a:prstGeom prst="rect">
+            <a:avLst/>
+          </a:prstGeom>
+        </p:spPr>
+      </p:pic>
+    </p:spTree>
+  </p:cSld>
+  <p:clrMapOvr>
+    <a:masterClrMapping/>
+  </p:clrMapOvr>
+  <p:timing>
+    <p:tnLst>
+      <p:par>
+        <p:cTn id="1" dur="indefinite" restart="never" nodeType="tmRoot">
+          <p:childTnLst>
+            <p:seq>
+              <p:cTn id="2" nodeType="mainSeq"/>
+              <p:prevCondLst>
+                <p:cond evt="onPrev" delay="0">
+                  <p:tgtEl>
+                    <p:sldTgt/>
+                  </p:tgtEl>
+                </p:cond>
+              </p:prevCondLst>
+              <p:nextCondLst>
+                <p:cond evt="onNext" delay="0">
+                  <p:tgtEl>
+                    <p:sldTgt/>
+                  </p:tgtEl>
+                </p:cond>
+              </p:nextCondLst>
+            </p:seq>
+          </p:childTnLst>
+        </p:cTn>
+      </p:par>
+    </p:tnLst>
+  </p:timing>
+</p:sld>
+</file>
+
+<file path=ppt/slides/slide9.xml><?xml version="1.0" encoding="utf-8"?>
+<p:sld xmlns:a="http://schemas.openxmlformats.org/drawingml/2006/main" xmlns:r="http://schemas.openxmlformats.org/officeDocument/2006/relationships" xmlns:p="http://schemas.openxmlformats.org/presentationml/2006/main">
+  <p:cSld>
+    <p:spTree>
+      <p:nvGrpSpPr>
+        <p:cNvPr id="1" name=""/>
+        <p:cNvGrpSpPr/>
+        <p:nvPr/>
+      </p:nvGrpSpPr>
+      <p:grpSpPr>
+        <a:xfrm>
+          <a:off x="0" y="0"/>
+          <a:ext cx="0" cy="0"/>
+          <a:chOff x="0" y="0"/>
+          <a:chExt cx="0" cy="0"/>
+        </a:xfrm>
+      </p:grpSpPr>
+      <p:sp>
+        <p:nvSpPr>
+          <p:cNvPr id="83" name="TextShape 1"/>
+          <p:cNvSpPr txBox="1"/>
+          <p:nvPr/>
+        </p:nvSpPr>
+        <p:spPr>
+          <a:xfrm>
+            <a:off x="621360" y="-246960"/>
+            <a:ext cx="10515240" cy="1325160"/>
+          </a:xfrm>
+          <a:prstGeom prst="rect">
+            <a:avLst/>
+          </a:prstGeom>
+          <a:noFill/>
+          <a:ln>
+            <a:noFill/>
+          </a:ln>
+        </p:spPr>
+        <p:txBody>
+          <a:bodyPr anchor="ctr"/>
+          <a:lstStyle/>
+          <a:p>
+            <a:pPr>
+              <a:lnSpc>
+                <a:spcPct val="90000"/>
+              </a:lnSpc>
+            </a:pPr>
+            <a:r>
+              <a:rPr lang="zh-CN" sz="4400" b="0" strike="noStrike" spc="-1" dirty="0">
+                <a:solidFill>
+                  <a:srgbClr val="000000"/>
+                </a:solidFill>
+                <a:uFill>
+                  <a:solidFill>
+                    <a:srgbClr val="FFFFFF"/>
+                  </a:solidFill>
+                </a:uFill>
+                <a:latin typeface="微软雅黑 Light"/>
+                <a:ea typeface="微软雅黑 Light"/>
+              </a:rPr>
+              <a:t>Horsehoe Case</a:t>
+            </a:r>
+            <a:r>
+              <a:rPr lang="en-US" altLang="zh-CN" sz="4400" spc="-1" dirty="0">
+                <a:solidFill>
+                  <a:srgbClr val="000000"/>
+                </a:solidFill>
+                <a:uFill>
+                  <a:solidFill>
+                    <a:srgbClr val="FFFFFF"/>
+                  </a:solidFill>
+                </a:uFill>
+                <a:latin typeface="微软雅黑 Light"/>
+                <a:ea typeface="微软雅黑 Light"/>
+              </a:rPr>
+              <a:t>: </a:t>
+            </a:r>
+            <a:r>
+              <a:rPr lang="en-US" altLang="zh-CN" sz="4400" spc="-1" dirty="0" err="1">
+                <a:solidFill>
+                  <a:srgbClr val="000000"/>
+                </a:solidFill>
+                <a:uFill>
+                  <a:solidFill>
+                    <a:srgbClr val="FFFFFF"/>
+                  </a:solidFill>
+                </a:uFill>
+                <a:latin typeface="微软雅黑 Light"/>
+                <a:ea typeface="微软雅黑 Light"/>
+              </a:rPr>
+              <a:t>Avishai’s</a:t>
+            </a:r>
+            <a:r>
+              <a:rPr lang="en-US" altLang="zh-CN" sz="4400" spc="-1" dirty="0">
+                <a:solidFill>
+                  <a:srgbClr val="000000"/>
+                </a:solidFill>
+                <a:uFill>
+                  <a:solidFill>
+                    <a:srgbClr val="FFFFFF"/>
+                  </a:solidFill>
+                </a:uFill>
+                <a:latin typeface="微软雅黑 Light"/>
+                <a:ea typeface="微软雅黑 Light"/>
+              </a:rPr>
+              <a:t> Planner</a:t>
+            </a:r>
+            <a:endParaRPr lang="zh-CN" sz="1800" b="0" strike="noStrike" spc="-1" dirty="0">
+              <a:solidFill>
+                <a:srgbClr val="000000"/>
+              </a:solidFill>
+              <a:uFill>
+                <a:solidFill>
+                  <a:srgbClr val="FFFFFF"/>
+                </a:solidFill>
+              </a:uFill>
+              <a:latin typeface="Calibri"/>
+            </a:endParaRPr>
+          </a:p>
+        </p:txBody>
+      </p:sp>
+      <p:pic>
+        <p:nvPicPr>
+          <p:cNvPr id="4" name="Picture 3" descr="A close up of an umbrella&#10;&#10;Description automatically generated">
+            <a:extLst>
+              <a:ext uri="{FF2B5EF4-FFF2-40B4-BE49-F238E27FC236}">
+                <a16:creationId xmlns:a16="http://schemas.microsoft.com/office/drawing/2014/main" id="{464D7477-1FDB-7540-97DA-33BF8933C1AB}"/>
+              </a:ext>
+            </a:extLst>
+          </p:cNvPr>
+          <p:cNvPicPr>
+            <a:picLocks noChangeAspect="1"/>
+          </p:cNvPicPr>
+          <p:nvPr/>
+        </p:nvPicPr>
+        <p:blipFill>
+          <a:blip r:embed="rId2">
+            <a:extLst>
+              <a:ext uri="{28A0092B-C50C-407E-A947-70E740481C1C}">
+                <a14:useLocalDpi xmlns:a14="http://schemas.microsoft.com/office/drawing/2010/main" val="0"/>
+              </a:ext>
+            </a:extLst>
+          </a:blip>
+          <a:stretch>
+            <a:fillRect/>
+          </a:stretch>
+        </p:blipFill>
+        <p:spPr>
+          <a:xfrm>
+            <a:off x="2274860" y="978322"/>
+            <a:ext cx="7642279" cy="5849441"/>
+          </a:xfrm>
+          <a:prstGeom prst="rect">
+            <a:avLst/>
+          </a:prstGeom>
+        </p:spPr>
+      </p:pic>
+      <p:sp>
+        <p:nvSpPr>
+          <p:cNvPr id="7" name="CustomShape 2">
+            <a:extLst>
+              <a:ext uri="{FF2B5EF4-FFF2-40B4-BE49-F238E27FC236}">
+                <a16:creationId xmlns:a16="http://schemas.microsoft.com/office/drawing/2014/main" id="{949CF501-FEEF-674D-BAEA-FA5B6562A2EF}"/>
+              </a:ext>
+            </a:extLst>
+          </p:cNvPr>
+          <p:cNvSpPr/>
+          <p:nvPr/>
+        </p:nvSpPr>
+        <p:spPr>
+          <a:xfrm>
+            <a:off x="1055399" y="4667786"/>
+            <a:ext cx="4169744" cy="851272"/>
+          </a:xfrm>
+          <a:prstGeom prst="rect">
+            <a:avLst/>
+          </a:prstGeom>
+          <a:noFill/>
+          <a:ln>
+            <a:noFill/>
+          </a:ln>
+        </p:spPr>
+        <p:style>
+          <a:lnRef idx="0">
+            <a:scrgbClr r="0" g="0" b="0"/>
+          </a:lnRef>
+          <a:fillRef idx="0">
+            <a:scrgbClr r="0" g="0" b="0"/>
+          </a:fillRef>
+          <a:effectRef idx="0">
+            <a:scrgbClr r="0" g="0" b="0"/>
+          </a:effectRef>
+          <a:fontRef idx="minor"/>
+        </p:style>
+        <p:txBody>
+          <a:bodyPr lIns="90000" tIns="45000" rIns="90000" bIns="45000"/>
+          <a:lstStyle/>
+          <a:p>
+            <a:pPr>
+              <a:lnSpc>
+                <a:spcPct val="100000"/>
+              </a:lnSpc>
+            </a:pPr>
+            <a:r>
+              <a:rPr lang="en-US" sz="1800" b="1" strike="noStrike" spc="-1" dirty="0">
+                <a:solidFill>
+                  <a:srgbClr val="000000"/>
+                </a:solidFill>
+                <a:uFill>
+                  <a:solidFill>
+                    <a:srgbClr val="FFFFFF"/>
+                  </a:solidFill>
+                </a:uFill>
+                <a:latin typeface="Calibri"/>
+              </a:rPr>
+              <a:t>There are some </a:t>
+            </a:r>
+            <a:r>
+              <a:rPr lang="en-US" sz="1800" b="1" strike="noStrike" spc="-1" dirty="0" err="1">
+                <a:solidFill>
+                  <a:srgbClr val="000000"/>
+                </a:solidFill>
+                <a:uFill>
+                  <a:solidFill>
+                    <a:srgbClr val="FFFFFF"/>
+                  </a:solidFill>
+                </a:uFill>
+                <a:latin typeface="Calibri"/>
+              </a:rPr>
+              <a:t>ations</a:t>
+            </a:r>
+            <a:r>
+              <a:rPr lang="en-US" sz="1800" b="1" strike="noStrike" spc="-1" dirty="0">
+                <a:solidFill>
+                  <a:srgbClr val="000000"/>
+                </a:solidFill>
+                <a:uFill>
+                  <a:solidFill>
+                    <a:srgbClr val="FFFFFF"/>
+                  </a:solidFill>
+                </a:uFill>
+                <a:latin typeface="Calibri"/>
+              </a:rPr>
+              <a:t> moving towards the opposite direction to goal.</a:t>
+            </a:r>
+            <a:endParaRPr lang="en-US" sz="1800" b="0" strike="noStrike" spc="-1" dirty="0">
+              <a:solidFill>
+                <a:srgbClr val="000000"/>
+              </a:solidFill>
+              <a:uFill>
+                <a:solidFill>
+                  <a:srgbClr val="FFFFFF"/>
+                </a:solidFill>
+              </a:uFill>
+              <a:latin typeface="Arial"/>
+            </a:endParaRPr>
+          </a:p>
+        </p:txBody>
+      </p:sp>
+    </p:spTree>
+    <p:extLst>
+      <p:ext uri="{BB962C8B-B14F-4D97-AF65-F5344CB8AC3E}">
+        <p14:creationId xmlns:p14="http://schemas.microsoft.com/office/powerpoint/2010/main" val="2184163546"/>
+      </p:ext>
+    </p:extLst>
+  </p:cSld>
+  <p:clrMapOvr>
+    <a:masterClrMapping/>
+  </p:clrMapOvr>
+  <p:timing>
+    <p:tnLst>
+      <p:par>
+        <p:cTn id="1" dur="indefinite" restart="never" nodeType="tmRoot">
+          <p:childTnLst>
+            <p:seq>
+              <p:cTn id="2" nodeType="mainSeq"/>
+              <p:prevCondLst>
+                <p:cond evt="onPrev" delay="0">
+                  <p:tgtEl>
+                    <p:sldTgt/>
+                  </p:tgtEl>
+                </p:cond>
+              </p:prevCondLst>
+              <p:nextCondLst>
+                <p:cond evt="onNext" delay="0">
                   <p:tgtEl>
                     <p:sldTgt/>
                   </p:tgtEl>
@@ -5428,6 +8051,8 @@
       </a:bgFillStyleLst>
     </a:fmtScheme>
   </a:themeElements>
+  <a:objectDefaults/>
+  <a:extraClrSchemeLst/>
 </a:theme>
 </file>
 
@@ -5651,5 +8276,7 @@
       </a:bgFillStyleLst>
     </a:fmtScheme>
   </a:themeElements>
+  <a:objectDefaults/>
+  <a:extraClrSchemeLst/>
 </a:theme>
 </file>